--- a/Prospective_area_to_set-up_a_gym.pptx
+++ b/Prospective_area_to_set-up_a_gym.pptx
@@ -5,25 +5,136 @@
     <p:sldMasterId id="2147483648" r:id="rId1"/>
   </p:sldMasterIdLst>
   <p:sldIdLst>
-    <p:sldId id="256" r:id="rId6"/>
-    <p:sldId id="257" r:id="rId7"/>
-    <p:sldId id="258" r:id="rId8"/>
-    <p:sldId id="259" r:id="rId9"/>
-    <p:sldId id="260" r:id="rId10"/>
-    <p:sldId id="261" r:id="rId11"/>
-    <p:sldId id="262" r:id="rId12"/>
-    <p:sldId id="263" r:id="rId13"/>
-    <p:sldId id="264" r:id="rId14"/>
-    <p:sldId id="265" r:id="rId15"/>
-    <p:sldId id="266" r:id="rId16"/>
+    <p:sldId id="256" r:id="rId2"/>
+    <p:sldId id="257" r:id="rId3"/>
+    <p:sldId id="258" r:id="rId4"/>
+    <p:sldId id="259" r:id="rId5"/>
+    <p:sldId id="260" r:id="rId6"/>
+    <p:sldId id="261" r:id="rId7"/>
+    <p:sldId id="262" r:id="rId8"/>
+    <p:sldId id="263" r:id="rId9"/>
+    <p:sldId id="264" r:id="rId10"/>
+    <p:sldId id="265" r:id="rId11"/>
+    <p:sldId id="266" r:id="rId12"/>
   </p:sldIdLst>
   <p:sldSz cx="12192000" cy="6858000"/>
   <p:notesSz cx="12192000" cy="6858000"/>
+  <p:defaultTextStyle>
+    <a:defPPr>
+      <a:defRPr lang="en-US"/>
+    </a:defPPr>
+    <a:lvl1pPr marL="0" algn="l" defTabSz="914400" rtl="0" eaLnBrk="1" latinLnBrk="0" hangingPunct="1">
+      <a:defRPr sz="1800" kern="1200">
+        <a:solidFill>
+          <a:schemeClr val="tx1"/>
+        </a:solidFill>
+        <a:latin typeface="+mn-lt"/>
+        <a:ea typeface="+mn-ea"/>
+        <a:cs typeface="+mn-cs"/>
+      </a:defRPr>
+    </a:lvl1pPr>
+    <a:lvl2pPr marL="457200" algn="l" defTabSz="914400" rtl="0" eaLnBrk="1" latinLnBrk="0" hangingPunct="1">
+      <a:defRPr sz="1800" kern="1200">
+        <a:solidFill>
+          <a:schemeClr val="tx1"/>
+        </a:solidFill>
+        <a:latin typeface="+mn-lt"/>
+        <a:ea typeface="+mn-ea"/>
+        <a:cs typeface="+mn-cs"/>
+      </a:defRPr>
+    </a:lvl2pPr>
+    <a:lvl3pPr marL="914400" algn="l" defTabSz="914400" rtl="0" eaLnBrk="1" latinLnBrk="0" hangingPunct="1">
+      <a:defRPr sz="1800" kern="1200">
+        <a:solidFill>
+          <a:schemeClr val="tx1"/>
+        </a:solidFill>
+        <a:latin typeface="+mn-lt"/>
+        <a:ea typeface="+mn-ea"/>
+        <a:cs typeface="+mn-cs"/>
+      </a:defRPr>
+    </a:lvl3pPr>
+    <a:lvl4pPr marL="1371600" algn="l" defTabSz="914400" rtl="0" eaLnBrk="1" latinLnBrk="0" hangingPunct="1">
+      <a:defRPr sz="1800" kern="1200">
+        <a:solidFill>
+          <a:schemeClr val="tx1"/>
+        </a:solidFill>
+        <a:latin typeface="+mn-lt"/>
+        <a:ea typeface="+mn-ea"/>
+        <a:cs typeface="+mn-cs"/>
+      </a:defRPr>
+    </a:lvl4pPr>
+    <a:lvl5pPr marL="1828800" algn="l" defTabSz="914400" rtl="0" eaLnBrk="1" latinLnBrk="0" hangingPunct="1">
+      <a:defRPr sz="1800" kern="1200">
+        <a:solidFill>
+          <a:schemeClr val="tx1"/>
+        </a:solidFill>
+        <a:latin typeface="+mn-lt"/>
+        <a:ea typeface="+mn-ea"/>
+        <a:cs typeface="+mn-cs"/>
+      </a:defRPr>
+    </a:lvl5pPr>
+    <a:lvl6pPr marL="2286000" algn="l" defTabSz="914400" rtl="0" eaLnBrk="1" latinLnBrk="0" hangingPunct="1">
+      <a:defRPr sz="1800" kern="1200">
+        <a:solidFill>
+          <a:schemeClr val="tx1"/>
+        </a:solidFill>
+        <a:latin typeface="+mn-lt"/>
+        <a:ea typeface="+mn-ea"/>
+        <a:cs typeface="+mn-cs"/>
+      </a:defRPr>
+    </a:lvl6pPr>
+    <a:lvl7pPr marL="2743200" algn="l" defTabSz="914400" rtl="0" eaLnBrk="1" latinLnBrk="0" hangingPunct="1">
+      <a:defRPr sz="1800" kern="1200">
+        <a:solidFill>
+          <a:schemeClr val="tx1"/>
+        </a:solidFill>
+        <a:latin typeface="+mn-lt"/>
+        <a:ea typeface="+mn-ea"/>
+        <a:cs typeface="+mn-cs"/>
+      </a:defRPr>
+    </a:lvl7pPr>
+    <a:lvl8pPr marL="3200400" algn="l" defTabSz="914400" rtl="0" eaLnBrk="1" latinLnBrk="0" hangingPunct="1">
+      <a:defRPr sz="1800" kern="1200">
+        <a:solidFill>
+          <a:schemeClr val="tx1"/>
+        </a:solidFill>
+        <a:latin typeface="+mn-lt"/>
+        <a:ea typeface="+mn-ea"/>
+        <a:cs typeface="+mn-cs"/>
+      </a:defRPr>
+    </a:lvl8pPr>
+    <a:lvl9pPr marL="3657600" algn="l" defTabSz="914400" rtl="0" eaLnBrk="1" latinLnBrk="0" hangingPunct="1">
+      <a:defRPr sz="1800" kern="1200">
+        <a:solidFill>
+          <a:schemeClr val="tx1"/>
+        </a:solidFill>
+        <a:latin typeface="+mn-lt"/>
+        <a:ea typeface="+mn-ea"/>
+        <a:cs typeface="+mn-cs"/>
+      </a:defRPr>
+    </a:lvl9pPr>
+  </p:defaultTextStyle>
+  <p:extLst>
+    <p:ext uri="{EFAFB233-063F-42B5-8137-9DF3F51BA10A}">
+      <p15:sldGuideLst xmlns:p15="http://schemas.microsoft.com/office/powerpoint/2012/main">
+        <p15:guide id="1" orient="horz" pos="2880">
+          <p15:clr>
+            <a:srgbClr val="A4A3A4"/>
+          </p15:clr>
+        </p15:guide>
+        <p15:guide id="2" pos="2160">
+          <p15:clr>
+            <a:srgbClr val="A4A3A4"/>
+          </p15:clr>
+        </p15:guide>
+      </p15:sldGuideLst>
+    </p:ext>
+  </p:extLst>
 </p:presentation>
 </file>
 
 <file path=ppt/slideLayouts/slideLayout1.xml><?xml version="1.0" encoding="utf-8"?>
-<p:sldLayout xmlns:a="http://schemas.openxmlformats.org/drawingml/2006/main" xmlns:r="http://schemas.openxmlformats.org/officeDocument/2006/relationships" xmlns:p="http://schemas.openxmlformats.org/presentationml/2006/main" preserve="1" type="obj" showMasterSp="0">
+<p:sldLayout xmlns:a="http://schemas.openxmlformats.org/drawingml/2006/main" xmlns:r="http://schemas.openxmlformats.org/officeDocument/2006/relationships" xmlns:p="http://schemas.openxmlformats.org/presentationml/2006/main" showMasterSp="0" type="obj" preserve="1">
   <p:cSld name="Title Slide">
     <p:bg>
       <p:bgPr>
@@ -92,7 +203,9 @@
         <p:txBody>
           <a:bodyPr wrap="square" lIns="0" tIns="0" rIns="0" bIns="0" rtlCol="0"/>
           <a:lstStyle/>
-          <a:p/>
+          <a:p>
+            <a:endParaRPr/>
+          </a:p>
         </p:txBody>
       </p:sp>
       <p:sp>
@@ -119,7 +232,9 @@
         <p:txBody>
           <a:bodyPr wrap="square" lIns="0" tIns="0" rIns="0" bIns="0" rtlCol="0"/>
           <a:lstStyle/>
-          <a:p/>
+          <a:p>
+            <a:endParaRPr/>
+          </a:p>
         </p:txBody>
       </p:sp>
       <p:sp>
@@ -146,7 +261,9 @@
         <p:txBody>
           <a:bodyPr wrap="square" lIns="0" tIns="0" rIns="0" bIns="0" rtlCol="0"/>
           <a:lstStyle/>
-          <a:p/>
+          <a:p>
+            <a:endParaRPr/>
+          </a:p>
         </p:txBody>
       </p:sp>
       <p:sp>
@@ -183,7 +300,9 @@
               </a:defRPr>
             </a:lvl1pPr>
           </a:lstStyle>
-          <a:p/>
+          <a:p>
+            <a:endParaRPr/>
+          </a:p>
         </p:txBody>
       </p:sp>
       <p:sp>
@@ -214,7 +333,9 @@
               <a:defRPr/>
             </a:lvl1pPr>
           </a:lstStyle>
-          <a:p/>
+          <a:p>
+            <a:endParaRPr/>
+          </a:p>
         </p:txBody>
       </p:sp>
       <p:sp>
@@ -224,7 +345,7 @@
             <a:spLocks noGrp="1"/>
           </p:cNvSpPr>
           <p:nvPr>
-            <p:ph type="ftr" idx="5" sz="quarter"/>
+            <p:ph type="ftr" sz="quarter" idx="5"/>
           </p:nvPr>
         </p:nvSpPr>
         <p:spPr/>
@@ -241,7 +362,9 @@
               </a:defRPr>
             </a:lvl1pPr>
           </a:lstStyle>
-          <a:p/>
+          <a:p>
+            <a:endParaRPr/>
+          </a:p>
         </p:txBody>
       </p:sp>
       <p:sp>
@@ -251,7 +374,7 @@
             <a:spLocks noGrp="1"/>
           </p:cNvSpPr>
           <p:nvPr>
-            <p:ph type="dt" idx="6" sz="half"/>
+            <p:ph type="dt" sz="half" idx="6"/>
           </p:nvPr>
         </p:nvSpPr>
         <p:spPr/>
@@ -271,7 +394,9 @@
           <a:p>
             <a:fld id="{1D8BD707-D9CF-40AE-B4C6-C98DA3205C09}" type="datetimeFigureOut">
               <a:rPr lang="en-US"/>
+              <a:t>4/10/2020</a:t>
             </a:fld>
+            <a:endParaRPr lang="en-US"/>
           </a:p>
         </p:txBody>
       </p:sp>
@@ -282,7 +407,7 @@
             <a:spLocks noGrp="1"/>
           </p:cNvSpPr>
           <p:nvPr>
-            <p:ph type="sldNum" idx="7" sz="quarter"/>
+            <p:ph type="sldNum" sz="quarter" idx="7"/>
           </p:nvPr>
         </p:nvSpPr>
         <p:spPr/>
@@ -301,8 +426,9 @@
           </a:lstStyle>
           <a:p>
             <a:fld id="{B6F15528-21DE-4FAA-801E-634DDDAF4B2B}" type="slidenum">
-              <a:t>#</a:t>
+              <a:t>‹#›</a:t>
             </a:fld>
+            <a:endParaRPr/>
           </a:p>
         </p:txBody>
       </p:sp>
@@ -315,7 +441,7 @@
 </file>
 
 <file path=ppt/slideLayouts/slideLayout2.xml><?xml version="1.0" encoding="utf-8"?>
-<p:sldLayout xmlns:a="http://schemas.openxmlformats.org/drawingml/2006/main" xmlns:r="http://schemas.openxmlformats.org/officeDocument/2006/relationships" xmlns:p="http://schemas.openxmlformats.org/presentationml/2006/main" preserve="1" type="obj">
+<p:sldLayout xmlns:a="http://schemas.openxmlformats.org/drawingml/2006/main" xmlns:r="http://schemas.openxmlformats.org/officeDocument/2006/relationships" xmlns:p="http://schemas.openxmlformats.org/presentationml/2006/main" type="obj" preserve="1">
   <p:cSld name="Title and Content">
     <p:spTree>
       <p:nvGrpSpPr>
@@ -355,7 +481,9 @@
               </a:defRPr>
             </a:lvl1pPr>
           </a:lstStyle>
-          <a:p/>
+          <a:p>
+            <a:endParaRPr/>
+          </a:p>
         </p:txBody>
       </p:sp>
       <p:sp>
@@ -382,7 +510,9 @@
               </a:defRPr>
             </a:lvl1pPr>
           </a:lstStyle>
-          <a:p/>
+          <a:p>
+            <a:endParaRPr/>
+          </a:p>
         </p:txBody>
       </p:sp>
       <p:sp>
@@ -392,7 +522,7 @@
             <a:spLocks noGrp="1"/>
           </p:cNvSpPr>
           <p:nvPr>
-            <p:ph type="ftr" idx="5" sz="quarter"/>
+            <p:ph type="ftr" sz="quarter" idx="5"/>
           </p:nvPr>
         </p:nvSpPr>
         <p:spPr/>
@@ -409,7 +539,9 @@
               </a:defRPr>
             </a:lvl1pPr>
           </a:lstStyle>
-          <a:p/>
+          <a:p>
+            <a:endParaRPr/>
+          </a:p>
         </p:txBody>
       </p:sp>
       <p:sp>
@@ -419,7 +551,7 @@
             <a:spLocks noGrp="1"/>
           </p:cNvSpPr>
           <p:nvPr>
-            <p:ph type="dt" idx="6" sz="half"/>
+            <p:ph type="dt" sz="half" idx="6"/>
           </p:nvPr>
         </p:nvSpPr>
         <p:spPr/>
@@ -439,7 +571,9 @@
           <a:p>
             <a:fld id="{1D8BD707-D9CF-40AE-B4C6-C98DA3205C09}" type="datetimeFigureOut">
               <a:rPr lang="en-US"/>
+              <a:t>4/10/2020</a:t>
             </a:fld>
+            <a:endParaRPr lang="en-US"/>
           </a:p>
         </p:txBody>
       </p:sp>
@@ -450,7 +584,7 @@
             <a:spLocks noGrp="1"/>
           </p:cNvSpPr>
           <p:nvPr>
-            <p:ph type="sldNum" idx="7" sz="quarter"/>
+            <p:ph type="sldNum" sz="quarter" idx="7"/>
           </p:nvPr>
         </p:nvSpPr>
         <p:spPr/>
@@ -469,8 +603,9 @@
           </a:lstStyle>
           <a:p>
             <a:fld id="{B6F15528-21DE-4FAA-801E-634DDDAF4B2B}" type="slidenum">
-              <a:t>#</a:t>
+              <a:t>‹#›</a:t>
             </a:fld>
+            <a:endParaRPr/>
           </a:p>
         </p:txBody>
       </p:sp>
@@ -483,7 +618,7 @@
 </file>
 
 <file path=ppt/slideLayouts/slideLayout3.xml><?xml version="1.0" encoding="utf-8"?>
-<p:sldLayout xmlns:a="http://schemas.openxmlformats.org/drawingml/2006/main" xmlns:r="http://schemas.openxmlformats.org/officeDocument/2006/relationships" xmlns:p="http://schemas.openxmlformats.org/presentationml/2006/main" preserve="1" type="obj">
+<p:sldLayout xmlns:a="http://schemas.openxmlformats.org/drawingml/2006/main" xmlns:r="http://schemas.openxmlformats.org/officeDocument/2006/relationships" xmlns:p="http://schemas.openxmlformats.org/presentationml/2006/main" type="obj" preserve="1">
   <p:cSld name="Two Content">
     <p:spTree>
       <p:nvGrpSpPr>
@@ -523,7 +658,9 @@
               </a:defRPr>
             </a:lvl1pPr>
           </a:lstStyle>
-          <a:p/>
+          <a:p>
+            <a:endParaRPr/>
+          </a:p>
         </p:txBody>
       </p:sp>
       <p:sp>
@@ -533,7 +670,7 @@
             <a:spLocks noGrp="1"/>
           </p:cNvSpPr>
           <p:nvPr>
-            <p:ph idx="2" sz="half"/>
+            <p:ph sz="half" idx="2"/>
           </p:nvPr>
         </p:nvSpPr>
         <p:spPr>
@@ -554,7 +691,9 @@
               <a:defRPr/>
             </a:lvl1pPr>
           </a:lstStyle>
-          <a:p/>
+          <a:p>
+            <a:endParaRPr/>
+          </a:p>
         </p:txBody>
       </p:sp>
       <p:sp>
@@ -564,7 +703,7 @@
             <a:spLocks noGrp="1"/>
           </p:cNvSpPr>
           <p:nvPr>
-            <p:ph idx="3" sz="half"/>
+            <p:ph sz="half" idx="3"/>
           </p:nvPr>
         </p:nvSpPr>
         <p:spPr>
@@ -585,7 +724,9 @@
               <a:defRPr/>
             </a:lvl1pPr>
           </a:lstStyle>
-          <a:p/>
+          <a:p>
+            <a:endParaRPr/>
+          </a:p>
         </p:txBody>
       </p:sp>
       <p:sp>
@@ -595,7 +736,7 @@
             <a:spLocks noGrp="1"/>
           </p:cNvSpPr>
           <p:nvPr>
-            <p:ph type="ftr" idx="5" sz="quarter"/>
+            <p:ph type="ftr" sz="quarter" idx="5"/>
           </p:nvPr>
         </p:nvSpPr>
         <p:spPr/>
@@ -612,7 +753,9 @@
               </a:defRPr>
             </a:lvl1pPr>
           </a:lstStyle>
-          <a:p/>
+          <a:p>
+            <a:endParaRPr/>
+          </a:p>
         </p:txBody>
       </p:sp>
       <p:sp>
@@ -622,7 +765,7 @@
             <a:spLocks noGrp="1"/>
           </p:cNvSpPr>
           <p:nvPr>
-            <p:ph type="dt" idx="6" sz="half"/>
+            <p:ph type="dt" sz="half" idx="6"/>
           </p:nvPr>
         </p:nvSpPr>
         <p:spPr/>
@@ -642,7 +785,9 @@
           <a:p>
             <a:fld id="{1D8BD707-D9CF-40AE-B4C6-C98DA3205C09}" type="datetimeFigureOut">
               <a:rPr lang="en-US"/>
+              <a:t>4/10/2020</a:t>
             </a:fld>
+            <a:endParaRPr lang="en-US"/>
           </a:p>
         </p:txBody>
       </p:sp>
@@ -653,7 +798,7 @@
             <a:spLocks noGrp="1"/>
           </p:cNvSpPr>
           <p:nvPr>
-            <p:ph type="sldNum" idx="7" sz="quarter"/>
+            <p:ph type="sldNum" sz="quarter" idx="7"/>
           </p:nvPr>
         </p:nvSpPr>
         <p:spPr/>
@@ -672,8 +817,9 @@
           </a:lstStyle>
           <a:p>
             <a:fld id="{B6F15528-21DE-4FAA-801E-634DDDAF4B2B}" type="slidenum">
-              <a:t>#</a:t>
+              <a:t>‹#›</a:t>
             </a:fld>
+            <a:endParaRPr/>
           </a:p>
         </p:txBody>
       </p:sp>
@@ -686,7 +832,7 @@
 </file>
 
 <file path=ppt/slideLayouts/slideLayout4.xml><?xml version="1.0" encoding="utf-8"?>
-<p:sldLayout xmlns:a="http://schemas.openxmlformats.org/drawingml/2006/main" xmlns:r="http://schemas.openxmlformats.org/officeDocument/2006/relationships" xmlns:p="http://schemas.openxmlformats.org/presentationml/2006/main" preserve="1" type="obj">
+<p:sldLayout xmlns:a="http://schemas.openxmlformats.org/drawingml/2006/main" xmlns:r="http://schemas.openxmlformats.org/officeDocument/2006/relationships" xmlns:p="http://schemas.openxmlformats.org/presentationml/2006/main" type="obj" preserve="1">
   <p:cSld name="Title Only">
     <p:spTree>
       <p:nvGrpSpPr>
@@ -726,7 +872,9 @@
               </a:defRPr>
             </a:lvl1pPr>
           </a:lstStyle>
-          <a:p/>
+          <a:p>
+            <a:endParaRPr/>
+          </a:p>
         </p:txBody>
       </p:sp>
       <p:sp>
@@ -736,7 +884,7 @@
             <a:spLocks noGrp="1"/>
           </p:cNvSpPr>
           <p:nvPr>
-            <p:ph type="ftr" idx="5" sz="quarter"/>
+            <p:ph type="ftr" sz="quarter" idx="5"/>
           </p:nvPr>
         </p:nvSpPr>
         <p:spPr/>
@@ -753,7 +901,9 @@
               </a:defRPr>
             </a:lvl1pPr>
           </a:lstStyle>
-          <a:p/>
+          <a:p>
+            <a:endParaRPr/>
+          </a:p>
         </p:txBody>
       </p:sp>
       <p:sp>
@@ -763,7 +913,7 @@
             <a:spLocks noGrp="1"/>
           </p:cNvSpPr>
           <p:nvPr>
-            <p:ph type="dt" idx="6" sz="half"/>
+            <p:ph type="dt" sz="half" idx="6"/>
           </p:nvPr>
         </p:nvSpPr>
         <p:spPr/>
@@ -783,7 +933,9 @@
           <a:p>
             <a:fld id="{1D8BD707-D9CF-40AE-B4C6-C98DA3205C09}" type="datetimeFigureOut">
               <a:rPr lang="en-US"/>
+              <a:t>4/10/2020</a:t>
             </a:fld>
+            <a:endParaRPr lang="en-US"/>
           </a:p>
         </p:txBody>
       </p:sp>
@@ -794,7 +946,7 @@
             <a:spLocks noGrp="1"/>
           </p:cNvSpPr>
           <p:nvPr>
-            <p:ph type="sldNum" idx="7" sz="quarter"/>
+            <p:ph type="sldNum" sz="quarter" idx="7"/>
           </p:nvPr>
         </p:nvSpPr>
         <p:spPr/>
@@ -813,8 +965,9 @@
           </a:lstStyle>
           <a:p>
             <a:fld id="{B6F15528-21DE-4FAA-801E-634DDDAF4B2B}" type="slidenum">
-              <a:t>#</a:t>
+              <a:t>‹#›</a:t>
             </a:fld>
+            <a:endParaRPr/>
           </a:p>
         </p:txBody>
       </p:sp>
@@ -827,7 +980,7 @@
 </file>
 
 <file path=ppt/slideLayouts/slideLayout5.xml><?xml version="1.0" encoding="utf-8"?>
-<p:sldLayout xmlns:a="http://schemas.openxmlformats.org/drawingml/2006/main" xmlns:r="http://schemas.openxmlformats.org/officeDocument/2006/relationships" xmlns:p="http://schemas.openxmlformats.org/presentationml/2006/main" preserve="1" type="obj">
+<p:sldLayout xmlns:a="http://schemas.openxmlformats.org/drawingml/2006/main" xmlns:r="http://schemas.openxmlformats.org/officeDocument/2006/relationships" xmlns:p="http://schemas.openxmlformats.org/presentationml/2006/main" type="obj" preserve="1">
   <p:cSld name="Blank">
     <p:spTree>
       <p:nvGrpSpPr>
@@ -850,7 +1003,7 @@
             <a:spLocks noGrp="1"/>
           </p:cNvSpPr>
           <p:nvPr>
-            <p:ph type="ftr" idx="5" sz="quarter"/>
+            <p:ph type="ftr" sz="quarter" idx="5"/>
           </p:nvPr>
         </p:nvSpPr>
         <p:spPr/>
@@ -867,7 +1020,9 @@
               </a:defRPr>
             </a:lvl1pPr>
           </a:lstStyle>
-          <a:p/>
+          <a:p>
+            <a:endParaRPr/>
+          </a:p>
         </p:txBody>
       </p:sp>
       <p:sp>
@@ -877,7 +1032,7 @@
             <a:spLocks noGrp="1"/>
           </p:cNvSpPr>
           <p:nvPr>
-            <p:ph type="dt" idx="6" sz="half"/>
+            <p:ph type="dt" sz="half" idx="6"/>
           </p:nvPr>
         </p:nvSpPr>
         <p:spPr/>
@@ -897,7 +1052,9 @@
           <a:p>
             <a:fld id="{1D8BD707-D9CF-40AE-B4C6-C98DA3205C09}" type="datetimeFigureOut">
               <a:rPr lang="en-US"/>
+              <a:t>4/10/2020</a:t>
             </a:fld>
+            <a:endParaRPr lang="en-US"/>
           </a:p>
         </p:txBody>
       </p:sp>
@@ -908,7 +1065,7 @@
             <a:spLocks noGrp="1"/>
           </p:cNvSpPr>
           <p:nvPr>
-            <p:ph type="sldNum" idx="7" sz="quarter"/>
+            <p:ph type="sldNum" sz="quarter" idx="7"/>
           </p:nvPr>
         </p:nvSpPr>
         <p:spPr/>
@@ -927,8 +1084,9 @@
           </a:lstStyle>
           <a:p>
             <a:fld id="{B6F15528-21DE-4FAA-801E-634DDDAF4B2B}" type="slidenum">
-              <a:t>#</a:t>
+              <a:t>‹#›</a:t>
             </a:fld>
+            <a:endParaRPr/>
           </a:p>
         </p:txBody>
       </p:sp>
@@ -1010,7 +1168,9 @@
         <p:txBody>
           <a:bodyPr wrap="square" lIns="0" tIns="0" rIns="0" bIns="0" rtlCol="0"/>
           <a:lstStyle/>
-          <a:p/>
+          <a:p>
+            <a:endParaRPr/>
+          </a:p>
         </p:txBody>
       </p:sp>
       <p:sp>
@@ -1037,7 +1197,9 @@
         <p:txBody>
           <a:bodyPr wrap="square" lIns="0" tIns="0" rIns="0" bIns="0" rtlCol="0"/>
           <a:lstStyle/>
-          <a:p/>
+          <a:p>
+            <a:endParaRPr/>
+          </a:p>
         </p:txBody>
       </p:sp>
       <p:sp>
@@ -1074,7 +1236,9 @@
               </a:defRPr>
             </a:lvl1pPr>
           </a:lstStyle>
-          <a:p/>
+          <a:p>
+            <a:endParaRPr/>
+          </a:p>
         </p:txBody>
       </p:sp>
       <p:sp>
@@ -1111,7 +1275,9 @@
               </a:defRPr>
             </a:lvl1pPr>
           </a:lstStyle>
-          <a:p/>
+          <a:p>
+            <a:endParaRPr/>
+          </a:p>
         </p:txBody>
       </p:sp>
       <p:sp>
@@ -1121,7 +1287,7 @@
             <a:spLocks noGrp="1"/>
           </p:cNvSpPr>
           <p:nvPr>
-            <p:ph type="ftr" idx="5" sz="quarter"/>
+            <p:ph type="ftr" sz="quarter" idx="5"/>
           </p:nvPr>
         </p:nvSpPr>
         <p:spPr>
@@ -1148,7 +1314,9 @@
               </a:defRPr>
             </a:lvl1pPr>
           </a:lstStyle>
-          <a:p/>
+          <a:p>
+            <a:endParaRPr/>
+          </a:p>
         </p:txBody>
       </p:sp>
       <p:sp>
@@ -1158,7 +1326,7 @@
             <a:spLocks noGrp="1"/>
           </p:cNvSpPr>
           <p:nvPr>
-            <p:ph type="dt" idx="6" sz="half"/>
+            <p:ph type="dt" sz="half" idx="6"/>
           </p:nvPr>
         </p:nvSpPr>
         <p:spPr>
@@ -1188,7 +1356,9 @@
           <a:p>
             <a:fld id="{1D8BD707-D9CF-40AE-B4C6-C98DA3205C09}" type="datetimeFigureOut">
               <a:rPr lang="en-US"/>
+              <a:t>4/10/2020</a:t>
             </a:fld>
+            <a:endParaRPr lang="en-US"/>
           </a:p>
         </p:txBody>
       </p:sp>
@@ -1199,7 +1369,7 @@
             <a:spLocks noGrp="1"/>
           </p:cNvSpPr>
           <p:nvPr>
-            <p:ph type="sldNum" idx="7" sz="quarter"/>
+            <p:ph type="sldNum" sz="quarter" idx="7"/>
           </p:nvPr>
         </p:nvSpPr>
         <p:spPr>
@@ -1228,14 +1398,15 @@
           </a:lstStyle>
           <a:p>
             <a:fld id="{B6F15528-21DE-4FAA-801E-634DDDAF4B2B}" type="slidenum">
-              <a:t>#</a:t>
+              <a:t>‹#›</a:t>
             </a:fld>
+            <a:endParaRPr/>
           </a:p>
         </p:txBody>
       </p:sp>
     </p:spTree>
   </p:cSld>
-  <p:clrMap folHlink="folHlink" hlink="hlink" accent1="accent1" accent2="accent2" accent3="accent3" accent4="accent4" accent5="accent5" accent6="accent6" tx2="dk2" bg2="lt2" tx1="dk1" bg1="lt1"/>
+  <p:clrMap bg1="lt1" tx1="dk1" bg2="lt2" tx2="dk2" accent1="accent1" accent2="accent2" accent3="accent3" accent4="accent4" accent5="accent5" accent6="accent6" hlink="hlink" folHlink="folHlink"/>
   <p:sldLayoutIdLst>
     <p:sldLayoutId id="2147483661" r:id="rId1"/>
     <p:sldLayoutId id="2147483662" r:id="rId2"/>
@@ -1415,10 +1586,12 @@
           </p:nvPr>
         </p:nvSpPr>
         <p:spPr>
-          <a:prstGeom prst="rect"/>
+          <a:prstGeom prst="rect">
+            <a:avLst/>
+          </a:prstGeom>
         </p:spPr>
         <p:txBody>
-          <a:bodyPr wrap="square" lIns="0" tIns="88265" rIns="0" bIns="0" rtlCol="0" vert="horz">
+          <a:bodyPr vert="horz" wrap="square" lIns="0" tIns="88265" rIns="0" bIns="0" rtlCol="0">
             <a:spAutoFit/>
           </a:bodyPr>
           <a:lstStyle/>
@@ -1436,7 +1609,7 @@
               <a:t>PROSPECTIVE AREA TO</a:t>
             </a:r>
             <a:r>
-              <a:rPr dirty="0" spc="-165"/>
+              <a:rPr spc="-165" dirty="0"/>
               <a:t> </a:t>
             </a:r>
             <a:r>
@@ -1444,15 +1617,15 @@
               <a:t>SET-UP  GYM IN </a:t>
             </a:r>
             <a:r>
-              <a:rPr dirty="0" spc="-5"/>
+              <a:rPr spc="-5" dirty="0"/>
               <a:t>NEW</a:t>
             </a:r>
             <a:r>
-              <a:rPr dirty="0" spc="-20"/>
+              <a:rPr spc="-20" dirty="0"/>
               <a:t> </a:t>
             </a:r>
             <a:r>
-              <a:rPr dirty="0" spc="-5"/>
+              <a:rPr spc="-5" dirty="0"/>
               <a:t>YORK</a:t>
             </a:r>
           </a:p>
@@ -1474,12 +1647,12 @@
           </a:prstGeom>
         </p:spPr>
         <p:txBody>
-          <a:bodyPr wrap="square" lIns="0" tIns="12700" rIns="0" bIns="0" rtlCol="0" vert="horz">
+          <a:bodyPr vert="horz" wrap="square" lIns="0" tIns="12700" rIns="0" bIns="0" rtlCol="0">
             <a:spAutoFit/>
           </a:bodyPr>
           <a:lstStyle/>
           <a:p>
-            <a:pPr marL="12700">
+            <a:pPr marL="12700" algn="ctr">
               <a:lnSpc>
                 <a:spcPct val="100000"/>
               </a:lnSpc>
@@ -1488,46 +1661,16 @@
               </a:spcBef>
             </a:pPr>
             <a:r>
-              <a:rPr dirty="0" sz="2000">
-                <a:solidFill>
-                  <a:srgbClr val="FFFFFF"/>
-                </a:solidFill>
-                <a:latin typeface="Comic Sans MS"/>
-                <a:cs typeface="Comic Sans MS"/>
-              </a:rPr>
-              <a:t>- </a:t>
-            </a:r>
-            <a:r>
-              <a:rPr dirty="0" sz="2000" spc="-5">
-                <a:solidFill>
-                  <a:srgbClr val="FFFFFF"/>
-                </a:solidFill>
-                <a:latin typeface="Comic Sans MS"/>
-                <a:cs typeface="Comic Sans MS"/>
-              </a:rPr>
-              <a:t>Karthika</a:t>
-            </a:r>
-            <a:r>
-              <a:rPr dirty="0" sz="2000" spc="-85">
-                <a:solidFill>
-                  <a:srgbClr val="FFFFFF"/>
-                </a:solidFill>
-                <a:latin typeface="Comic Sans MS"/>
-                <a:cs typeface="Comic Sans MS"/>
-              </a:rPr>
-              <a:t> </a:t>
-            </a:r>
-            <a:r>
-              <a:rPr dirty="0" sz="2000">
-                <a:solidFill>
-                  <a:srgbClr val="FFFFFF"/>
-                </a:solidFill>
-                <a:latin typeface="Comic Sans MS"/>
-                <a:cs typeface="Comic Sans MS"/>
-              </a:rPr>
-              <a:t>Kumaran</a:t>
-            </a:r>
-            <a:endParaRPr sz="2000">
+              <a:rPr lang="en-IN" sz="2000" dirty="0">
+                <a:solidFill>
+                  <a:srgbClr val="FFFFFF"/>
+                </a:solidFill>
+                <a:latin typeface="Comic Sans MS"/>
+                <a:cs typeface="Comic Sans MS"/>
+              </a:rPr>
+              <a:t>Nikhil Madaan</a:t>
+            </a:r>
+            <a:endParaRPr sz="2000" dirty="0">
               <a:latin typeface="Comic Sans MS"/>
               <a:cs typeface="Comic Sans MS"/>
             </a:endParaRPr>
@@ -1570,10 +1713,12 @@
           </p:nvPr>
         </p:nvSpPr>
         <p:spPr>
-          <a:prstGeom prst="rect"/>
+          <a:prstGeom prst="rect">
+            <a:avLst/>
+          </a:prstGeom>
         </p:spPr>
         <p:txBody>
-          <a:bodyPr wrap="square" lIns="0" tIns="12700" rIns="0" bIns="0" rtlCol="0" vert="horz">
+          <a:bodyPr vert="horz" wrap="square" lIns="0" tIns="12700" rIns="0" bIns="0" rtlCol="0">
             <a:spAutoFit/>
           </a:bodyPr>
           <a:lstStyle/>
@@ -1587,7 +1732,7 @@
               </a:spcBef>
             </a:pPr>
             <a:r>
-              <a:rPr dirty="0" spc="-5"/>
+              <a:rPr spc="-5" dirty="0"/>
               <a:t>CONCLUSION</a:t>
             </a:r>
           </a:p>
@@ -1609,12 +1754,12 @@
           </a:prstGeom>
         </p:spPr>
         <p:txBody>
-          <a:bodyPr wrap="square" lIns="0" tIns="12700" rIns="0" bIns="0" rtlCol="0" vert="horz">
+          <a:bodyPr vert="horz" wrap="square" lIns="0" tIns="12700" rIns="0" bIns="0" rtlCol="0">
             <a:spAutoFit/>
           </a:bodyPr>
           <a:lstStyle/>
           <a:p>
-            <a:pPr algn="just" marL="12700" marR="5080">
+            <a:pPr marL="12700" marR="5080" algn="just">
               <a:lnSpc>
                 <a:spcPct val="100000"/>
               </a:lnSpc>
@@ -1623,7 +1768,7 @@
               </a:spcBef>
             </a:pPr>
             <a:r>
-              <a:rPr dirty="0" sz="2400">
+              <a:rPr sz="2400" dirty="0">
                 <a:solidFill>
                   <a:srgbClr val="FFFFFF"/>
                 </a:solidFill>
@@ -1633,7 +1778,7 @@
               <a:t>The </a:t>
             </a:r>
             <a:r>
-              <a:rPr dirty="0" sz="2400" spc="-5">
+              <a:rPr sz="2400" spc="-5" dirty="0">
                 <a:solidFill>
                   <a:srgbClr val="FFFFFF"/>
                 </a:solidFill>
@@ -1643,7 +1788,7 @@
               <a:t>above results </a:t>
             </a:r>
             <a:r>
-              <a:rPr dirty="0" sz="2400">
+              <a:rPr sz="2400" dirty="0">
                 <a:solidFill>
                   <a:srgbClr val="FFFFFF"/>
                 </a:solidFill>
@@ -1653,7 +1798,7 @@
               <a:t>can be a </a:t>
             </a:r>
             <a:r>
-              <a:rPr dirty="0" sz="2400" spc="-5">
+              <a:rPr sz="2400" spc="-5" dirty="0">
                 <a:solidFill>
                   <a:srgbClr val="FFFFFF"/>
                 </a:solidFill>
@@ -1663,7 +1808,7 @@
               <a:t>good starting </a:t>
             </a:r>
             <a:r>
-              <a:rPr dirty="0" sz="2400">
+              <a:rPr sz="2400" dirty="0">
                 <a:solidFill>
                   <a:srgbClr val="FFFFFF"/>
                 </a:solidFill>
@@ -1673,7 +1818,7 @@
               <a:t>point </a:t>
             </a:r>
             <a:r>
-              <a:rPr dirty="0" sz="2400" spc="-5">
+              <a:rPr sz="2400" spc="-5" dirty="0">
                 <a:solidFill>
                   <a:srgbClr val="FFFFFF"/>
                 </a:solidFill>
@@ -1683,7 +1828,7 @@
               <a:t>for </a:t>
             </a:r>
             <a:r>
-              <a:rPr dirty="0" sz="2400">
+              <a:rPr sz="2400" dirty="0">
                 <a:solidFill>
                   <a:srgbClr val="FFFFFF"/>
                 </a:solidFill>
@@ -1693,7 +1838,7 @@
               <a:t>a </a:t>
             </a:r>
             <a:r>
-              <a:rPr dirty="0" sz="2400" spc="-5">
+              <a:rPr sz="2400" spc="-5" dirty="0">
                 <a:solidFill>
                   <a:srgbClr val="FFFFFF"/>
                 </a:solidFill>
@@ -1703,7 +1848,7 @@
               <a:t>businessman who </a:t>
             </a:r>
             <a:r>
-              <a:rPr dirty="0" sz="2400" spc="-10">
+              <a:rPr sz="2400" spc="-10" dirty="0">
                 <a:solidFill>
                   <a:srgbClr val="FFFFFF"/>
                 </a:solidFill>
@@ -1713,7 +1858,7 @@
               <a:t>wants </a:t>
             </a:r>
             <a:r>
-              <a:rPr dirty="0" sz="2400" spc="-5">
+              <a:rPr sz="2400" spc="-5" dirty="0">
                 <a:solidFill>
                   <a:srgbClr val="FFFFFF"/>
                 </a:solidFill>
@@ -1723,7 +1868,7 @@
               <a:t>to  set-up their gym </a:t>
             </a:r>
             <a:r>
-              <a:rPr dirty="0" sz="2400" spc="-10">
+              <a:rPr sz="2400" spc="-10" dirty="0">
                 <a:solidFill>
                   <a:srgbClr val="FFFFFF"/>
                 </a:solidFill>
@@ -1733,7 +1878,7 @@
               <a:t>in </a:t>
             </a:r>
             <a:r>
-              <a:rPr dirty="0" sz="2400">
+              <a:rPr sz="2400" dirty="0">
                 <a:solidFill>
                   <a:srgbClr val="FFFFFF"/>
                 </a:solidFill>
@@ -1743,7 +1888,7 @@
               <a:t>a </a:t>
             </a:r>
             <a:r>
-              <a:rPr dirty="0" sz="2400" spc="-5">
+              <a:rPr sz="2400" spc="-5" dirty="0">
                 <a:solidFill>
                   <a:srgbClr val="FFFFFF"/>
                 </a:solidFill>
@@ -1753,7 +1898,7 @@
               <a:t>new </a:t>
             </a:r>
             <a:r>
-              <a:rPr dirty="0" sz="2400">
+              <a:rPr sz="2400" dirty="0">
                 <a:solidFill>
                   <a:srgbClr val="FFFFFF"/>
                 </a:solidFill>
@@ -1763,7 +1908,7 @@
               <a:t>and </a:t>
             </a:r>
             <a:r>
-              <a:rPr dirty="0" sz="2400" spc="-5">
+              <a:rPr sz="2400" spc="-5" dirty="0">
                 <a:solidFill>
                   <a:srgbClr val="FFFFFF"/>
                 </a:solidFill>
@@ -1773,7 +1918,7 @@
               <a:t>happening </a:t>
             </a:r>
             <a:r>
-              <a:rPr dirty="0" sz="2400">
+              <a:rPr sz="2400" dirty="0">
                 <a:solidFill>
                   <a:srgbClr val="FFFFFF"/>
                 </a:solidFill>
@@ -1783,7 +1928,7 @@
               <a:t>city like </a:t>
             </a:r>
             <a:r>
-              <a:rPr dirty="0" sz="2400" spc="-5">
+              <a:rPr sz="2400" spc="-5" dirty="0">
                 <a:solidFill>
                   <a:srgbClr val="FFFFFF"/>
                 </a:solidFill>
@@ -1793,7 +1938,7 @@
               <a:t>New York. Similar  methodology </a:t>
             </a:r>
             <a:r>
-              <a:rPr dirty="0" sz="2400">
+              <a:rPr sz="2400" dirty="0">
                 <a:solidFill>
                   <a:srgbClr val="FFFFFF"/>
                 </a:solidFill>
@@ -1803,7 +1948,7 @@
               <a:t>can </a:t>
             </a:r>
             <a:r>
-              <a:rPr dirty="0" sz="2400" spc="-5">
+              <a:rPr sz="2400" spc="-5" dirty="0">
                 <a:solidFill>
                   <a:srgbClr val="FFFFFF"/>
                 </a:solidFill>
@@ -1813,7 +1958,7 @@
               <a:t>be used for setting up </a:t>
             </a:r>
             <a:r>
-              <a:rPr dirty="0" sz="2400">
+              <a:rPr sz="2400" dirty="0">
                 <a:solidFill>
                   <a:srgbClr val="FFFFFF"/>
                 </a:solidFill>
@@ -1823,7 +1968,7 @@
               <a:t>any </a:t>
             </a:r>
             <a:r>
-              <a:rPr dirty="0" sz="2400" spc="-5">
+              <a:rPr sz="2400" spc="-5" dirty="0">
                 <a:solidFill>
                   <a:srgbClr val="FFFFFF"/>
                 </a:solidFill>
@@ -1833,7 +1978,7 @@
               <a:t>business, probably with  customized</a:t>
             </a:r>
             <a:r>
-              <a:rPr dirty="0" sz="2400" spc="-20">
+              <a:rPr sz="2400" spc="-20" dirty="0">
                 <a:solidFill>
                   <a:srgbClr val="FFFFFF"/>
                 </a:solidFill>
@@ -1843,7 +1988,7 @@
               <a:t> </a:t>
             </a:r>
             <a:r>
-              <a:rPr dirty="0" sz="2400">
+              <a:rPr sz="2400" dirty="0">
                 <a:solidFill>
                   <a:srgbClr val="FFFFFF"/>
                 </a:solidFill>
@@ -1899,10 +2044,12 @@
             <a:off x="3958844" y="2525013"/>
             <a:ext cx="3412490" cy="696595"/>
           </a:xfrm>
-          <a:prstGeom prst="rect"/>
+          <a:prstGeom prst="rect">
+            <a:avLst/>
+          </a:prstGeom>
         </p:spPr>
         <p:txBody>
-          <a:bodyPr wrap="square" lIns="0" tIns="13335" rIns="0" bIns="0" rtlCol="0" vert="horz">
+          <a:bodyPr vert="horz" wrap="square" lIns="0" tIns="13335" rIns="0" bIns="0" rtlCol="0">
             <a:spAutoFit/>
           </a:bodyPr>
           <a:lstStyle/>
@@ -1916,15 +2063,15 @@
               </a:spcBef>
             </a:pPr>
             <a:r>
-              <a:rPr dirty="0" sz="4400"/>
+              <a:rPr sz="4400" dirty="0"/>
               <a:t>THANK</a:t>
             </a:r>
             <a:r>
-              <a:rPr dirty="0" sz="4400" spc="-85"/>
+              <a:rPr sz="4400" spc="-85" dirty="0"/>
               <a:t> </a:t>
             </a:r>
             <a:r>
-              <a:rPr dirty="0" sz="4400" spc="-5"/>
+              <a:rPr sz="4400" spc="-5" dirty="0"/>
               <a:t>YOU</a:t>
             </a:r>
             <a:endParaRPr sz="4400"/>
@@ -1971,10 +2118,12 @@
             <a:off x="3851275" y="796544"/>
             <a:ext cx="4279265" cy="756920"/>
           </a:xfrm>
-          <a:prstGeom prst="rect"/>
+          <a:prstGeom prst="rect">
+            <a:avLst/>
+          </a:prstGeom>
         </p:spPr>
         <p:txBody>
-          <a:bodyPr wrap="square" lIns="0" tIns="12700" rIns="0" bIns="0" rtlCol="0" vert="horz">
+          <a:bodyPr vert="horz" wrap="square" lIns="0" tIns="12700" rIns="0" bIns="0" rtlCol="0">
             <a:spAutoFit/>
           </a:bodyPr>
           <a:lstStyle/>
@@ -1988,7 +2137,7 @@
               </a:spcBef>
             </a:pPr>
             <a:r>
-              <a:rPr dirty="0" spc="-5" b="1">
+              <a:rPr b="1" spc="-5" dirty="0">
                 <a:latin typeface="Comic Sans MS"/>
                 <a:cs typeface="Comic Sans MS"/>
               </a:rPr>
@@ -2013,12 +2162,12 @@
           </a:prstGeom>
         </p:spPr>
         <p:txBody>
-          <a:bodyPr wrap="square" lIns="0" tIns="102235" rIns="0" bIns="0" rtlCol="0" vert="horz">
+          <a:bodyPr vert="horz" wrap="square" lIns="0" tIns="102235" rIns="0" bIns="0" rtlCol="0">
             <a:spAutoFit/>
           </a:bodyPr>
           <a:lstStyle/>
           <a:p>
-            <a:pPr algn="just" marL="299085" indent="-287020">
+            <a:pPr marL="299085" indent="-287020" algn="just">
               <a:lnSpc>
                 <a:spcPct val="100000"/>
               </a:lnSpc>
@@ -2032,7 +2181,7 @@
               </a:tabLst>
             </a:pPr>
             <a:r>
-              <a:rPr dirty="0" sz="2400" spc="-5">
+              <a:rPr sz="2400" spc="-5" dirty="0">
                 <a:solidFill>
                   <a:srgbClr val="FFFFFF"/>
                 </a:solidFill>
@@ -2042,7 +2191,7 @@
               <a:t>Setting </a:t>
             </a:r>
             <a:r>
-              <a:rPr dirty="0" sz="2400">
+              <a:rPr sz="2400" dirty="0">
                 <a:solidFill>
                   <a:srgbClr val="FFFFFF"/>
                 </a:solidFill>
@@ -2052,7 +2201,7 @@
               <a:t>up a </a:t>
             </a:r>
             <a:r>
-              <a:rPr dirty="0" sz="2400" spc="-5">
+              <a:rPr sz="2400" spc="-5" dirty="0">
                 <a:solidFill>
                   <a:srgbClr val="FFFFFF"/>
                 </a:solidFill>
@@ -2062,7 +2211,7 @@
               <a:t>Business (GYM) in </a:t>
             </a:r>
             <a:r>
-              <a:rPr dirty="0" sz="2400">
+              <a:rPr sz="2400" dirty="0">
                 <a:solidFill>
                   <a:srgbClr val="FFFFFF"/>
                 </a:solidFill>
@@ -2072,7 +2221,7 @@
               <a:t>a new city </a:t>
             </a:r>
             <a:r>
-              <a:rPr dirty="0" sz="2400" spc="-5">
+              <a:rPr sz="2400" spc="-5" dirty="0">
                 <a:solidFill>
                   <a:srgbClr val="FFFFFF"/>
                 </a:solidFill>
@@ -2082,7 +2231,7 @@
               <a:t>is </a:t>
             </a:r>
             <a:r>
-              <a:rPr dirty="0" sz="2400">
+              <a:rPr sz="2400" dirty="0">
                 <a:solidFill>
                   <a:srgbClr val="FFFFFF"/>
                 </a:solidFill>
@@ -2092,7 +2241,7 @@
               <a:t>a challenging</a:t>
             </a:r>
             <a:r>
-              <a:rPr dirty="0" sz="2400" spc="-90">
+              <a:rPr sz="2400" spc="-90" dirty="0">
                 <a:solidFill>
                   <a:srgbClr val="FFFFFF"/>
                 </a:solidFill>
@@ -2102,7 +2251,7 @@
               <a:t> </a:t>
             </a:r>
             <a:r>
-              <a:rPr dirty="0" sz="2400" spc="-5">
+              <a:rPr sz="2400" spc="-5" dirty="0">
                 <a:solidFill>
                   <a:srgbClr val="FFFFFF"/>
                 </a:solidFill>
@@ -2117,7 +2266,7 @@
             </a:endParaRPr>
           </a:p>
           <a:p>
-            <a:pPr algn="just" marL="299085" marR="5080" indent="-287020">
+            <a:pPr marL="299085" marR="5080" indent="-287020" algn="just">
               <a:lnSpc>
                 <a:spcPts val="2590"/>
               </a:lnSpc>
@@ -2131,7 +2280,7 @@
               </a:tabLst>
             </a:pPr>
             <a:r>
-              <a:rPr dirty="0" sz="2400">
+              <a:rPr sz="2400" dirty="0">
                 <a:solidFill>
                   <a:srgbClr val="FFFFFF"/>
                 </a:solidFill>
@@ -2141,7 +2290,7 @@
               <a:t>Different </a:t>
             </a:r>
             <a:r>
-              <a:rPr dirty="0" sz="2400" spc="-5">
+              <a:rPr sz="2400" spc="-5" dirty="0">
                 <a:solidFill>
                   <a:srgbClr val="FFFFFF"/>
                 </a:solidFill>
@@ -2151,7 +2300,7 @@
               <a:t>factors </a:t>
             </a:r>
             <a:r>
-              <a:rPr dirty="0" sz="2400">
+              <a:rPr sz="2400" dirty="0">
                 <a:solidFill>
                   <a:srgbClr val="FFFFFF"/>
                 </a:solidFill>
@@ -2161,7 +2310,7 @@
               <a:t>are considered, </a:t>
             </a:r>
             <a:r>
-              <a:rPr dirty="0" sz="2400" spc="-5">
+              <a:rPr sz="2400" spc="-5" dirty="0">
                 <a:solidFill>
                   <a:srgbClr val="FFFFFF"/>
                 </a:solidFill>
@@ -2171,7 +2320,7 @@
               <a:t>such as prime location for </a:t>
             </a:r>
             <a:r>
-              <a:rPr dirty="0" sz="2400" spc="-10">
+              <a:rPr sz="2400" spc="-10" dirty="0">
                 <a:solidFill>
                   <a:srgbClr val="FFFFFF"/>
                 </a:solidFill>
@@ -2181,7 +2330,7 @@
               <a:t>the  </a:t>
             </a:r>
             <a:r>
-              <a:rPr dirty="0" sz="2400">
+              <a:rPr sz="2400" dirty="0">
                 <a:solidFill>
                   <a:srgbClr val="FFFFFF"/>
                 </a:solidFill>
@@ -2191,7 +2340,7 @@
               <a:t>business, </a:t>
             </a:r>
             <a:r>
-              <a:rPr dirty="0" sz="2400" spc="-5">
+              <a:rPr sz="2400" spc="-5" dirty="0">
                 <a:solidFill>
                   <a:srgbClr val="FFFFFF"/>
                 </a:solidFill>
@@ -2201,7 +2350,7 @@
               <a:t>financial factors, commutation </a:t>
             </a:r>
             <a:r>
-              <a:rPr dirty="0" sz="2400">
+              <a:rPr sz="2400" dirty="0">
                 <a:solidFill>
                   <a:srgbClr val="FFFFFF"/>
                 </a:solidFill>
@@ -2211,7 +2360,7 @@
               <a:t>, </a:t>
             </a:r>
             <a:r>
-              <a:rPr dirty="0" sz="2400" spc="-5">
+              <a:rPr sz="2400" spc="-5" dirty="0">
                 <a:solidFill>
                   <a:srgbClr val="FFFFFF"/>
                 </a:solidFill>
@@ -2221,7 +2370,7 @@
               <a:t>market factors etc. for </a:t>
             </a:r>
             <a:r>
-              <a:rPr dirty="0" sz="2400" spc="-10">
+              <a:rPr sz="2400" spc="-10" dirty="0">
                 <a:solidFill>
                   <a:srgbClr val="FFFFFF"/>
                 </a:solidFill>
@@ -2231,7 +2380,7 @@
               <a:t>the  </a:t>
             </a:r>
             <a:r>
-              <a:rPr dirty="0" sz="2400">
+              <a:rPr sz="2400" dirty="0">
                 <a:solidFill>
                   <a:srgbClr val="FFFFFF"/>
                 </a:solidFill>
@@ -2241,7 +2390,7 @@
               <a:t>longevity </a:t>
             </a:r>
             <a:r>
-              <a:rPr dirty="0" sz="2400" spc="-5">
+              <a:rPr sz="2400" spc="-5" dirty="0">
                 <a:solidFill>
                   <a:srgbClr val="FFFFFF"/>
                 </a:solidFill>
@@ -2251,7 +2400,7 @@
               <a:t>of the</a:t>
             </a:r>
             <a:r>
-              <a:rPr dirty="0" sz="2400" spc="-50">
+              <a:rPr sz="2400" spc="-50" dirty="0">
                 <a:solidFill>
                   <a:srgbClr val="FFFFFF"/>
                 </a:solidFill>
@@ -2261,7 +2410,7 @@
               <a:t> </a:t>
             </a:r>
             <a:r>
-              <a:rPr dirty="0" sz="2400" spc="-5">
+              <a:rPr sz="2400" spc="-5" dirty="0">
                 <a:solidFill>
                   <a:srgbClr val="FFFFFF"/>
                 </a:solidFill>
@@ -2276,7 +2425,7 @@
             </a:endParaRPr>
           </a:p>
           <a:p>
-            <a:pPr algn="just" marL="299085" marR="5715" indent="-287020">
+            <a:pPr marL="299085" marR="5715" indent="-287020" algn="just">
               <a:lnSpc>
                 <a:spcPts val="2590"/>
               </a:lnSpc>
@@ -2290,7 +2439,7 @@
               </a:tabLst>
             </a:pPr>
             <a:r>
-              <a:rPr dirty="0" sz="2400">
+              <a:rPr sz="2400" dirty="0">
                 <a:solidFill>
                   <a:srgbClr val="FFFFFF"/>
                 </a:solidFill>
@@ -2300,7 +2449,7 @@
               <a:t>This project </a:t>
             </a:r>
             <a:r>
-              <a:rPr dirty="0" sz="2400" spc="-5">
+              <a:rPr sz="2400" spc="-5" dirty="0">
                 <a:solidFill>
                   <a:srgbClr val="FFFFFF"/>
                 </a:solidFill>
@@ -2310,7 +2459,7 @@
               <a:t>serves as </a:t>
             </a:r>
             <a:r>
-              <a:rPr dirty="0" sz="2400">
+              <a:rPr sz="2400" dirty="0">
                 <a:solidFill>
                   <a:srgbClr val="FFFFFF"/>
                 </a:solidFill>
@@ -2320,7 +2469,7 @@
               <a:t>a </a:t>
             </a:r>
             <a:r>
-              <a:rPr dirty="0" sz="2400" spc="-5">
+              <a:rPr sz="2400" spc="-5" dirty="0">
                 <a:solidFill>
                   <a:srgbClr val="FFFFFF"/>
                 </a:solidFill>
@@ -2330,7 +2479,7 @@
               <a:t>stepping stone for </a:t>
             </a:r>
             <a:r>
-              <a:rPr dirty="0" sz="2400" spc="-10">
+              <a:rPr sz="2400" spc="-10" dirty="0">
                 <a:solidFill>
                   <a:srgbClr val="FFFFFF"/>
                 </a:solidFill>
@@ -2340,7 +2489,7 @@
               <a:t>those </a:t>
             </a:r>
             <a:r>
-              <a:rPr dirty="0" sz="2400" spc="-5">
+              <a:rPr sz="2400" spc="-5" dirty="0">
                 <a:solidFill>
                   <a:srgbClr val="FFFFFF"/>
                 </a:solidFill>
@@ -2350,7 +2499,7 @@
               <a:t>who </a:t>
             </a:r>
             <a:r>
-              <a:rPr dirty="0" sz="2400" spc="-10">
+              <a:rPr sz="2400" spc="-10" dirty="0">
                 <a:solidFill>
                   <a:srgbClr val="FFFFFF"/>
                 </a:solidFill>
@@ -2360,7 +2509,7 @@
               <a:t>are </a:t>
             </a:r>
             <a:r>
-              <a:rPr dirty="0" sz="2400" spc="-5">
+              <a:rPr sz="2400" spc="-5" dirty="0">
                 <a:solidFill>
                   <a:srgbClr val="FFFFFF"/>
                 </a:solidFill>
@@ -2370,7 +2519,7 @@
               <a:t>planning to  set-up </a:t>
             </a:r>
             <a:r>
-              <a:rPr dirty="0" sz="2400">
+              <a:rPr sz="2400" dirty="0">
                 <a:solidFill>
                   <a:srgbClr val="FFFFFF"/>
                 </a:solidFill>
@@ -2380,7 +2529,7 @@
               <a:t>any new </a:t>
             </a:r>
             <a:r>
-              <a:rPr dirty="0" sz="2400" spc="-5">
+              <a:rPr sz="2400" spc="-5" dirty="0">
                 <a:solidFill>
                   <a:srgbClr val="FFFFFF"/>
                 </a:solidFill>
@@ -2390,7 +2539,7 @@
               <a:t>business(GYM) in </a:t>
             </a:r>
             <a:r>
-              <a:rPr dirty="0" sz="2400">
+              <a:rPr sz="2400" dirty="0">
                 <a:solidFill>
                   <a:srgbClr val="FFFFFF"/>
                 </a:solidFill>
@@ -2400,7 +2549,7 @@
               <a:t>a new</a:t>
             </a:r>
             <a:r>
-              <a:rPr dirty="0" sz="2400" spc="-50">
+              <a:rPr sz="2400" spc="-50" dirty="0">
                 <a:solidFill>
                   <a:srgbClr val="FFFFFF"/>
                 </a:solidFill>
@@ -2410,7 +2559,7 @@
               <a:t> </a:t>
             </a:r>
             <a:r>
-              <a:rPr dirty="0" sz="2400">
+              <a:rPr sz="2400" dirty="0">
                 <a:solidFill>
                   <a:srgbClr val="FFFFFF"/>
                 </a:solidFill>
@@ -2466,10 +2615,12 @@
             <a:off x="2719197" y="968755"/>
             <a:ext cx="6439535" cy="756920"/>
           </a:xfrm>
-          <a:prstGeom prst="rect"/>
+          <a:prstGeom prst="rect">
+            <a:avLst/>
+          </a:prstGeom>
         </p:spPr>
         <p:txBody>
-          <a:bodyPr wrap="square" lIns="0" tIns="12700" rIns="0" bIns="0" rtlCol="0" vert="horz">
+          <a:bodyPr vert="horz" wrap="square" lIns="0" tIns="12700" rIns="0" bIns="0" rtlCol="0">
             <a:spAutoFit/>
           </a:bodyPr>
           <a:lstStyle/>
@@ -2483,21 +2634,21 @@
               </a:spcBef>
             </a:pPr>
             <a:r>
-              <a:rPr dirty="0" spc="-5" b="1">
+              <a:rPr b="1" spc="-5" dirty="0">
                 <a:latin typeface="Comic Sans MS"/>
                 <a:cs typeface="Comic Sans MS"/>
               </a:rPr>
               <a:t>BUSINESS</a:t>
             </a:r>
             <a:r>
-              <a:rPr dirty="0" spc="-95" b="1">
+              <a:rPr b="1" spc="-95" dirty="0">
                 <a:latin typeface="Comic Sans MS"/>
                 <a:cs typeface="Comic Sans MS"/>
               </a:rPr>
               <a:t> </a:t>
             </a:r>
             <a:r>
-              <a:rPr dirty="0" b="1">
+              <a:rPr b="1" dirty="0">
                 <a:latin typeface="Comic Sans MS"/>
                 <a:cs typeface="Comic Sans MS"/>
               </a:rPr>
@@ -2522,7 +2673,7 @@
           </a:prstGeom>
         </p:spPr>
         <p:txBody>
-          <a:bodyPr wrap="square" lIns="0" tIns="102235" rIns="0" bIns="0" rtlCol="0" vert="horz">
+          <a:bodyPr vert="horz" wrap="square" lIns="0" tIns="102235" rIns="0" bIns="0" rtlCol="0">
             <a:spAutoFit/>
           </a:bodyPr>
           <a:lstStyle/>
@@ -2541,7 +2692,7 @@
               </a:tabLst>
             </a:pPr>
             <a:r>
-              <a:rPr dirty="0" sz="2400">
+              <a:rPr sz="2400" dirty="0">
                 <a:solidFill>
                   <a:srgbClr val="FFFFFF"/>
                 </a:solidFill>
@@ -2551,7 +2702,7 @@
               <a:t>To </a:t>
             </a:r>
             <a:r>
-              <a:rPr dirty="0" sz="2400" spc="-5">
+              <a:rPr sz="2400" spc="-5" dirty="0">
                 <a:solidFill>
                   <a:srgbClr val="FFFFFF"/>
                 </a:solidFill>
@@ -2561,7 +2712,7 @@
               <a:t>find the </a:t>
             </a:r>
             <a:r>
-              <a:rPr dirty="0" sz="2400">
+              <a:rPr sz="2400" dirty="0">
                 <a:solidFill>
                   <a:srgbClr val="FFFFFF"/>
                 </a:solidFill>
@@ -2571,7 +2722,7 @@
               <a:t>best neighborhood </a:t>
             </a:r>
             <a:r>
-              <a:rPr dirty="0" sz="2400" spc="-5">
+              <a:rPr sz="2400" spc="-5" dirty="0">
                 <a:solidFill>
                   <a:srgbClr val="FFFFFF"/>
                 </a:solidFill>
@@ -2581,7 +2732,7 @@
               <a:t>in </a:t>
             </a:r>
             <a:r>
-              <a:rPr dirty="0" sz="2400">
+              <a:rPr sz="2400" dirty="0">
                 <a:solidFill>
                   <a:srgbClr val="FFFFFF"/>
                 </a:solidFill>
@@ -2591,7 +2742,7 @@
               <a:t>New </a:t>
             </a:r>
             <a:r>
-              <a:rPr dirty="0" sz="2400" spc="-5">
+              <a:rPr sz="2400" spc="-5" dirty="0">
                 <a:solidFill>
                   <a:srgbClr val="FFFFFF"/>
                 </a:solidFill>
@@ -2601,7 +2752,7 @@
               <a:t>York to </a:t>
             </a:r>
             <a:r>
-              <a:rPr dirty="0" sz="2400">
+              <a:rPr sz="2400" dirty="0">
                 <a:solidFill>
                   <a:srgbClr val="FFFFFF"/>
                 </a:solidFill>
@@ -2611,7 +2762,7 @@
               <a:t>open</a:t>
             </a:r>
             <a:r>
-              <a:rPr dirty="0" sz="2400" spc="-65">
+              <a:rPr sz="2400" spc="-65" dirty="0">
                 <a:solidFill>
                   <a:srgbClr val="FFFFFF"/>
                 </a:solidFill>
@@ -2621,7 +2772,7 @@
               <a:t> </a:t>
             </a:r>
             <a:r>
-              <a:rPr dirty="0" sz="2400">
+              <a:rPr sz="2400" dirty="0">
                 <a:solidFill>
                   <a:srgbClr val="FFFFFF"/>
                 </a:solidFill>
@@ -2662,7 +2813,7 @@
               </a:tabLst>
             </a:pPr>
             <a:r>
-              <a:rPr dirty="0" sz="2400">
+              <a:rPr sz="2400" dirty="0">
                 <a:solidFill>
                   <a:srgbClr val="FFFFFF"/>
                 </a:solidFill>
@@ -2672,7 +2823,7 @@
               <a:t>Gym	mu</a:t>
             </a:r>
             <a:r>
-              <a:rPr dirty="0" sz="2400" spc="-10">
+              <a:rPr sz="2400" spc="-10" dirty="0">
                 <a:solidFill>
                   <a:srgbClr val="FFFFFF"/>
                 </a:solidFill>
@@ -2682,7 +2833,7 @@
               <a:t>s</a:t>
             </a:r>
             <a:r>
-              <a:rPr dirty="0" sz="2400">
+              <a:rPr sz="2400" dirty="0">
                 <a:solidFill>
                   <a:srgbClr val="FFFFFF"/>
                 </a:solidFill>
@@ -2692,7 +2843,7 @@
               <a:t>t	</a:t>
             </a:r>
             <a:r>
-              <a:rPr dirty="0" sz="2400" spc="-10">
+              <a:rPr sz="2400" spc="-10" dirty="0">
                 <a:solidFill>
                   <a:srgbClr val="FFFFFF"/>
                 </a:solidFill>
@@ -2702,7 +2853,7 @@
               <a:t>b</a:t>
             </a:r>
             <a:r>
-              <a:rPr dirty="0" sz="2400">
+              <a:rPr sz="2400" dirty="0">
                 <a:solidFill>
                   <a:srgbClr val="FFFFFF"/>
                 </a:solidFill>
@@ -2712,7 +2863,7 @@
               <a:t>e	loca</a:t>
             </a:r>
             <a:r>
-              <a:rPr dirty="0" sz="2400" spc="-20">
+              <a:rPr sz="2400" spc="-20" dirty="0">
                 <a:solidFill>
                   <a:srgbClr val="FFFFFF"/>
                 </a:solidFill>
@@ -2722,7 +2873,7 @@
               <a:t>t</a:t>
             </a:r>
             <a:r>
-              <a:rPr dirty="0" sz="2400">
+              <a:rPr sz="2400" dirty="0">
                 <a:solidFill>
                   <a:srgbClr val="FFFFFF"/>
                 </a:solidFill>
@@ -2732,7 +2883,7 @@
               <a:t>ed	</a:t>
             </a:r>
             <a:r>
-              <a:rPr dirty="0" sz="2400" spc="-5">
+              <a:rPr sz="2400" spc="-5" dirty="0">
                 <a:solidFill>
                   <a:srgbClr val="FFFFFF"/>
                 </a:solidFill>
@@ -2742,7 +2893,7 @@
               <a:t>i</a:t>
             </a:r>
             <a:r>
-              <a:rPr dirty="0" sz="2400">
+              <a:rPr sz="2400" dirty="0">
                 <a:solidFill>
                   <a:srgbClr val="FFFFFF"/>
                 </a:solidFill>
@@ -2752,7 +2903,7 @@
               <a:t>n	</a:t>
             </a:r>
             <a:r>
-              <a:rPr dirty="0" sz="2400" spc="-5">
+              <a:rPr sz="2400" spc="-5" dirty="0">
                 <a:solidFill>
                   <a:srgbClr val="FFFFFF"/>
                 </a:solidFill>
@@ -2762,7 +2913,7 @@
               <a:t>a</a:t>
             </a:r>
             <a:r>
-              <a:rPr dirty="0" sz="2400">
+              <a:rPr sz="2400" dirty="0">
                 <a:solidFill>
                   <a:srgbClr val="FFFFFF"/>
                 </a:solidFill>
@@ -2772,7 +2923,7 @@
               <a:t>n	area	</a:t>
             </a:r>
             <a:r>
-              <a:rPr dirty="0" sz="2400" spc="-10">
+              <a:rPr sz="2400" spc="-10" dirty="0">
                 <a:solidFill>
                   <a:srgbClr val="FFFFFF"/>
                 </a:solidFill>
@@ -2782,7 +2933,7 @@
               <a:t>w</a:t>
             </a:r>
             <a:r>
-              <a:rPr dirty="0" sz="2400">
+              <a:rPr sz="2400" dirty="0">
                 <a:solidFill>
                   <a:srgbClr val="FFFFFF"/>
                 </a:solidFill>
@@ -2792,7 +2943,7 @@
               <a:t>hi</a:t>
             </a:r>
             <a:r>
-              <a:rPr dirty="0" sz="2400" spc="5">
+              <a:rPr sz="2400" spc="5" dirty="0">
                 <a:solidFill>
                   <a:srgbClr val="FFFFFF"/>
                 </a:solidFill>
@@ -2802,7 +2953,7 @@
               <a:t>c</a:t>
             </a:r>
             <a:r>
-              <a:rPr dirty="0" sz="2400">
+              <a:rPr sz="2400" dirty="0">
                 <a:solidFill>
                   <a:srgbClr val="FFFFFF"/>
                 </a:solidFill>
@@ -2812,7 +2963,7 @@
               <a:t>h	</a:t>
             </a:r>
             <a:r>
-              <a:rPr dirty="0" sz="2400" spc="-5">
+              <a:rPr sz="2400" spc="-5" dirty="0">
                 <a:solidFill>
                   <a:srgbClr val="FFFFFF"/>
                 </a:solidFill>
@@ -2822,7 +2973,7 @@
               <a:t>i</a:t>
             </a:r>
             <a:r>
-              <a:rPr dirty="0" sz="2400">
+              <a:rPr sz="2400" dirty="0">
                 <a:solidFill>
                   <a:srgbClr val="FFFFFF"/>
                 </a:solidFill>
@@ -2832,7 +2983,7 @@
               <a:t>s	clo</a:t>
             </a:r>
             <a:r>
-              <a:rPr dirty="0" sz="2400" spc="-15">
+              <a:rPr sz="2400" spc="-15" dirty="0">
                 <a:solidFill>
                   <a:srgbClr val="FFFFFF"/>
                 </a:solidFill>
@@ -2842,7 +2993,7 @@
               <a:t>s</a:t>
             </a:r>
             <a:r>
-              <a:rPr dirty="0" sz="2400">
+              <a:rPr sz="2400" dirty="0">
                 <a:solidFill>
                   <a:srgbClr val="FFFFFF"/>
                 </a:solidFill>
@@ -2852,7 +3003,7 @@
               <a:t>e	</a:t>
             </a:r>
             <a:r>
-              <a:rPr dirty="0" sz="2400" spc="-5">
+              <a:rPr sz="2400" spc="-5" dirty="0">
                 <a:solidFill>
                   <a:srgbClr val="FFFFFF"/>
                 </a:solidFill>
@@ -2862,7 +3013,7 @@
               <a:t>t</a:t>
             </a:r>
             <a:r>
-              <a:rPr dirty="0" sz="2400">
+              <a:rPr sz="2400" dirty="0">
                 <a:solidFill>
                   <a:srgbClr val="FFFFFF"/>
                 </a:solidFill>
@@ -2872,7 +3023,7 @@
               <a:t>o	pro</a:t>
             </a:r>
             <a:r>
-              <a:rPr dirty="0" sz="2400" spc="-10">
+              <a:rPr sz="2400" spc="-10" dirty="0">
                 <a:solidFill>
                   <a:srgbClr val="FFFFFF"/>
                 </a:solidFill>
@@ -2882,7 +3033,7 @@
               <a:t>m</a:t>
             </a:r>
             <a:r>
-              <a:rPr dirty="0" sz="2400" spc="-5">
+              <a:rPr sz="2400" spc="-5" dirty="0">
                 <a:solidFill>
                   <a:srgbClr val="FFFFFF"/>
                 </a:solidFill>
@@ -2892,7 +3043,7 @@
               <a:t>in</a:t>
             </a:r>
             <a:r>
-              <a:rPr dirty="0" sz="2400" spc="5">
+              <a:rPr sz="2400" spc="5" dirty="0">
                 <a:solidFill>
                   <a:srgbClr val="FFFFFF"/>
                 </a:solidFill>
@@ -2902,7 +3053,7 @@
               <a:t>e</a:t>
             </a:r>
             <a:r>
-              <a:rPr dirty="0" sz="2400" spc="-5">
+              <a:rPr sz="2400" spc="-5" dirty="0">
                 <a:solidFill>
                   <a:srgbClr val="FFFFFF"/>
                 </a:solidFill>
@@ -2912,7 +3063,7 @@
               <a:t>n</a:t>
             </a:r>
             <a:r>
-              <a:rPr dirty="0" sz="2400">
+              <a:rPr sz="2400" dirty="0">
                 <a:solidFill>
                   <a:srgbClr val="FFFFFF"/>
                 </a:solidFill>
@@ -2922,7 +3073,7 @@
               <a:t>t	M</a:t>
             </a:r>
             <a:r>
-              <a:rPr dirty="0" sz="2400" spc="10">
+              <a:rPr sz="2400" spc="10" dirty="0">
                 <a:solidFill>
                   <a:srgbClr val="FFFFFF"/>
                 </a:solidFill>
@@ -2932,7 +3083,7 @@
               <a:t>e</a:t>
             </a:r>
             <a:r>
-              <a:rPr dirty="0" sz="2400" spc="-15">
+              <a:rPr sz="2400" spc="-15" dirty="0">
                 <a:solidFill>
                   <a:srgbClr val="FFFFFF"/>
                 </a:solidFill>
@@ -2942,7 +3093,7 @@
               <a:t>tr</a:t>
             </a:r>
             <a:r>
-              <a:rPr dirty="0" sz="2400">
+              <a:rPr sz="2400" dirty="0">
                 <a:solidFill>
                   <a:srgbClr val="FFFFFF"/>
                 </a:solidFill>
@@ -2952,7 +3103,7 @@
               <a:t>o  </a:t>
             </a:r>
             <a:r>
-              <a:rPr dirty="0" sz="2400" spc="-5">
+              <a:rPr sz="2400" spc="-5" dirty="0">
                 <a:solidFill>
                   <a:srgbClr val="FFFFFF"/>
                 </a:solidFill>
@@ -2962,7 +3113,7 @@
               <a:t>Stations so that will </a:t>
             </a:r>
             <a:r>
-              <a:rPr dirty="0" sz="2400">
+              <a:rPr sz="2400" dirty="0">
                 <a:solidFill>
                   <a:srgbClr val="FFFFFF"/>
                 </a:solidFill>
@@ -2972,7 +3123,7 @@
               <a:t>be easy </a:t>
             </a:r>
             <a:r>
-              <a:rPr dirty="0" sz="2400" spc="-5">
+              <a:rPr sz="2400" spc="-5" dirty="0">
                 <a:solidFill>
                   <a:srgbClr val="FFFFFF"/>
                 </a:solidFill>
@@ -2982,7 +3133,7 @@
               <a:t>for the customers to</a:t>
             </a:r>
             <a:r>
-              <a:rPr dirty="0" sz="2400" spc="-90">
+              <a:rPr sz="2400" spc="-90" dirty="0">
                 <a:solidFill>
                   <a:srgbClr val="FFFFFF"/>
                 </a:solidFill>
@@ -2992,7 +3143,7 @@
               <a:t> </a:t>
             </a:r>
             <a:r>
-              <a:rPr dirty="0" sz="2400">
+              <a:rPr sz="2400" dirty="0">
                 <a:solidFill>
                   <a:srgbClr val="FFFFFF"/>
                 </a:solidFill>
@@ -3021,7 +3172,7 @@
               </a:tabLst>
             </a:pPr>
             <a:r>
-              <a:rPr dirty="0" sz="2400">
+              <a:rPr sz="2400" dirty="0">
                 <a:solidFill>
                   <a:srgbClr val="FFFFFF"/>
                 </a:solidFill>
@@ -3031,7 +3182,7 @@
               <a:t>Gym</a:t>
             </a:r>
             <a:r>
-              <a:rPr dirty="0" sz="2400" spc="305">
+              <a:rPr sz="2400" spc="305" dirty="0">
                 <a:solidFill>
                   <a:srgbClr val="FFFFFF"/>
                 </a:solidFill>
@@ -3041,7 +3192,7 @@
               <a:t> </a:t>
             </a:r>
             <a:r>
-              <a:rPr dirty="0" sz="2400" spc="-5">
+              <a:rPr sz="2400" spc="-5" dirty="0">
                 <a:solidFill>
                   <a:srgbClr val="FFFFFF"/>
                 </a:solidFill>
@@ -3051,7 +3202,7 @@
               <a:t>should</a:t>
             </a:r>
             <a:r>
-              <a:rPr dirty="0" sz="2400" spc="310">
+              <a:rPr sz="2400" spc="310" dirty="0">
                 <a:solidFill>
                   <a:srgbClr val="FFFFFF"/>
                 </a:solidFill>
@@ -3061,7 +3212,7 @@
               <a:t> </a:t>
             </a:r>
             <a:r>
-              <a:rPr dirty="0" sz="2400">
+              <a:rPr sz="2400" dirty="0">
                 <a:solidFill>
                   <a:srgbClr val="FFFFFF"/>
                 </a:solidFill>
@@ -3071,7 +3222,7 @@
               <a:t>be</a:t>
             </a:r>
             <a:r>
-              <a:rPr dirty="0" sz="2400" spc="310">
+              <a:rPr sz="2400" spc="310" dirty="0">
                 <a:solidFill>
                   <a:srgbClr val="FFFFFF"/>
                 </a:solidFill>
@@ -3081,7 +3232,7 @@
               <a:t> </a:t>
             </a:r>
             <a:r>
-              <a:rPr dirty="0" sz="2400" spc="-10">
+              <a:rPr sz="2400" spc="-10" dirty="0">
                 <a:solidFill>
                   <a:srgbClr val="FFFFFF"/>
                 </a:solidFill>
@@ -3091,7 +3242,7 @@
               <a:t>set</a:t>
             </a:r>
             <a:r>
-              <a:rPr dirty="0" sz="2400" spc="305">
+              <a:rPr sz="2400" spc="305" dirty="0">
                 <a:solidFill>
                   <a:srgbClr val="FFFFFF"/>
                 </a:solidFill>
@@ -3101,7 +3252,7 @@
               <a:t> </a:t>
             </a:r>
             <a:r>
-              <a:rPr dirty="0" sz="2400" spc="-10">
+              <a:rPr sz="2400" spc="-10" dirty="0">
                 <a:solidFill>
                   <a:srgbClr val="FFFFFF"/>
                 </a:solidFill>
@@ -3111,7 +3262,7 @@
               <a:t>up</a:t>
             </a:r>
             <a:r>
-              <a:rPr dirty="0" sz="2400" spc="315">
+              <a:rPr sz="2400" spc="315" dirty="0">
                 <a:solidFill>
                   <a:srgbClr val="FFFFFF"/>
                 </a:solidFill>
@@ -3121,7 +3272,7 @@
               <a:t> </a:t>
             </a:r>
             <a:r>
-              <a:rPr dirty="0" sz="2400" spc="-5">
+              <a:rPr sz="2400" spc="-5" dirty="0">
                 <a:solidFill>
                   <a:srgbClr val="FFFFFF"/>
                 </a:solidFill>
@@ -3131,7 +3282,7 @@
               <a:t>in</a:t>
             </a:r>
             <a:r>
-              <a:rPr dirty="0" sz="2400" spc="320">
+              <a:rPr sz="2400" spc="320" dirty="0">
                 <a:solidFill>
                   <a:srgbClr val="FFFFFF"/>
                 </a:solidFill>
@@ -3141,7 +3292,7 @@
               <a:t> </a:t>
             </a:r>
             <a:r>
-              <a:rPr dirty="0" sz="2400">
+              <a:rPr sz="2400" dirty="0">
                 <a:solidFill>
                   <a:srgbClr val="FFFFFF"/>
                 </a:solidFill>
@@ -3151,7 +3302,7 @@
               <a:t>a</a:t>
             </a:r>
             <a:r>
-              <a:rPr dirty="0" sz="2400" spc="300">
+              <a:rPr sz="2400" spc="300" dirty="0">
                 <a:solidFill>
                   <a:srgbClr val="FFFFFF"/>
                 </a:solidFill>
@@ -3161,7 +3312,7 @@
               <a:t> </a:t>
             </a:r>
             <a:r>
-              <a:rPr dirty="0" sz="2400" spc="-5">
+              <a:rPr sz="2400" spc="-5" dirty="0">
                 <a:solidFill>
                   <a:srgbClr val="FFFFFF"/>
                 </a:solidFill>
@@ -3171,7 +3322,7 @@
               <a:t>neighborhood</a:t>
             </a:r>
             <a:r>
-              <a:rPr dirty="0" sz="2400" spc="295">
+              <a:rPr sz="2400" spc="295" dirty="0">
                 <a:solidFill>
                   <a:srgbClr val="FFFFFF"/>
                 </a:solidFill>
@@ -3181,7 +3332,7 @@
               <a:t> </a:t>
             </a:r>
             <a:r>
-              <a:rPr dirty="0" sz="2400" spc="-5">
+              <a:rPr sz="2400" spc="-5" dirty="0">
                 <a:solidFill>
                   <a:srgbClr val="FFFFFF"/>
                 </a:solidFill>
@@ -3191,7 +3342,7 @@
               <a:t>with</a:t>
             </a:r>
             <a:r>
-              <a:rPr dirty="0" sz="2400" spc="305">
+              <a:rPr sz="2400" spc="305" dirty="0">
                 <a:solidFill>
                   <a:srgbClr val="FFFFFF"/>
                 </a:solidFill>
@@ -3201,7 +3352,7 @@
               <a:t> </a:t>
             </a:r>
             <a:r>
-              <a:rPr dirty="0" sz="2400" spc="-5">
+              <a:rPr sz="2400" spc="-5" dirty="0">
                 <a:solidFill>
                   <a:srgbClr val="FFFFFF"/>
                 </a:solidFill>
@@ -3211,7 +3362,7 @@
               <a:t>few</a:t>
             </a:r>
             <a:r>
-              <a:rPr dirty="0" sz="2400" spc="305">
+              <a:rPr sz="2400" spc="305" dirty="0">
                 <a:solidFill>
                   <a:srgbClr val="FFFFFF"/>
                 </a:solidFill>
@@ -3221,7 +3372,7 @@
               <a:t> </a:t>
             </a:r>
             <a:r>
-              <a:rPr dirty="0" sz="2400" spc="-5">
+              <a:rPr sz="2400" spc="-5" dirty="0">
                 <a:solidFill>
                   <a:srgbClr val="FFFFFF"/>
                 </a:solidFill>
@@ -3231,7 +3382,7 @@
               <a:t>competitors</a:t>
             </a:r>
             <a:r>
-              <a:rPr dirty="0" sz="2400" spc="305">
+              <a:rPr sz="2400" spc="305" dirty="0">
                 <a:solidFill>
                   <a:srgbClr val="FFFFFF"/>
                 </a:solidFill>
@@ -3241,7 +3392,7 @@
               <a:t> </a:t>
             </a:r>
             <a:r>
-              <a:rPr dirty="0" sz="2400" spc="-5">
+              <a:rPr sz="2400" spc="-5" dirty="0">
                 <a:solidFill>
                   <a:srgbClr val="FFFFFF"/>
                 </a:solidFill>
@@ -3251,7 +3402,7 @@
               <a:t>so</a:t>
             </a:r>
             <a:r>
-              <a:rPr dirty="0" sz="2400" spc="305">
+              <a:rPr sz="2400" spc="305" dirty="0">
                 <a:solidFill>
                   <a:srgbClr val="FFFFFF"/>
                 </a:solidFill>
@@ -3261,7 +3412,7 @@
               <a:t> </a:t>
             </a:r>
             <a:r>
-              <a:rPr dirty="0" sz="2400" spc="-5">
+              <a:rPr sz="2400" spc="-5" dirty="0">
                 <a:solidFill>
                   <a:srgbClr val="FFFFFF"/>
                 </a:solidFill>
@@ -3271,7 +3422,7 @@
               <a:t>as</a:t>
             </a:r>
             <a:r>
-              <a:rPr dirty="0" sz="2400" spc="300">
+              <a:rPr sz="2400" spc="300" dirty="0">
                 <a:solidFill>
                   <a:srgbClr val="FFFFFF"/>
                 </a:solidFill>
@@ -3281,7 +3432,7 @@
               <a:t> </a:t>
             </a:r>
             <a:r>
-              <a:rPr dirty="0" sz="2400" spc="-5">
+              <a:rPr sz="2400" spc="-5" dirty="0">
                 <a:solidFill>
                   <a:srgbClr val="FFFFFF"/>
                 </a:solidFill>
@@ -3302,7 +3453,7 @@
               </a:lnSpc>
             </a:pPr>
             <a:r>
-              <a:rPr dirty="0" sz="2400" spc="-5">
+              <a:rPr sz="2400" spc="-5" dirty="0">
                 <a:solidFill>
                   <a:srgbClr val="FFFFFF"/>
                 </a:solidFill>
@@ -3312,7 +3463,7 @@
               <a:t>reduce the risk of</a:t>
             </a:r>
             <a:r>
-              <a:rPr dirty="0" sz="2400" spc="-15">
+              <a:rPr sz="2400" spc="-15" dirty="0">
                 <a:solidFill>
                   <a:srgbClr val="FFFFFF"/>
                 </a:solidFill>
@@ -3322,7 +3473,7 @@
               <a:t> </a:t>
             </a:r>
             <a:r>
-              <a:rPr dirty="0" sz="2400" spc="-5">
+              <a:rPr sz="2400" spc="-5" dirty="0">
                 <a:solidFill>
                   <a:srgbClr val="FFFFFF"/>
                 </a:solidFill>
@@ -3378,10 +3529,12 @@
             <a:off x="4604130" y="183896"/>
             <a:ext cx="1783080" cy="756920"/>
           </a:xfrm>
-          <a:prstGeom prst="rect"/>
+          <a:prstGeom prst="rect">
+            <a:avLst/>
+          </a:prstGeom>
         </p:spPr>
         <p:txBody>
-          <a:bodyPr wrap="square" lIns="0" tIns="12700" rIns="0" bIns="0" rtlCol="0" vert="horz">
+          <a:bodyPr vert="horz" wrap="square" lIns="0" tIns="12700" rIns="0" bIns="0" rtlCol="0">
             <a:spAutoFit/>
           </a:bodyPr>
           <a:lstStyle/>
@@ -3395,7 +3548,7 @@
               </a:spcBef>
             </a:pPr>
             <a:r>
-              <a:rPr dirty="0" b="1">
+              <a:rPr b="1" dirty="0">
                 <a:latin typeface="Comic Sans MS"/>
                 <a:cs typeface="Comic Sans MS"/>
               </a:rPr>
@@ -3420,7 +3573,7 @@
           </a:prstGeom>
         </p:spPr>
         <p:txBody>
-          <a:bodyPr wrap="square" lIns="0" tIns="12065" rIns="0" bIns="0" rtlCol="0" vert="horz">
+          <a:bodyPr vert="horz" wrap="square" lIns="0" tIns="12065" rIns="0" bIns="0" rtlCol="0">
             <a:spAutoFit/>
           </a:bodyPr>
           <a:lstStyle/>
@@ -3442,7 +3595,7 @@
               </a:tabLst>
             </a:pPr>
             <a:r>
-              <a:rPr dirty="0" sz="2200" spc="-5">
+              <a:rPr sz="2200" spc="-5" dirty="0">
                 <a:solidFill>
                   <a:srgbClr val="FFFFFF"/>
                 </a:solidFill>
@@ -3452,7 +3605,7 @@
               <a:t>C</a:t>
             </a:r>
             <a:r>
-              <a:rPr dirty="0" sz="2200" spc="-15">
+              <a:rPr sz="2200" spc="-15" dirty="0">
                 <a:solidFill>
                   <a:srgbClr val="FFFFFF"/>
                 </a:solidFill>
@@ -3462,7 +3615,7 @@
               <a:t>o</a:t>
             </a:r>
             <a:r>
-              <a:rPr dirty="0" sz="2200" spc="5">
+              <a:rPr sz="2200" spc="5" dirty="0">
                 <a:solidFill>
                   <a:srgbClr val="FFFFFF"/>
                 </a:solidFill>
@@ -3472,7 +3625,7 @@
               <a:t>n</a:t>
             </a:r>
             <a:r>
-              <a:rPr dirty="0" sz="2200" spc="-5">
+              <a:rPr sz="2200" spc="-5" dirty="0">
                 <a:solidFill>
                   <a:srgbClr val="FFFFFF"/>
                 </a:solidFill>
@@ -3482,7 +3635,7 @@
               <a:t>si</a:t>
             </a:r>
             <a:r>
-              <a:rPr dirty="0" sz="2200" spc="-15">
+              <a:rPr sz="2200" spc="-15" dirty="0">
                 <a:solidFill>
                   <a:srgbClr val="FFFFFF"/>
                 </a:solidFill>
@@ -3492,7 +3645,7 @@
               <a:t>d</a:t>
             </a:r>
             <a:r>
-              <a:rPr dirty="0" sz="2200" spc="-5">
+              <a:rPr sz="2200" spc="-5" dirty="0">
                 <a:solidFill>
                   <a:srgbClr val="FFFFFF"/>
                 </a:solidFill>
@@ -3502,7 +3655,7 @@
               <a:t>eri</a:t>
             </a:r>
             <a:r>
-              <a:rPr dirty="0" sz="2200">
+              <a:rPr sz="2200" dirty="0">
                 <a:solidFill>
                   <a:srgbClr val="FFFFFF"/>
                 </a:solidFill>
@@ -3512,7 +3665,7 @@
               <a:t>n</a:t>
             </a:r>
             <a:r>
-              <a:rPr dirty="0" sz="2200" spc="-5">
+              <a:rPr sz="2200" spc="-5" dirty="0">
                 <a:solidFill>
                   <a:srgbClr val="FFFFFF"/>
                 </a:solidFill>
@@ -3522,7 +3675,7 @@
               <a:t>g</a:t>
             </a:r>
             <a:r>
-              <a:rPr dirty="0" sz="2200">
+              <a:rPr sz="2200" dirty="0">
                 <a:solidFill>
                   <a:srgbClr val="FFFFFF"/>
                 </a:solidFill>
@@ -3532,7 +3685,7 @@
               <a:t>	</a:t>
             </a:r>
             <a:r>
-              <a:rPr dirty="0" sz="2200" spc="-5">
+              <a:rPr sz="2200" spc="-5" dirty="0">
                 <a:solidFill>
                   <a:srgbClr val="FFFFFF"/>
                 </a:solidFill>
@@ -3542,7 +3695,7 @@
               <a:t>New</a:t>
             </a:r>
             <a:r>
-              <a:rPr dirty="0" sz="2200">
+              <a:rPr sz="2200" dirty="0">
                 <a:solidFill>
                   <a:srgbClr val="FFFFFF"/>
                 </a:solidFill>
@@ -3552,7 +3705,7 @@
               <a:t>	</a:t>
             </a:r>
             <a:r>
-              <a:rPr dirty="0" sz="2200" spc="-10">
+              <a:rPr sz="2200" spc="-10" dirty="0">
                 <a:solidFill>
                   <a:srgbClr val="FFFFFF"/>
                 </a:solidFill>
@@ -3562,7 +3715,7 @@
               <a:t>Yo</a:t>
             </a:r>
             <a:r>
-              <a:rPr dirty="0" sz="2200" spc="10">
+              <a:rPr sz="2200" spc="10" dirty="0">
                 <a:solidFill>
                   <a:srgbClr val="FFFFFF"/>
                 </a:solidFill>
@@ -3572,7 +3725,7 @@
               <a:t>r</a:t>
             </a:r>
             <a:r>
-              <a:rPr dirty="0" sz="2200" spc="-5">
+              <a:rPr sz="2200" spc="-5" dirty="0">
                 <a:solidFill>
                   <a:srgbClr val="FFFFFF"/>
                 </a:solidFill>
@@ -3582,7 +3735,27 @@
               <a:t>k</a:t>
             </a:r>
             <a:r>
-              <a:rPr dirty="0" sz="2200">
+              <a:rPr sz="2200" dirty="0">
+                <a:solidFill>
+                  <a:srgbClr val="FFFFFF"/>
+                </a:solidFill>
+                <a:latin typeface="Comic Sans MS"/>
+                <a:cs typeface="Comic Sans MS"/>
+              </a:rPr>
+              <a:t>	a</a:t>
+            </a:r>
+            <a:r>
+              <a:rPr sz="2200" spc="-5" dirty="0">
+                <a:solidFill>
+                  <a:srgbClr val="FFFFFF"/>
+                </a:solidFill>
+                <a:latin typeface="Comic Sans MS"/>
+                <a:cs typeface="Comic Sans MS"/>
+              </a:rPr>
+              <a:t>s</a:t>
+            </a:r>
+            <a:r>
+              <a:rPr sz="2200" dirty="0">
                 <a:solidFill>
                   <a:srgbClr val="FFFFFF"/>
                 </a:solidFill>
@@ -3592,27 +3765,27 @@
               <a:t>	</a:t>
             </a:r>
             <a:r>
-              <a:rPr dirty="0" sz="2200">
-                <a:solidFill>
-                  <a:srgbClr val="FFFFFF"/>
-                </a:solidFill>
-                <a:latin typeface="Comic Sans MS"/>
-                <a:cs typeface="Comic Sans MS"/>
-              </a:rPr>
-              <a:t>a</a:t>
-            </a:r>
-            <a:r>
-              <a:rPr dirty="0" sz="2200" spc="-5">
-                <a:solidFill>
-                  <a:srgbClr val="FFFFFF"/>
-                </a:solidFill>
-                <a:latin typeface="Comic Sans MS"/>
-                <a:cs typeface="Comic Sans MS"/>
-              </a:rPr>
-              <a:t>s</a:t>
-            </a:r>
-            <a:r>
-              <a:rPr dirty="0" sz="2200">
+              <a:rPr sz="2200" spc="-10" dirty="0">
+                <a:solidFill>
+                  <a:srgbClr val="FFFFFF"/>
+                </a:solidFill>
+                <a:latin typeface="Comic Sans MS"/>
+                <a:cs typeface="Comic Sans MS"/>
+              </a:rPr>
+              <a:t>th</a:t>
+            </a:r>
+            <a:r>
+              <a:rPr sz="2200" spc="-5" dirty="0">
+                <a:solidFill>
+                  <a:srgbClr val="FFFFFF"/>
+                </a:solidFill>
+                <a:latin typeface="Comic Sans MS"/>
+                <a:cs typeface="Comic Sans MS"/>
+              </a:rPr>
+              <a:t>e</a:t>
+            </a:r>
+            <a:r>
+              <a:rPr sz="2200" dirty="0">
                 <a:solidFill>
                   <a:srgbClr val="FFFFFF"/>
                 </a:solidFill>
@@ -3622,37 +3795,7 @@
               <a:t>	</a:t>
             </a:r>
             <a:r>
-              <a:rPr dirty="0" sz="2200" spc="-10">
-                <a:solidFill>
-                  <a:srgbClr val="FFFFFF"/>
-                </a:solidFill>
-                <a:latin typeface="Comic Sans MS"/>
-                <a:cs typeface="Comic Sans MS"/>
-              </a:rPr>
-              <a:t>th</a:t>
-            </a:r>
-            <a:r>
-              <a:rPr dirty="0" sz="2200" spc="-5">
-                <a:solidFill>
-                  <a:srgbClr val="FFFFFF"/>
-                </a:solidFill>
-                <a:latin typeface="Comic Sans MS"/>
-                <a:cs typeface="Comic Sans MS"/>
-              </a:rPr>
-              <a:t>e</a:t>
-            </a:r>
-            <a:r>
-              <a:rPr dirty="0" sz="2200">
-                <a:solidFill>
-                  <a:srgbClr val="FFFFFF"/>
-                </a:solidFill>
-                <a:latin typeface="Comic Sans MS"/>
-                <a:cs typeface="Comic Sans MS"/>
-              </a:rPr>
-              <a:t>	</a:t>
-            </a:r>
-            <a:r>
-              <a:rPr dirty="0" sz="2200" spc="-5">
+              <a:rPr sz="2200" spc="-5" dirty="0">
                 <a:solidFill>
                   <a:srgbClr val="FFFFFF"/>
                 </a:solidFill>
@@ -3662,24 +3805,14 @@
               <a:t>city</a:t>
             </a:r>
             <a:r>
-              <a:rPr dirty="0" sz="2200">
-                <a:solidFill>
-                  <a:srgbClr val="FFFFFF"/>
-                </a:solidFill>
-                <a:latin typeface="Comic Sans MS"/>
-                <a:cs typeface="Comic Sans MS"/>
-              </a:rPr>
-              <a:t>	</a:t>
-            </a:r>
-            <a:r>
-              <a:rPr dirty="0" sz="2200">
-                <a:solidFill>
-                  <a:srgbClr val="FFFFFF"/>
-                </a:solidFill>
-                <a:latin typeface="Comic Sans MS"/>
-                <a:cs typeface="Comic Sans MS"/>
-              </a:rPr>
-              <a:t>to</a:t>
+              <a:rPr sz="2200" dirty="0">
+                <a:solidFill>
+                  <a:srgbClr val="FFFFFF"/>
+                </a:solidFill>
+                <a:latin typeface="Comic Sans MS"/>
+                <a:cs typeface="Comic Sans MS"/>
+              </a:rPr>
+              <a:t>	to</a:t>
             </a:r>
             <a:endParaRPr sz="2200">
               <a:latin typeface="Comic Sans MS"/>
@@ -3693,7 +3826,7 @@
               </a:lnSpc>
             </a:pPr>
             <a:r>
-              <a:rPr dirty="0" sz="2200" spc="-5">
+              <a:rPr sz="2200" spc="-5" dirty="0">
                 <a:solidFill>
                   <a:srgbClr val="FFFFFF"/>
                 </a:solidFill>
@@ -3703,7 +3836,7 @@
               <a:t>set-up the</a:t>
             </a:r>
             <a:r>
-              <a:rPr dirty="0" sz="2200" spc="35">
+              <a:rPr sz="2200" spc="35" dirty="0">
                 <a:solidFill>
                   <a:srgbClr val="FFFFFF"/>
                 </a:solidFill>
@@ -3713,7 +3846,7 @@
               <a:t> </a:t>
             </a:r>
             <a:r>
-              <a:rPr dirty="0" sz="2200" spc="-5">
+              <a:rPr sz="2200" spc="-5" dirty="0">
                 <a:solidFill>
                   <a:srgbClr val="FFFFFF"/>
                 </a:solidFill>
@@ -3747,17 +3880,67 @@
               </a:tabLst>
             </a:pPr>
             <a:r>
-              <a:rPr dirty="0" sz="2200" spc="-5">
-                <a:solidFill>
-                  <a:srgbClr val="FFFFFF"/>
-                </a:solidFill>
-                <a:latin typeface="Comic Sans MS"/>
-                <a:cs typeface="Comic Sans MS"/>
-              </a:rPr>
-              <a:t>The</a:t>
-            </a:r>
-            <a:r>
-              <a:rPr dirty="0" sz="2200" spc="-5">
+              <a:rPr sz="2200" spc="-5" dirty="0">
+                <a:solidFill>
+                  <a:srgbClr val="FFFFFF"/>
+                </a:solidFill>
+                <a:latin typeface="Comic Sans MS"/>
+                <a:cs typeface="Comic Sans MS"/>
+              </a:rPr>
+              <a:t>The	</a:t>
+            </a:r>
+            <a:r>
+              <a:rPr sz="2200" spc="-10" dirty="0">
+                <a:solidFill>
+                  <a:srgbClr val="FFFFFF"/>
+                </a:solidFill>
+                <a:latin typeface="Comic Sans MS"/>
+                <a:cs typeface="Comic Sans MS"/>
+              </a:rPr>
+              <a:t>d</a:t>
+            </a:r>
+            <a:r>
+              <a:rPr sz="2200" dirty="0">
+                <a:solidFill>
+                  <a:srgbClr val="FFFFFF"/>
+                </a:solidFill>
+                <a:latin typeface="Comic Sans MS"/>
+                <a:cs typeface="Comic Sans MS"/>
+              </a:rPr>
+              <a:t>a</a:t>
+            </a:r>
+            <a:r>
+              <a:rPr sz="2200" spc="-10" dirty="0">
+                <a:solidFill>
+                  <a:srgbClr val="FFFFFF"/>
+                </a:solidFill>
+                <a:latin typeface="Comic Sans MS"/>
+                <a:cs typeface="Comic Sans MS"/>
+              </a:rPr>
+              <a:t>ta</a:t>
+            </a:r>
+            <a:r>
+              <a:rPr sz="2200" dirty="0">
+                <a:solidFill>
+                  <a:srgbClr val="FFFFFF"/>
+                </a:solidFill>
+                <a:latin typeface="Comic Sans MS"/>
+                <a:cs typeface="Comic Sans MS"/>
+              </a:rPr>
+              <a:t>s</a:t>
+            </a:r>
+            <a:r>
+              <a:rPr sz="2200" spc="-5" dirty="0">
+                <a:solidFill>
+                  <a:srgbClr val="FFFFFF"/>
+                </a:solidFill>
+                <a:latin typeface="Comic Sans MS"/>
+                <a:cs typeface="Comic Sans MS"/>
+              </a:rPr>
+              <a:t>et</a:t>
+            </a:r>
+            <a:r>
+              <a:rPr sz="2200" dirty="0">
                 <a:solidFill>
                   <a:srgbClr val="FFFFFF"/>
                 </a:solidFill>
@@ -3767,57 +3950,27 @@
               <a:t>	</a:t>
             </a:r>
             <a:r>
-              <a:rPr dirty="0" sz="2200" spc="-10">
-                <a:solidFill>
-                  <a:srgbClr val="FFFFFF"/>
-                </a:solidFill>
-                <a:latin typeface="Comic Sans MS"/>
-                <a:cs typeface="Comic Sans MS"/>
-              </a:rPr>
-              <a:t>d</a:t>
-            </a:r>
-            <a:r>
-              <a:rPr dirty="0" sz="2200">
-                <a:solidFill>
-                  <a:srgbClr val="FFFFFF"/>
-                </a:solidFill>
-                <a:latin typeface="Comic Sans MS"/>
-                <a:cs typeface="Comic Sans MS"/>
-              </a:rPr>
-              <a:t>a</a:t>
-            </a:r>
-            <a:r>
-              <a:rPr dirty="0" sz="2200" spc="-10">
-                <a:solidFill>
-                  <a:srgbClr val="FFFFFF"/>
-                </a:solidFill>
-                <a:latin typeface="Comic Sans MS"/>
-                <a:cs typeface="Comic Sans MS"/>
-              </a:rPr>
-              <a:t>ta</a:t>
-            </a:r>
-            <a:r>
-              <a:rPr dirty="0" sz="2200">
-                <a:solidFill>
-                  <a:srgbClr val="FFFFFF"/>
-                </a:solidFill>
-                <a:latin typeface="Comic Sans MS"/>
-                <a:cs typeface="Comic Sans MS"/>
-              </a:rPr>
-              <a:t>s</a:t>
-            </a:r>
-            <a:r>
-              <a:rPr dirty="0" sz="2200" spc="-5">
-                <a:solidFill>
-                  <a:srgbClr val="FFFFFF"/>
-                </a:solidFill>
-                <a:latin typeface="Comic Sans MS"/>
-                <a:cs typeface="Comic Sans MS"/>
-              </a:rPr>
-              <a:t>et</a:t>
-            </a:r>
-            <a:r>
-              <a:rPr dirty="0" sz="2200">
+              <a:rPr sz="2200" spc="5" dirty="0">
+                <a:solidFill>
+                  <a:srgbClr val="FFFFFF"/>
+                </a:solidFill>
+                <a:latin typeface="Comic Sans MS"/>
+                <a:cs typeface="Comic Sans MS"/>
+              </a:rPr>
+              <a:t>f</a:t>
+            </a:r>
+            <a:r>
+              <a:rPr sz="2200" spc="-5" dirty="0">
+                <a:solidFill>
+                  <a:srgbClr val="FFFFFF"/>
+                </a:solidFill>
+                <a:latin typeface="Comic Sans MS"/>
+                <a:cs typeface="Comic Sans MS"/>
+              </a:rPr>
+              <a:t>or</a:t>
+            </a:r>
+            <a:r>
+              <a:rPr sz="2200" dirty="0">
                 <a:solidFill>
                   <a:srgbClr val="FFFFFF"/>
                 </a:solidFill>
@@ -3827,37 +3980,7 @@
               <a:t>	</a:t>
             </a:r>
             <a:r>
-              <a:rPr dirty="0" sz="2200" spc="5">
-                <a:solidFill>
-                  <a:srgbClr val="FFFFFF"/>
-                </a:solidFill>
-                <a:latin typeface="Comic Sans MS"/>
-                <a:cs typeface="Comic Sans MS"/>
-              </a:rPr>
-              <a:t>f</a:t>
-            </a:r>
-            <a:r>
-              <a:rPr dirty="0" sz="2200" spc="-5">
-                <a:solidFill>
-                  <a:srgbClr val="FFFFFF"/>
-                </a:solidFill>
-                <a:latin typeface="Comic Sans MS"/>
-                <a:cs typeface="Comic Sans MS"/>
-              </a:rPr>
-              <a:t>or</a:t>
-            </a:r>
-            <a:r>
-              <a:rPr dirty="0" sz="2200">
-                <a:solidFill>
-                  <a:srgbClr val="FFFFFF"/>
-                </a:solidFill>
-                <a:latin typeface="Comic Sans MS"/>
-                <a:cs typeface="Comic Sans MS"/>
-              </a:rPr>
-              <a:t>	</a:t>
-            </a:r>
-            <a:r>
-              <a:rPr dirty="0" sz="2200" spc="-5">
+              <a:rPr sz="2200" spc="-5" dirty="0">
                 <a:solidFill>
                   <a:srgbClr val="FFFFFF"/>
                 </a:solidFill>
@@ -3867,7 +3990,7 @@
               <a:t>N</a:t>
             </a:r>
             <a:r>
-              <a:rPr dirty="0" sz="2200">
+              <a:rPr sz="2200" dirty="0">
                 <a:solidFill>
                   <a:srgbClr val="FFFFFF"/>
                 </a:solidFill>
@@ -3877,7 +4000,7 @@
               <a:t>e</a:t>
             </a:r>
             <a:r>
-              <a:rPr dirty="0" sz="2200" spc="-5">
+              <a:rPr sz="2200" spc="-5" dirty="0">
                 <a:solidFill>
                   <a:srgbClr val="FFFFFF"/>
                 </a:solidFill>
@@ -3887,27 +4010,17 @@
               <a:t>w</a:t>
             </a:r>
             <a:r>
-              <a:rPr dirty="0" sz="2200">
-                <a:solidFill>
-                  <a:srgbClr val="FFFFFF"/>
-                </a:solidFill>
-                <a:latin typeface="Comic Sans MS"/>
-                <a:cs typeface="Comic Sans MS"/>
-              </a:rPr>
-              <a:t>	</a:t>
-            </a:r>
-            <a:r>
-              <a:rPr dirty="0" sz="2200">
-                <a:solidFill>
-                  <a:srgbClr val="FFFFFF"/>
-                </a:solidFill>
-                <a:latin typeface="Comic Sans MS"/>
-                <a:cs typeface="Comic Sans MS"/>
-              </a:rPr>
-              <a:t>Yo</a:t>
-            </a:r>
-            <a:r>
-              <a:rPr dirty="0" sz="2200" spc="-10">
+              <a:rPr sz="2200" dirty="0">
+                <a:solidFill>
+                  <a:srgbClr val="FFFFFF"/>
+                </a:solidFill>
+                <a:latin typeface="Comic Sans MS"/>
+                <a:cs typeface="Comic Sans MS"/>
+              </a:rPr>
+              <a:t>	Yo</a:t>
+            </a:r>
+            <a:r>
+              <a:rPr sz="2200" spc="-10" dirty="0">
                 <a:solidFill>
                   <a:srgbClr val="FFFFFF"/>
                 </a:solidFill>
@@ -3917,7 +4030,7 @@
               <a:t>r</a:t>
             </a:r>
             <a:r>
-              <a:rPr dirty="0" sz="2200" spc="-5">
+              <a:rPr sz="2200" spc="-5" dirty="0">
                 <a:solidFill>
                   <a:srgbClr val="FFFFFF"/>
                 </a:solidFill>
@@ -3927,24 +4040,14 @@
               <a:t>k</a:t>
             </a:r>
             <a:r>
-              <a:rPr dirty="0" sz="2200">
-                <a:solidFill>
-                  <a:srgbClr val="FFFFFF"/>
-                </a:solidFill>
-                <a:latin typeface="Comic Sans MS"/>
-                <a:cs typeface="Comic Sans MS"/>
-              </a:rPr>
-              <a:t>	</a:t>
-            </a:r>
-            <a:r>
-              <a:rPr dirty="0" sz="2200">
-                <a:solidFill>
-                  <a:srgbClr val="FFFFFF"/>
-                </a:solidFill>
-                <a:latin typeface="Comic Sans MS"/>
-                <a:cs typeface="Comic Sans MS"/>
-              </a:rPr>
-              <a:t>is</a:t>
+              <a:rPr sz="2200" dirty="0">
+                <a:solidFill>
+                  <a:srgbClr val="FFFFFF"/>
+                </a:solidFill>
+                <a:latin typeface="Comic Sans MS"/>
+                <a:cs typeface="Comic Sans MS"/>
+              </a:rPr>
+              <a:t>	is</a:t>
             </a:r>
             <a:endParaRPr sz="2200">
               <a:latin typeface="Comic Sans MS"/>
@@ -3965,7 +4068,7 @@
               </a:tabLst>
             </a:pPr>
             <a:r>
-              <a:rPr dirty="0" sz="2200" spc="-10">
+              <a:rPr sz="2200" spc="-10" dirty="0">
                 <a:solidFill>
                   <a:srgbClr val="FFFFFF"/>
                 </a:solidFill>
@@ -3975,7 +4078,7 @@
               <a:t>readi</a:t>
             </a:r>
             <a:r>
-              <a:rPr dirty="0" sz="2200" spc="-15">
+              <a:rPr sz="2200" spc="-15" dirty="0">
                 <a:solidFill>
                   <a:srgbClr val="FFFFFF"/>
                 </a:solidFill>
@@ -3985,7 +4088,7 @@
               <a:t>l</a:t>
             </a:r>
             <a:r>
-              <a:rPr dirty="0" sz="2200" spc="-5">
+              <a:rPr sz="2200" spc="-5" dirty="0">
                 <a:solidFill>
                   <a:srgbClr val="FFFFFF"/>
                 </a:solidFill>
@@ -3995,7 +4098,7 @@
               <a:t>y</a:t>
             </a:r>
             <a:r>
-              <a:rPr dirty="0" sz="2200">
+              <a:rPr sz="2200" dirty="0">
                 <a:solidFill>
                   <a:srgbClr val="FFFFFF"/>
                 </a:solidFill>
@@ -4005,7 +4108,7 @@
               <a:t>	</a:t>
             </a:r>
             <a:r>
-              <a:rPr dirty="0" sz="2200" spc="-5">
+              <a:rPr sz="2200" spc="-5" dirty="0">
                 <a:solidFill>
                   <a:srgbClr val="FFFFFF"/>
                 </a:solidFill>
@@ -4015,7 +4118,7 @@
               <a:t>av</a:t>
             </a:r>
             <a:r>
-              <a:rPr dirty="0" sz="2200" spc="10">
+              <a:rPr sz="2200" spc="10" dirty="0">
                 <a:solidFill>
                   <a:srgbClr val="FFFFFF"/>
                 </a:solidFill>
@@ -4025,7 +4128,7 @@
               <a:t>a</a:t>
             </a:r>
             <a:r>
-              <a:rPr dirty="0" sz="2200" spc="-10">
+              <a:rPr sz="2200" spc="-10" dirty="0">
                 <a:solidFill>
                   <a:srgbClr val="FFFFFF"/>
                 </a:solidFill>
@@ -4035,7 +4138,7 @@
               <a:t>ilabl</a:t>
             </a:r>
             <a:r>
-              <a:rPr dirty="0" sz="2200" spc="-5">
+              <a:rPr sz="2200" spc="-5" dirty="0">
                 <a:solidFill>
                   <a:srgbClr val="FFFFFF"/>
                 </a:solidFill>
@@ -4045,7 +4148,7 @@
               <a:t>e</a:t>
             </a:r>
             <a:r>
-              <a:rPr dirty="0" sz="2200">
+              <a:rPr sz="2200" dirty="0">
                 <a:solidFill>
                   <a:srgbClr val="FFFFFF"/>
                 </a:solidFill>
@@ -4055,7 +4158,7 @@
               <a:t>	</a:t>
             </a:r>
             <a:r>
-              <a:rPr dirty="0" sz="2200" spc="-10">
+              <a:rPr sz="2200" spc="-10" dirty="0">
                 <a:solidFill>
                   <a:srgbClr val="FFFFFF"/>
                 </a:solidFill>
@@ -4065,7 +4168,7 @@
               <a:t>o</a:t>
             </a:r>
             <a:r>
-              <a:rPr dirty="0" sz="2200" spc="-5">
+              <a:rPr sz="2200" spc="-5" dirty="0">
                 <a:solidFill>
                   <a:srgbClr val="FFFFFF"/>
                 </a:solidFill>
@@ -4075,7 +4178,27 @@
               <a:t>n</a:t>
             </a:r>
             <a:r>
-              <a:rPr dirty="0" sz="2200">
+              <a:rPr sz="2200" dirty="0">
+                <a:solidFill>
+                  <a:srgbClr val="FFFFFF"/>
+                </a:solidFill>
+                <a:latin typeface="Comic Sans MS"/>
+                <a:cs typeface="Comic Sans MS"/>
+              </a:rPr>
+              <a:t>	t</a:t>
+            </a:r>
+            <a:r>
+              <a:rPr sz="2200" spc="-5" dirty="0">
+                <a:solidFill>
+                  <a:srgbClr val="FFFFFF"/>
+                </a:solidFill>
+                <a:latin typeface="Comic Sans MS"/>
+                <a:cs typeface="Comic Sans MS"/>
+              </a:rPr>
+              <a:t>he</a:t>
+            </a:r>
+            <a:r>
+              <a:rPr sz="2200" dirty="0">
                 <a:solidFill>
                   <a:srgbClr val="FFFFFF"/>
                 </a:solidFill>
@@ -4085,27 +4208,27 @@
               <a:t>	</a:t>
             </a:r>
             <a:r>
-              <a:rPr dirty="0" sz="2200">
-                <a:solidFill>
-                  <a:srgbClr val="FFFFFF"/>
-                </a:solidFill>
-                <a:latin typeface="Comic Sans MS"/>
-                <a:cs typeface="Comic Sans MS"/>
-              </a:rPr>
-              <a:t>t</a:t>
-            </a:r>
-            <a:r>
-              <a:rPr dirty="0" sz="2200" spc="-5">
-                <a:solidFill>
-                  <a:srgbClr val="FFFFFF"/>
-                </a:solidFill>
-                <a:latin typeface="Comic Sans MS"/>
-                <a:cs typeface="Comic Sans MS"/>
-              </a:rPr>
-              <a:t>he</a:t>
-            </a:r>
-            <a:r>
-              <a:rPr dirty="0" sz="2200">
+              <a:rPr sz="2200" spc="-10" dirty="0">
+                <a:solidFill>
+                  <a:srgbClr val="FFFFFF"/>
+                </a:solidFill>
+                <a:latin typeface="Comic Sans MS"/>
+                <a:cs typeface="Comic Sans MS"/>
+              </a:rPr>
+              <a:t>we</a:t>
+            </a:r>
+            <a:r>
+              <a:rPr sz="2200" spc="-5" dirty="0">
+                <a:solidFill>
+                  <a:srgbClr val="FFFFFF"/>
+                </a:solidFill>
+                <a:latin typeface="Comic Sans MS"/>
+                <a:cs typeface="Comic Sans MS"/>
+              </a:rPr>
+              <a:t>b</a:t>
+            </a:r>
+            <a:r>
+              <a:rPr sz="2200" dirty="0">
                 <a:solidFill>
                   <a:srgbClr val="FFFFFF"/>
                 </a:solidFill>
@@ -4115,37 +4238,7 @@
               <a:t>	</a:t>
             </a:r>
             <a:r>
-              <a:rPr dirty="0" sz="2200" spc="-10">
-                <a:solidFill>
-                  <a:srgbClr val="FFFFFF"/>
-                </a:solidFill>
-                <a:latin typeface="Comic Sans MS"/>
-                <a:cs typeface="Comic Sans MS"/>
-              </a:rPr>
-              <a:t>we</a:t>
-            </a:r>
-            <a:r>
-              <a:rPr dirty="0" sz="2200" spc="-5">
-                <a:solidFill>
-                  <a:srgbClr val="FFFFFF"/>
-                </a:solidFill>
-                <a:latin typeface="Comic Sans MS"/>
-                <a:cs typeface="Comic Sans MS"/>
-              </a:rPr>
-              <a:t>b</a:t>
-            </a:r>
-            <a:r>
-              <a:rPr dirty="0" sz="2200">
-                <a:solidFill>
-                  <a:srgbClr val="FFFFFF"/>
-                </a:solidFill>
-                <a:latin typeface="Comic Sans MS"/>
-                <a:cs typeface="Comic Sans MS"/>
-              </a:rPr>
-              <a:t>	</a:t>
-            </a:r>
-            <a:r>
-              <a:rPr dirty="0" sz="2200" spc="-5">
+              <a:rPr sz="2200" spc="-5" dirty="0">
                 <a:solidFill>
                   <a:srgbClr val="FFFFFF"/>
                 </a:solidFill>
@@ -4155,7 +4248,7 @@
               <a:t>a</a:t>
             </a:r>
             <a:r>
-              <a:rPr dirty="0" sz="2200" spc="10">
+              <a:rPr sz="2200" spc="10" dirty="0">
                 <a:solidFill>
                   <a:srgbClr val="FFFFFF"/>
                 </a:solidFill>
@@ -4165,7 +4258,7 @@
               <a:t>n</a:t>
             </a:r>
             <a:r>
-              <a:rPr dirty="0" sz="2200" spc="-5">
+              <a:rPr sz="2200" spc="-5" dirty="0">
                 <a:solidFill>
                   <a:srgbClr val="FFFFFF"/>
                 </a:solidFill>
@@ -4190,7 +4283,7 @@
               </a:tabLst>
             </a:pPr>
             <a:r>
-              <a:rPr dirty="0" sz="2200" spc="-10">
+              <a:rPr sz="2200" spc="-10" dirty="0">
                 <a:solidFill>
                   <a:srgbClr val="FFFFFF"/>
                 </a:solidFill>
@@ -4200,7 +4293,7 @@
               <a:t>th</a:t>
             </a:r>
             <a:r>
-              <a:rPr dirty="0" sz="2200" spc="-5">
+              <a:rPr sz="2200" spc="-5" dirty="0">
                 <a:solidFill>
                   <a:srgbClr val="FFFFFF"/>
                 </a:solidFill>
@@ -4210,7 +4303,7 @@
               <a:t>e</a:t>
             </a:r>
             <a:r>
-              <a:rPr dirty="0" sz="2200">
+              <a:rPr sz="2200" dirty="0">
                 <a:solidFill>
                   <a:srgbClr val="FFFFFF"/>
                 </a:solidFill>
@@ -4220,7 +4313,7 @@
               <a:t>	</a:t>
             </a:r>
             <a:r>
-              <a:rPr dirty="0" sz="2200" spc="-5">
+              <a:rPr sz="2200" spc="-5" dirty="0">
                 <a:solidFill>
                   <a:srgbClr val="FFFFFF"/>
                 </a:solidFill>
@@ -4230,7 +4323,7 @@
               <a:t>link</a:t>
             </a:r>
             <a:r>
-              <a:rPr dirty="0" sz="2200">
+              <a:rPr sz="2200" dirty="0">
                 <a:solidFill>
                   <a:srgbClr val="FFFFFF"/>
                 </a:solidFill>
@@ -4240,7 +4333,7 @@
               <a:t>	</a:t>
             </a:r>
             <a:r>
-              <a:rPr dirty="0" sz="2200" spc="-10">
+              <a:rPr sz="2200" spc="-10" dirty="0">
                 <a:solidFill>
                   <a:srgbClr val="FFFFFF"/>
                 </a:solidFill>
@@ -4250,7 +4343,7 @@
               <a:t>is</a:t>
             </a:r>
             <a:r>
-              <a:rPr dirty="0" sz="2200" spc="-5">
+              <a:rPr sz="2200" spc="-5" dirty="0">
                 <a:solidFill>
                   <a:srgbClr val="FFFFFF"/>
                 </a:solidFill>
@@ -4271,7 +4364,7 @@
               </a:lnSpc>
             </a:pPr>
             <a:r>
-              <a:rPr dirty="0" u="heavy" sz="2200" spc="-5">
+              <a:rPr sz="2200" u="heavy" spc="-5" dirty="0">
                 <a:solidFill>
                   <a:srgbClr val="EF522B"/>
                 </a:solidFill>
@@ -4298,7 +4391,7 @@
               </a:lnSpc>
             </a:pPr>
             <a:r>
-              <a:rPr dirty="0" u="heavy" sz="2200" spc="-5">
+              <a:rPr sz="2200" u="heavy" spc="-5" dirty="0">
                 <a:solidFill>
                   <a:srgbClr val="EF522B"/>
                 </a:solidFill>
@@ -4333,7 +4426,7 @@
               </a:tabLst>
             </a:pPr>
             <a:r>
-              <a:rPr dirty="0" sz="2200" spc="-5">
+              <a:rPr sz="2200" spc="-5" dirty="0">
                 <a:solidFill>
                   <a:srgbClr val="FFFFFF"/>
                 </a:solidFill>
@@ -4343,7 +4436,7 @@
               <a:t>Ge</a:t>
             </a:r>
             <a:r>
-              <a:rPr dirty="0" sz="2200" spc="5">
+              <a:rPr sz="2200" spc="5" dirty="0">
                 <a:solidFill>
                   <a:srgbClr val="FFFFFF"/>
                 </a:solidFill>
@@ -4353,7 +4446,7 @@
               <a:t>o</a:t>
             </a:r>
             <a:r>
-              <a:rPr dirty="0" sz="2200" spc="-5">
+              <a:rPr sz="2200" spc="-5" dirty="0">
                 <a:solidFill>
                   <a:srgbClr val="FFFFFF"/>
                 </a:solidFill>
@@ -4363,7 +4456,7 @@
               <a:t>spatial</a:t>
             </a:r>
             <a:r>
-              <a:rPr dirty="0" sz="2200">
+              <a:rPr sz="2200" dirty="0">
                 <a:solidFill>
                   <a:srgbClr val="FFFFFF"/>
                 </a:solidFill>
@@ -4373,7 +4466,7 @@
               <a:t>	</a:t>
             </a:r>
             <a:r>
-              <a:rPr dirty="0" sz="2200" spc="-5">
+              <a:rPr sz="2200" spc="-5" dirty="0">
                 <a:solidFill>
                   <a:srgbClr val="FFFFFF"/>
                 </a:solidFill>
@@ -4383,7 +4476,7 @@
               <a:t>c</a:t>
             </a:r>
             <a:r>
-              <a:rPr dirty="0" sz="2200">
+              <a:rPr sz="2200" dirty="0">
                 <a:solidFill>
                   <a:srgbClr val="FFFFFF"/>
                 </a:solidFill>
@@ -4393,7 +4486,7 @@
               <a:t>o</a:t>
             </a:r>
             <a:r>
-              <a:rPr dirty="0" sz="2200" spc="-5">
+              <a:rPr sz="2200" spc="-5" dirty="0">
                 <a:solidFill>
                   <a:srgbClr val="FFFFFF"/>
                 </a:solidFill>
@@ -4403,7 +4496,7 @@
               <a:t>ord</a:t>
             </a:r>
             <a:r>
-              <a:rPr dirty="0" sz="2200" spc="-15">
+              <a:rPr sz="2200" spc="-15" dirty="0">
                 <a:solidFill>
                   <a:srgbClr val="FFFFFF"/>
                 </a:solidFill>
@@ -4413,7 +4506,7 @@
               <a:t>i</a:t>
             </a:r>
             <a:r>
-              <a:rPr dirty="0" sz="2200" spc="-10">
+              <a:rPr sz="2200" spc="-10" dirty="0">
                 <a:solidFill>
                   <a:srgbClr val="FFFFFF"/>
                 </a:solidFill>
@@ -4423,7 +4516,7 @@
               <a:t>n</a:t>
             </a:r>
             <a:r>
-              <a:rPr dirty="0" sz="2200" spc="10">
+              <a:rPr sz="2200" spc="10" dirty="0">
                 <a:solidFill>
                   <a:srgbClr val="FFFFFF"/>
                 </a:solidFill>
@@ -4433,7 +4526,7 @@
               <a:t>a</a:t>
             </a:r>
             <a:r>
-              <a:rPr dirty="0" sz="2200">
+              <a:rPr sz="2200" dirty="0">
                 <a:solidFill>
                   <a:srgbClr val="FFFFFF"/>
                 </a:solidFill>
@@ -4443,7 +4536,7 @@
               <a:t>t</a:t>
             </a:r>
             <a:r>
-              <a:rPr dirty="0" sz="2200" spc="-5">
+              <a:rPr sz="2200" spc="-5" dirty="0">
                 <a:solidFill>
                   <a:srgbClr val="FFFFFF"/>
                 </a:solidFill>
@@ -4453,7 +4546,7 @@
               <a:t>es</a:t>
             </a:r>
             <a:r>
-              <a:rPr dirty="0" sz="2200">
+              <a:rPr sz="2200" dirty="0">
                 <a:solidFill>
                   <a:srgbClr val="FFFFFF"/>
                 </a:solidFill>
@@ -4463,7 +4556,7 @@
               <a:t>	</a:t>
             </a:r>
             <a:r>
-              <a:rPr dirty="0" sz="2200" spc="-10">
+              <a:rPr sz="2200" spc="-10" dirty="0">
                 <a:solidFill>
                   <a:srgbClr val="FFFFFF"/>
                 </a:solidFill>
@@ -4473,7 +4566,7 @@
               <a:t>o</a:t>
             </a:r>
             <a:r>
-              <a:rPr dirty="0" sz="2200" spc="-5">
+              <a:rPr sz="2200" spc="-5" dirty="0">
                 <a:solidFill>
                   <a:srgbClr val="FFFFFF"/>
                 </a:solidFill>
@@ -4483,7 +4576,7 @@
               <a:t>f</a:t>
             </a:r>
             <a:r>
-              <a:rPr dirty="0" sz="2200">
+              <a:rPr sz="2200" dirty="0">
                 <a:solidFill>
                   <a:srgbClr val="FFFFFF"/>
                 </a:solidFill>
@@ -4493,7 +4586,7 @@
               <a:t>	</a:t>
             </a:r>
             <a:r>
-              <a:rPr dirty="0" sz="2200" spc="-5">
+              <a:rPr sz="2200" spc="-5" dirty="0">
                 <a:solidFill>
                   <a:srgbClr val="FFFFFF"/>
                 </a:solidFill>
@@ -4524,7 +4617,7 @@
               </a:tabLst>
             </a:pPr>
             <a:r>
-              <a:rPr dirty="0" sz="2200">
+              <a:rPr sz="2200" dirty="0">
                 <a:solidFill>
                   <a:srgbClr val="FFFFFF"/>
                 </a:solidFill>
@@ -4534,7 +4627,7 @@
               <a:t>Y</a:t>
             </a:r>
             <a:r>
-              <a:rPr dirty="0" sz="2200" spc="-5">
+              <a:rPr sz="2200" spc="-5" dirty="0">
                 <a:solidFill>
                   <a:srgbClr val="FFFFFF"/>
                 </a:solidFill>
@@ -4544,7 +4637,27 @@
               <a:t>ork</a:t>
             </a:r>
             <a:r>
-              <a:rPr dirty="0" sz="2200">
+              <a:rPr sz="2200" dirty="0">
+                <a:solidFill>
+                  <a:srgbClr val="FFFFFF"/>
+                </a:solidFill>
+                <a:latin typeface="Comic Sans MS"/>
+                <a:cs typeface="Comic Sans MS"/>
+              </a:rPr>
+              <a:t>	i</a:t>
+            </a:r>
+            <a:r>
+              <a:rPr sz="2200" spc="-5" dirty="0">
+                <a:solidFill>
+                  <a:srgbClr val="FFFFFF"/>
+                </a:solidFill>
+                <a:latin typeface="Comic Sans MS"/>
+                <a:cs typeface="Comic Sans MS"/>
+              </a:rPr>
+              <a:t>s</a:t>
+            </a:r>
+            <a:r>
+              <a:rPr sz="2200" dirty="0">
                 <a:solidFill>
                   <a:srgbClr val="FFFFFF"/>
                 </a:solidFill>
@@ -4554,27 +4667,37 @@
               <a:t>	</a:t>
             </a:r>
             <a:r>
-              <a:rPr dirty="0" sz="2200">
-                <a:solidFill>
-                  <a:srgbClr val="FFFFFF"/>
-                </a:solidFill>
-                <a:latin typeface="Comic Sans MS"/>
-                <a:cs typeface="Comic Sans MS"/>
-              </a:rPr>
-              <a:t>i</a:t>
-            </a:r>
-            <a:r>
-              <a:rPr dirty="0" sz="2200" spc="-5">
-                <a:solidFill>
-                  <a:srgbClr val="FFFFFF"/>
-                </a:solidFill>
-                <a:latin typeface="Comic Sans MS"/>
-                <a:cs typeface="Comic Sans MS"/>
-              </a:rPr>
-              <a:t>s</a:t>
-            </a:r>
-            <a:r>
-              <a:rPr dirty="0" sz="2200">
+              <a:rPr sz="2200" spc="-5" dirty="0">
+                <a:solidFill>
+                  <a:srgbClr val="FFFFFF"/>
+                </a:solidFill>
+                <a:latin typeface="Comic Sans MS"/>
+                <a:cs typeface="Comic Sans MS"/>
+              </a:rPr>
+              <a:t>obtained</a:t>
+            </a:r>
+            <a:r>
+              <a:rPr sz="2200" dirty="0">
+                <a:solidFill>
+                  <a:srgbClr val="FFFFFF"/>
+                </a:solidFill>
+                <a:latin typeface="Comic Sans MS"/>
+                <a:cs typeface="Comic Sans MS"/>
+              </a:rPr>
+              <a:t>	b</a:t>
+            </a:r>
+            <a:r>
+              <a:rPr sz="2200" spc="-5" dirty="0">
+                <a:solidFill>
+                  <a:srgbClr val="FFFFFF"/>
+                </a:solidFill>
+                <a:latin typeface="Comic Sans MS"/>
+                <a:cs typeface="Comic Sans MS"/>
+              </a:rPr>
+              <a:t>y</a:t>
+            </a:r>
+            <a:r>
+              <a:rPr sz="2200" dirty="0">
                 <a:solidFill>
                   <a:srgbClr val="FFFFFF"/>
                 </a:solidFill>
@@ -4584,17 +4707,17 @@
               <a:t>	</a:t>
             </a:r>
             <a:r>
-              <a:rPr dirty="0" sz="2200" spc="-5">
-                <a:solidFill>
-                  <a:srgbClr val="FFFFFF"/>
-                </a:solidFill>
-                <a:latin typeface="Comic Sans MS"/>
-                <a:cs typeface="Comic Sans MS"/>
-              </a:rPr>
-              <a:t>obtained</a:t>
-            </a:r>
-            <a:r>
-              <a:rPr dirty="0" sz="2200">
+              <a:rPr sz="2200" spc="-5" dirty="0">
+                <a:solidFill>
+                  <a:srgbClr val="FFFFFF"/>
+                </a:solidFill>
+                <a:latin typeface="Comic Sans MS"/>
+                <a:cs typeface="Comic Sans MS"/>
+              </a:rPr>
+              <a:t>using</a:t>
+            </a:r>
+            <a:r>
+              <a:rPr sz="2200" dirty="0">
                 <a:solidFill>
                   <a:srgbClr val="FFFFFF"/>
                 </a:solidFill>
@@ -4604,57 +4727,7 @@
               <a:t>	</a:t>
             </a:r>
             <a:r>
-              <a:rPr dirty="0" sz="2200">
-                <a:solidFill>
-                  <a:srgbClr val="FFFFFF"/>
-                </a:solidFill>
-                <a:latin typeface="Comic Sans MS"/>
-                <a:cs typeface="Comic Sans MS"/>
-              </a:rPr>
-              <a:t>b</a:t>
-            </a:r>
-            <a:r>
-              <a:rPr dirty="0" sz="2200" spc="-5">
-                <a:solidFill>
-                  <a:srgbClr val="FFFFFF"/>
-                </a:solidFill>
-                <a:latin typeface="Comic Sans MS"/>
-                <a:cs typeface="Comic Sans MS"/>
-              </a:rPr>
-              <a:t>y</a:t>
-            </a:r>
-            <a:r>
-              <a:rPr dirty="0" sz="2200">
-                <a:solidFill>
-                  <a:srgbClr val="FFFFFF"/>
-                </a:solidFill>
-                <a:latin typeface="Comic Sans MS"/>
-                <a:cs typeface="Comic Sans MS"/>
-              </a:rPr>
-              <a:t>	</a:t>
-            </a:r>
-            <a:r>
-              <a:rPr dirty="0" sz="2200" spc="-5">
-                <a:solidFill>
-                  <a:srgbClr val="FFFFFF"/>
-                </a:solidFill>
-                <a:latin typeface="Comic Sans MS"/>
-                <a:cs typeface="Comic Sans MS"/>
-              </a:rPr>
-              <a:t>using</a:t>
-            </a:r>
-            <a:r>
-              <a:rPr dirty="0" sz="2200">
-                <a:solidFill>
-                  <a:srgbClr val="FFFFFF"/>
-                </a:solidFill>
-                <a:latin typeface="Comic Sans MS"/>
-                <a:cs typeface="Comic Sans MS"/>
-              </a:rPr>
-              <a:t>	</a:t>
-            </a:r>
-            <a:r>
-              <a:rPr dirty="0" sz="2200" spc="-5" b="1">
+              <a:rPr sz="2200" b="1" spc="-5" dirty="0">
                 <a:solidFill>
                   <a:srgbClr val="FFFFFF"/>
                 </a:solidFill>
@@ -4664,7 +4737,7 @@
               <a:t>geo</a:t>
             </a:r>
             <a:r>
-              <a:rPr dirty="0" sz="2200" spc="5" b="1">
+              <a:rPr sz="2200" b="1" spc="5" dirty="0">
                 <a:solidFill>
                   <a:srgbClr val="FFFFFF"/>
                 </a:solidFill>
@@ -4674,24 +4747,14 @@
               <a:t>p</a:t>
             </a:r>
             <a:r>
-              <a:rPr dirty="0" sz="2200" spc="-5" b="1">
-                <a:solidFill>
-                  <a:srgbClr val="FFFFFF"/>
-                </a:solidFill>
-                <a:latin typeface="Comic Sans MS"/>
-                <a:cs typeface="Comic Sans MS"/>
-              </a:rPr>
-              <a:t>y  </a:t>
-            </a:r>
-            <a:r>
-              <a:rPr dirty="0" sz="2200" spc="-5" b="1">
-                <a:solidFill>
-                  <a:srgbClr val="FFFFFF"/>
-                </a:solidFill>
-                <a:latin typeface="Comic Sans MS"/>
-                <a:cs typeface="Comic Sans MS"/>
-              </a:rPr>
-              <a:t>library</a:t>
+              <a:rPr sz="2200" b="1" spc="-5" dirty="0">
+                <a:solidFill>
+                  <a:srgbClr val="FFFFFF"/>
+                </a:solidFill>
+                <a:latin typeface="Comic Sans MS"/>
+                <a:cs typeface="Comic Sans MS"/>
+              </a:rPr>
+              <a:t>y  library</a:t>
             </a:r>
             <a:endParaRPr sz="2200">
               <a:latin typeface="Comic Sans MS"/>
@@ -4710,7 +4773,7 @@
               </a:tabLst>
             </a:pPr>
             <a:r>
-              <a:rPr dirty="0" sz="2200" spc="-10">
+              <a:rPr sz="2200" spc="-10" dirty="0">
                 <a:solidFill>
                   <a:srgbClr val="FFFFFF"/>
                 </a:solidFill>
@@ -4720,7 +4783,7 @@
               <a:t>Retrieve </a:t>
             </a:r>
             <a:r>
-              <a:rPr dirty="0" sz="2200">
+              <a:rPr sz="2200" dirty="0">
                 <a:solidFill>
                   <a:srgbClr val="FFFFFF"/>
                 </a:solidFill>
@@ -4730,7 +4793,7 @@
               <a:t>all </a:t>
             </a:r>
             <a:r>
-              <a:rPr dirty="0" sz="2200" spc="-10">
+              <a:rPr sz="2200" spc="-10" dirty="0">
                 <a:solidFill>
                   <a:srgbClr val="FFFFFF"/>
                 </a:solidFill>
@@ -4740,7 +4803,7 @@
               <a:t>the </a:t>
             </a:r>
             <a:r>
-              <a:rPr dirty="0" sz="2200">
+              <a:rPr sz="2200" dirty="0">
                 <a:solidFill>
                   <a:srgbClr val="FFFFFF"/>
                 </a:solidFill>
@@ -4750,7 +4813,7 @@
               <a:t>metro </a:t>
             </a:r>
             <a:r>
-              <a:rPr dirty="0" sz="2200" spc="-5">
+              <a:rPr sz="2200" spc="-5" dirty="0">
                 <a:solidFill>
                   <a:srgbClr val="FFFFFF"/>
                 </a:solidFill>
@@ -4760,7 +4823,7 @@
               <a:t>stations</a:t>
             </a:r>
             <a:r>
-              <a:rPr dirty="0" sz="2200" spc="30">
+              <a:rPr sz="2200" spc="30" dirty="0">
                 <a:solidFill>
                   <a:srgbClr val="FFFFFF"/>
                 </a:solidFill>
@@ -4770,7 +4833,7 @@
               <a:t> </a:t>
             </a:r>
             <a:r>
-              <a:rPr dirty="0" sz="2200" spc="-10">
+              <a:rPr sz="2200" spc="-10" dirty="0">
                 <a:solidFill>
                   <a:srgbClr val="FFFFFF"/>
                 </a:solidFill>
@@ -4799,7 +4862,7 @@
               </a:tabLst>
             </a:pPr>
             <a:r>
-              <a:rPr dirty="0" sz="2200" spc="-5">
+              <a:rPr sz="2200" spc="-5" dirty="0">
                 <a:solidFill>
                   <a:srgbClr val="FFFFFF"/>
                 </a:solidFill>
@@ -4809,7 +4872,7 @@
               <a:t>a	radius	</a:t>
             </a:r>
             <a:r>
-              <a:rPr dirty="0" sz="2200">
+              <a:rPr sz="2200" dirty="0">
                 <a:solidFill>
                   <a:srgbClr val="FFFFFF"/>
                 </a:solidFill>
@@ -4819,7 +4882,7 @@
               <a:t>of	</a:t>
             </a:r>
             <a:r>
-              <a:rPr dirty="0" sz="2200" spc="-5">
+              <a:rPr sz="2200" spc="-5" dirty="0">
                 <a:solidFill>
                   <a:srgbClr val="FFFFFF"/>
                 </a:solidFill>
@@ -4829,7 +4892,7 @@
               <a:t>15	</a:t>
             </a:r>
             <a:r>
-              <a:rPr dirty="0" sz="2200" spc="-10">
+              <a:rPr sz="2200" spc="-10" dirty="0">
                 <a:solidFill>
                   <a:srgbClr val="FFFFFF"/>
                 </a:solidFill>
@@ -4839,7 +4902,7 @@
               <a:t>kms	</a:t>
             </a:r>
             <a:r>
-              <a:rPr dirty="0" sz="2200" spc="-5">
+              <a:rPr sz="2200" spc="-5" dirty="0">
                 <a:solidFill>
                   <a:srgbClr val="FFFFFF"/>
                 </a:solidFill>
@@ -4860,7 +4923,7 @@
               </a:lnSpc>
             </a:pPr>
             <a:r>
-              <a:rPr dirty="0" sz="2200" spc="-10">
+              <a:rPr sz="2200" spc="-10" dirty="0">
                 <a:solidFill>
                   <a:srgbClr val="FFFFFF"/>
                 </a:solidFill>
@@ -4870,7 +4933,7 @@
               <a:t>York </a:t>
             </a:r>
             <a:r>
-              <a:rPr dirty="0" sz="2200" spc="-5">
+              <a:rPr sz="2200" spc="-5" dirty="0">
                 <a:solidFill>
                   <a:srgbClr val="FFFFFF"/>
                 </a:solidFill>
@@ -4880,7 +4943,7 @@
               <a:t>using </a:t>
             </a:r>
             <a:r>
-              <a:rPr dirty="0" sz="2200" spc="-5" b="1">
+              <a:rPr sz="2200" b="1" spc="-5" dirty="0">
                 <a:solidFill>
                   <a:srgbClr val="FFFFFF"/>
                 </a:solidFill>
@@ -4890,7 +4953,7 @@
               <a:t>Foursquare</a:t>
             </a:r>
             <a:r>
-              <a:rPr dirty="0" sz="2200" spc="110" b="1">
+              <a:rPr sz="2200" b="1" spc="110" dirty="0">
                 <a:solidFill>
                   <a:srgbClr val="FFFFFF"/>
                 </a:solidFill>
@@ -4900,7 +4963,7 @@
               <a:t> </a:t>
             </a:r>
             <a:r>
-              <a:rPr dirty="0" sz="2200" spc="-10" b="1">
+              <a:rPr sz="2200" b="1" spc="-10" dirty="0">
                 <a:solidFill>
                   <a:srgbClr val="FFFFFF"/>
                 </a:solidFill>
@@ -4932,7 +4995,7 @@
           </a:prstGeom>
         </p:spPr>
         <p:txBody>
-          <a:bodyPr wrap="square" lIns="0" tIns="12065" rIns="0" bIns="0" rtlCol="0" vert="horz">
+          <a:bodyPr vert="horz" wrap="square" lIns="0" tIns="12065" rIns="0" bIns="0" rtlCol="0">
             <a:spAutoFit/>
           </a:bodyPr>
           <a:lstStyle/>
@@ -4951,7 +5014,7 @@
               </a:tabLst>
             </a:pPr>
             <a:r>
-              <a:rPr dirty="0" sz="2200" spc="-5">
+              <a:rPr sz="2200" spc="-5" dirty="0">
                 <a:solidFill>
                   <a:srgbClr val="FFFFFF"/>
                 </a:solidFill>
@@ -4961,7 +5024,7 @@
               <a:t>Data for </a:t>
             </a:r>
             <a:r>
-              <a:rPr dirty="0" sz="2200">
+              <a:rPr sz="2200" dirty="0">
                 <a:solidFill>
                   <a:srgbClr val="FFFFFF"/>
                 </a:solidFill>
@@ -4971,7 +5034,7 @@
               <a:t>all </a:t>
             </a:r>
             <a:r>
-              <a:rPr dirty="0" sz="2200" spc="-10">
+              <a:rPr sz="2200" spc="-10" dirty="0">
                 <a:solidFill>
                   <a:srgbClr val="FFFFFF"/>
                 </a:solidFill>
@@ -4981,7 +5044,7 @@
               <a:t>the </a:t>
             </a:r>
             <a:r>
-              <a:rPr dirty="0" sz="2200">
+              <a:rPr sz="2200" dirty="0">
                 <a:solidFill>
                   <a:srgbClr val="FFFFFF"/>
                 </a:solidFill>
@@ -4991,7 +5054,7 @@
               <a:t>gyms</a:t>
             </a:r>
             <a:r>
-              <a:rPr dirty="0" sz="2200" spc="265">
+              <a:rPr sz="2200" spc="265" dirty="0">
                 <a:solidFill>
                   <a:srgbClr val="FFFFFF"/>
                 </a:solidFill>
@@ -5001,7 +5064,7 @@
               <a:t> </a:t>
             </a:r>
             <a:r>
-              <a:rPr dirty="0" sz="2200" spc="-5">
+              <a:rPr sz="2200" spc="-5" dirty="0">
                 <a:solidFill>
                   <a:srgbClr val="FFFFFF"/>
                 </a:solidFill>
@@ -5033,7 +5096,7 @@
           </a:prstGeom>
         </p:spPr>
         <p:txBody>
-          <a:bodyPr wrap="square" lIns="0" tIns="12065" rIns="0" bIns="0" rtlCol="0" vert="horz">
+          <a:bodyPr vert="horz" wrap="square" lIns="0" tIns="12065" rIns="0" bIns="0" rtlCol="0">
             <a:spAutoFit/>
           </a:bodyPr>
           <a:lstStyle/>
@@ -5054,7 +5117,7 @@
               </a:tabLst>
             </a:pPr>
             <a:r>
-              <a:rPr dirty="0" sz="2200" spc="-10">
+              <a:rPr sz="2200" spc="-10" dirty="0">
                 <a:solidFill>
                   <a:srgbClr val="FFFFFF"/>
                 </a:solidFill>
@@ -5064,7 +5127,7 @@
               <a:t>radi</a:t>
             </a:r>
             <a:r>
-              <a:rPr dirty="0" sz="2200">
+              <a:rPr sz="2200" dirty="0">
                 <a:solidFill>
                   <a:srgbClr val="FFFFFF"/>
                 </a:solidFill>
@@ -5074,7 +5137,7 @@
               <a:t>u</a:t>
             </a:r>
             <a:r>
-              <a:rPr dirty="0" sz="2200" spc="-5">
+              <a:rPr sz="2200" spc="-5" dirty="0">
                 <a:solidFill>
                   <a:srgbClr val="FFFFFF"/>
                 </a:solidFill>
@@ -5084,7 +5147,7 @@
               <a:t>s</a:t>
             </a:r>
             <a:r>
-              <a:rPr dirty="0" sz="2200">
+              <a:rPr sz="2200" dirty="0">
                 <a:solidFill>
                   <a:srgbClr val="FFFFFF"/>
                 </a:solidFill>
@@ -5094,7 +5157,7 @@
               <a:t>	</a:t>
             </a:r>
             <a:r>
-              <a:rPr dirty="0" sz="2200" spc="-10">
+              <a:rPr sz="2200" spc="-10" dirty="0">
                 <a:solidFill>
                   <a:srgbClr val="FFFFFF"/>
                 </a:solidFill>
@@ -5104,7 +5167,7 @@
               <a:t>o</a:t>
             </a:r>
             <a:r>
-              <a:rPr dirty="0" sz="2200" spc="-5">
+              <a:rPr sz="2200" spc="-5" dirty="0">
                 <a:solidFill>
                   <a:srgbClr val="FFFFFF"/>
                 </a:solidFill>
@@ -5114,7 +5177,7 @@
               <a:t>f</a:t>
             </a:r>
             <a:r>
-              <a:rPr dirty="0" sz="2200">
+              <a:rPr sz="2200" dirty="0">
                 <a:solidFill>
                   <a:srgbClr val="FFFFFF"/>
                 </a:solidFill>
@@ -5124,7 +5187,7 @@
               <a:t>	</a:t>
             </a:r>
             <a:r>
-              <a:rPr dirty="0" sz="2200" spc="-10">
+              <a:rPr sz="2200" spc="-10" dirty="0">
                 <a:solidFill>
                   <a:srgbClr val="FFFFFF"/>
                 </a:solidFill>
@@ -5134,7 +5197,7 @@
               <a:t>75</a:t>
             </a:r>
             <a:r>
-              <a:rPr dirty="0" sz="2200" spc="-5">
+              <a:rPr sz="2200" spc="-5" dirty="0">
                 <a:solidFill>
                   <a:srgbClr val="FFFFFF"/>
                 </a:solidFill>
@@ -5144,7 +5207,7 @@
               <a:t>0</a:t>
             </a:r>
             <a:r>
-              <a:rPr dirty="0" sz="2200">
+              <a:rPr sz="2200" dirty="0">
                 <a:solidFill>
                   <a:srgbClr val="FFFFFF"/>
                 </a:solidFill>
@@ -5154,7 +5217,7 @@
               <a:t>	</a:t>
             </a:r>
             <a:r>
-              <a:rPr dirty="0" sz="2200" spc="-5">
+              <a:rPr sz="2200" spc="-5" dirty="0">
                 <a:solidFill>
                   <a:srgbClr val="FFFFFF"/>
                 </a:solidFill>
@@ -5164,7 +5227,7 @@
               <a:t>me</a:t>
             </a:r>
             <a:r>
-              <a:rPr dirty="0" sz="2200" spc="-15">
+              <a:rPr sz="2200" spc="-15" dirty="0">
                 <a:solidFill>
                   <a:srgbClr val="FFFFFF"/>
                 </a:solidFill>
@@ -5174,7 +5237,7 @@
               <a:t>t</a:t>
             </a:r>
             <a:r>
-              <a:rPr dirty="0" sz="2200" spc="-5">
+              <a:rPr sz="2200" spc="-5" dirty="0">
                 <a:solidFill>
                   <a:srgbClr val="FFFFFF"/>
                 </a:solidFill>
@@ -5184,7 +5247,7 @@
               <a:t>e</a:t>
             </a:r>
             <a:r>
-              <a:rPr dirty="0" sz="2200">
+              <a:rPr sz="2200" dirty="0">
                 <a:solidFill>
                   <a:srgbClr val="FFFFFF"/>
                 </a:solidFill>
@@ -5194,7 +5257,7 @@
               <a:t>r</a:t>
             </a:r>
             <a:r>
-              <a:rPr dirty="0" sz="2200" spc="-5">
+              <a:rPr sz="2200" spc="-5" dirty="0">
                 <a:solidFill>
                   <a:srgbClr val="FFFFFF"/>
                 </a:solidFill>
@@ -5204,7 +5267,7 @@
               <a:t>s</a:t>
             </a:r>
             <a:r>
-              <a:rPr dirty="0" sz="2200">
+              <a:rPr sz="2200" dirty="0">
                 <a:solidFill>
                   <a:srgbClr val="FFFFFF"/>
                 </a:solidFill>
@@ -5214,7 +5277,7 @@
               <a:t>	</a:t>
             </a:r>
             <a:r>
-              <a:rPr dirty="0" sz="2200" spc="-10">
+              <a:rPr sz="2200" spc="-10" dirty="0">
                 <a:solidFill>
                   <a:srgbClr val="FFFFFF"/>
                 </a:solidFill>
@@ -5224,7 +5287,7 @@
               <a:t>f</a:t>
             </a:r>
             <a:r>
-              <a:rPr dirty="0" sz="2200">
+              <a:rPr sz="2200" dirty="0">
                 <a:solidFill>
                   <a:srgbClr val="FFFFFF"/>
                 </a:solidFill>
@@ -5234,7 +5297,7 @@
               <a:t>o</a:t>
             </a:r>
             <a:r>
-              <a:rPr dirty="0" sz="2200" spc="-5">
+              <a:rPr sz="2200" spc="-5" dirty="0">
                 <a:solidFill>
                   <a:srgbClr val="FFFFFF"/>
                 </a:solidFill>
@@ -5244,27 +5307,17 @@
               <a:t>r</a:t>
             </a:r>
             <a:r>
-              <a:rPr dirty="0" sz="2200">
-                <a:solidFill>
-                  <a:srgbClr val="FFFFFF"/>
-                </a:solidFill>
-                <a:latin typeface="Comic Sans MS"/>
-                <a:cs typeface="Comic Sans MS"/>
-              </a:rPr>
-              <a:t>	</a:t>
-            </a:r>
-            <a:r>
-              <a:rPr dirty="0" sz="2200">
-                <a:solidFill>
-                  <a:srgbClr val="FFFFFF"/>
-                </a:solidFill>
-                <a:latin typeface="Comic Sans MS"/>
-                <a:cs typeface="Comic Sans MS"/>
-              </a:rPr>
-              <a:t>e</a:t>
-            </a:r>
-            <a:r>
-              <a:rPr dirty="0" sz="2200" spc="-10">
+              <a:rPr sz="2200" dirty="0">
+                <a:solidFill>
+                  <a:srgbClr val="FFFFFF"/>
+                </a:solidFill>
+                <a:latin typeface="Comic Sans MS"/>
+                <a:cs typeface="Comic Sans MS"/>
+              </a:rPr>
+              <a:t>	e</a:t>
+            </a:r>
+            <a:r>
+              <a:rPr sz="2200" spc="-10" dirty="0">
                 <a:solidFill>
                   <a:srgbClr val="FFFFFF"/>
                 </a:solidFill>
@@ -5274,7 +5327,7 @@
               <a:t>ve</a:t>
             </a:r>
             <a:r>
-              <a:rPr dirty="0" sz="2200" spc="15">
+              <a:rPr sz="2200" spc="15" dirty="0">
                 <a:solidFill>
                   <a:srgbClr val="FFFFFF"/>
                 </a:solidFill>
@@ -5284,7 +5337,7 @@
               <a:t>r</a:t>
             </a:r>
             <a:r>
-              <a:rPr dirty="0" sz="2200" spc="-5">
+              <a:rPr sz="2200" spc="-5" dirty="0">
                 <a:solidFill>
                   <a:srgbClr val="FFFFFF"/>
                 </a:solidFill>
@@ -5311,7 +5364,7 @@
               </a:tabLst>
             </a:pPr>
             <a:r>
-              <a:rPr dirty="0" sz="2200" spc="-5">
+              <a:rPr sz="2200" spc="-5" dirty="0">
                 <a:solidFill>
                   <a:srgbClr val="FFFFFF"/>
                 </a:solidFill>
@@ -5321,7 +5374,7 @@
               <a:t>met</a:t>
             </a:r>
             <a:r>
-              <a:rPr dirty="0" sz="2200" spc="10">
+              <a:rPr sz="2200" spc="10" dirty="0">
                 <a:solidFill>
                   <a:srgbClr val="FFFFFF"/>
                 </a:solidFill>
@@ -5331,7 +5384,7 @@
               <a:t>r</a:t>
             </a:r>
             <a:r>
-              <a:rPr dirty="0" sz="2200" spc="-5">
+              <a:rPr sz="2200" spc="-5" dirty="0">
                 <a:solidFill>
                   <a:srgbClr val="FFFFFF"/>
                 </a:solidFill>
@@ -5341,7 +5394,7 @@
               <a:t>o</a:t>
             </a:r>
             <a:r>
-              <a:rPr dirty="0" sz="2200">
+              <a:rPr sz="2200" dirty="0">
                 <a:solidFill>
                   <a:srgbClr val="FFFFFF"/>
                 </a:solidFill>
@@ -5351,7 +5404,7 @@
               <a:t>	</a:t>
             </a:r>
             <a:r>
-              <a:rPr dirty="0" sz="2200" spc="-5">
+              <a:rPr sz="2200" spc="-5" dirty="0">
                 <a:solidFill>
                   <a:srgbClr val="FFFFFF"/>
                 </a:solidFill>
@@ -5361,7 +5414,7 @@
               <a:t>stations</a:t>
             </a:r>
             <a:r>
-              <a:rPr dirty="0" sz="2200">
+              <a:rPr sz="2200" dirty="0">
                 <a:solidFill>
                   <a:srgbClr val="FFFFFF"/>
                 </a:solidFill>
@@ -5371,7 +5424,7 @@
               <a:t>	</a:t>
             </a:r>
             <a:r>
-              <a:rPr dirty="0" sz="2200" spc="-5">
+              <a:rPr sz="2200" spc="-5" dirty="0">
                 <a:solidFill>
                   <a:srgbClr val="FFFFFF"/>
                 </a:solidFill>
@@ -5381,7 +5434,7 @@
               <a:t>are</a:t>
             </a:r>
             <a:r>
-              <a:rPr dirty="0" sz="2200">
+              <a:rPr sz="2200" dirty="0">
                 <a:solidFill>
                   <a:srgbClr val="FFFFFF"/>
                 </a:solidFill>
@@ -5391,7 +5444,7 @@
               <a:t>	</a:t>
             </a:r>
             <a:r>
-              <a:rPr dirty="0" sz="2200" spc="-5">
+              <a:rPr sz="2200" spc="-5" dirty="0">
                 <a:solidFill>
                   <a:srgbClr val="FFFFFF"/>
                 </a:solidFill>
@@ -5401,7 +5454,7 @@
               <a:t>o</a:t>
             </a:r>
             <a:r>
-              <a:rPr dirty="0" sz="2200" spc="10">
+              <a:rPr sz="2200" spc="10" dirty="0">
                 <a:solidFill>
                   <a:srgbClr val="FFFFFF"/>
                 </a:solidFill>
@@ -5411,7 +5464,7 @@
               <a:t>b</a:t>
             </a:r>
             <a:r>
-              <a:rPr dirty="0" sz="2200" spc="-10">
+              <a:rPr sz="2200" spc="-10" dirty="0">
                 <a:solidFill>
                   <a:srgbClr val="FFFFFF"/>
                 </a:solidFill>
@@ -5421,7 +5474,7 @@
               <a:t>tai</a:t>
             </a:r>
             <a:r>
-              <a:rPr dirty="0" sz="2200">
+              <a:rPr sz="2200" dirty="0">
                 <a:solidFill>
                   <a:srgbClr val="FFFFFF"/>
                 </a:solidFill>
@@ -5431,7 +5484,7 @@
               <a:t>n</a:t>
             </a:r>
             <a:r>
-              <a:rPr dirty="0" sz="2200" spc="-5">
+              <a:rPr sz="2200" spc="-5" dirty="0">
                 <a:solidFill>
                   <a:srgbClr val="FFFFFF"/>
                 </a:solidFill>
@@ -5441,7 +5494,7 @@
               <a:t>ed</a:t>
             </a:r>
             <a:r>
-              <a:rPr dirty="0" sz="2200">
+              <a:rPr sz="2200" dirty="0">
                 <a:solidFill>
                   <a:srgbClr val="FFFFFF"/>
                 </a:solidFill>
@@ -5451,7 +5504,7 @@
               <a:t>	</a:t>
             </a:r>
             <a:r>
-              <a:rPr dirty="0" sz="2200" spc="-5">
+              <a:rPr sz="2200" spc="-5" dirty="0">
                 <a:solidFill>
                   <a:srgbClr val="FFFFFF"/>
                 </a:solidFill>
@@ -5461,7 +5514,7 @@
               <a:t>usi</a:t>
             </a:r>
             <a:r>
-              <a:rPr dirty="0" sz="2200">
+              <a:rPr sz="2200" dirty="0">
                 <a:solidFill>
                   <a:srgbClr val="FFFFFF"/>
                 </a:solidFill>
@@ -5471,7 +5524,7 @@
               <a:t>n</a:t>
             </a:r>
             <a:r>
-              <a:rPr dirty="0" sz="2200" spc="-5">
+              <a:rPr sz="2200" spc="-5" dirty="0">
                 <a:solidFill>
                   <a:srgbClr val="FFFFFF"/>
                 </a:solidFill>
@@ -5492,7 +5545,7 @@
               </a:lnSpc>
             </a:pPr>
             <a:r>
-              <a:rPr dirty="0" sz="2200" spc="-5" b="1">
+              <a:rPr sz="2200" b="1" spc="-5" dirty="0">
                 <a:solidFill>
                   <a:srgbClr val="FFFFFF"/>
                 </a:solidFill>
@@ -5502,7 +5555,7 @@
               <a:t>Fourquare</a:t>
             </a:r>
             <a:r>
-              <a:rPr dirty="0" sz="2200" spc="45" b="1">
+              <a:rPr sz="2200" b="1" spc="45" dirty="0">
                 <a:solidFill>
                   <a:srgbClr val="FFFFFF"/>
                 </a:solidFill>
@@ -5512,7 +5565,7 @@
               <a:t> </a:t>
             </a:r>
             <a:r>
-              <a:rPr dirty="0" sz="2200" spc="-10" b="1">
+              <a:rPr sz="2200" b="1" spc="-10" dirty="0">
                 <a:solidFill>
                   <a:srgbClr val="FFFFFF"/>
                 </a:solidFill>
@@ -5552,7 +5605,9 @@
         <p:txBody>
           <a:bodyPr wrap="square" lIns="0" tIns="0" rIns="0" bIns="0" rtlCol="0"/>
           <a:lstStyle/>
-          <a:p/>
+          <a:p>
+            <a:endParaRPr/>
+          </a:p>
         </p:txBody>
       </p:sp>
       <p:sp>
@@ -5571,7 +5626,7 @@
           </a:prstGeom>
         </p:spPr>
         <p:txBody>
-          <a:bodyPr wrap="square" lIns="0" tIns="12700" rIns="0" bIns="0" rtlCol="0" vert="horz">
+          <a:bodyPr vert="horz" wrap="square" lIns="0" tIns="12700" rIns="0" bIns="0" rtlCol="0">
             <a:spAutoFit/>
           </a:bodyPr>
           <a:lstStyle/>
@@ -5585,7 +5640,7 @@
               </a:spcBef>
             </a:pPr>
             <a:r>
-              <a:rPr dirty="0" sz="1800" b="1">
+              <a:rPr sz="1800" b="1" dirty="0">
                 <a:solidFill>
                   <a:srgbClr val="FFFFFF"/>
                 </a:solidFill>
@@ -5595,7 +5650,7 @@
               <a:t>Fig: </a:t>
             </a:r>
             <a:r>
-              <a:rPr dirty="0" sz="1800" spc="-5" b="1">
+              <a:rPr sz="1800" b="1" spc="-5" dirty="0">
                 <a:solidFill>
                   <a:srgbClr val="FFFFFF"/>
                 </a:solidFill>
@@ -5605,7 +5660,7 @@
               <a:t>Map </a:t>
             </a:r>
             <a:r>
-              <a:rPr dirty="0" sz="1800" b="1">
+              <a:rPr sz="1800" b="1" dirty="0">
                 <a:solidFill>
                   <a:srgbClr val="FFFFFF"/>
                 </a:solidFill>
@@ -5615,7 +5670,7 @@
               <a:t>of New</a:t>
             </a:r>
             <a:r>
-              <a:rPr dirty="0" sz="1800" spc="-125" b="1">
+              <a:rPr sz="1800" b="1" spc="-125" dirty="0">
                 <a:solidFill>
                   <a:srgbClr val="FFFFFF"/>
                 </a:solidFill>
@@ -5625,7 +5680,7 @@
               <a:t> </a:t>
             </a:r>
             <a:r>
-              <a:rPr dirty="0" sz="1800" spc="-5" b="1">
+              <a:rPr sz="1800" b="1" spc="-5" dirty="0">
                 <a:solidFill>
                   <a:srgbClr val="FFFFFF"/>
                 </a:solidFill>
@@ -5681,10 +5736,12 @@
             <a:off x="3077972" y="610870"/>
             <a:ext cx="5127625" cy="756920"/>
           </a:xfrm>
-          <a:prstGeom prst="rect"/>
+          <a:prstGeom prst="rect">
+            <a:avLst/>
+          </a:prstGeom>
         </p:spPr>
         <p:txBody>
-          <a:bodyPr wrap="square" lIns="0" tIns="12700" rIns="0" bIns="0" rtlCol="0" vert="horz">
+          <a:bodyPr vert="horz" wrap="square" lIns="0" tIns="12700" rIns="0" bIns="0" rtlCol="0">
             <a:spAutoFit/>
           </a:bodyPr>
           <a:lstStyle/>
@@ -5698,21 +5755,21 @@
               </a:spcBef>
             </a:pPr>
             <a:r>
-              <a:rPr dirty="0" b="1">
+              <a:rPr b="1" dirty="0">
                 <a:latin typeface="Comic Sans MS"/>
                 <a:cs typeface="Comic Sans MS"/>
               </a:rPr>
               <a:t>DATA</a:t>
             </a:r>
             <a:r>
-              <a:rPr dirty="0" spc="-90" b="1">
+              <a:rPr b="1" spc="-90" dirty="0">
                 <a:latin typeface="Comic Sans MS"/>
                 <a:cs typeface="Comic Sans MS"/>
               </a:rPr>
               <a:t> </a:t>
             </a:r>
             <a:r>
-              <a:rPr dirty="0" spc="-5" b="1">
+              <a:rPr b="1" spc="-5" dirty="0">
                 <a:latin typeface="Comic Sans MS"/>
                 <a:cs typeface="Comic Sans MS"/>
               </a:rPr>
@@ -5737,7 +5794,7 @@
           </a:prstGeom>
         </p:spPr>
         <p:txBody>
-          <a:bodyPr wrap="square" lIns="0" tIns="83820" rIns="0" bIns="0" rtlCol="0" vert="horz">
+          <a:bodyPr vert="horz" wrap="square" lIns="0" tIns="83820" rIns="0" bIns="0" rtlCol="0">
             <a:spAutoFit/>
           </a:bodyPr>
           <a:lstStyle/>
@@ -5768,7 +5825,7 @@
               <a:t>	</a:t>
             </a:r>
             <a:r>
-              <a:rPr dirty="0" sz="2400">
+              <a:rPr sz="2400" dirty="0">
                 <a:solidFill>
                   <a:srgbClr val="FFFFFF"/>
                 </a:solidFill>
@@ -5778,7 +5835,7 @@
               <a:t>Using	</a:t>
             </a:r>
             <a:r>
-              <a:rPr dirty="0" sz="2400" spc="-15">
+              <a:rPr sz="2400" spc="-15" dirty="0">
                 <a:solidFill>
                   <a:srgbClr val="FFFFFF"/>
                 </a:solidFill>
@@ -5788,7 +5845,7 @@
               <a:t>t</a:t>
             </a:r>
             <a:r>
-              <a:rPr dirty="0" sz="2400">
+              <a:rPr sz="2400" dirty="0">
                 <a:solidFill>
                   <a:srgbClr val="FFFFFF"/>
                 </a:solidFill>
@@ -5798,7 +5855,7 @@
               <a:t>he	coll</a:t>
             </a:r>
             <a:r>
-              <a:rPr dirty="0" sz="2400" spc="5">
+              <a:rPr sz="2400" spc="5" dirty="0">
                 <a:solidFill>
                   <a:srgbClr val="FFFFFF"/>
                 </a:solidFill>
@@ -5808,7 +5865,7 @@
               <a:t>e</a:t>
             </a:r>
             <a:r>
-              <a:rPr dirty="0" sz="2400" spc="-10">
+              <a:rPr sz="2400" spc="-10" dirty="0">
                 <a:solidFill>
                   <a:srgbClr val="FFFFFF"/>
                 </a:solidFill>
@@ -5818,7 +5875,7 @@
               <a:t>c</a:t>
             </a:r>
             <a:r>
-              <a:rPr dirty="0" sz="2400" spc="-5">
+              <a:rPr sz="2400" spc="-5" dirty="0">
                 <a:solidFill>
                   <a:srgbClr val="FFFFFF"/>
                 </a:solidFill>
@@ -5828,7 +5885,7 @@
               <a:t>te</a:t>
             </a:r>
             <a:r>
-              <a:rPr dirty="0" sz="2400">
+              <a:rPr sz="2400" dirty="0">
                 <a:solidFill>
                   <a:srgbClr val="FFFFFF"/>
                 </a:solidFill>
@@ -5838,7 +5895,7 @@
               <a:t>d	</a:t>
             </a:r>
             <a:r>
-              <a:rPr dirty="0" sz="2400" spc="-5">
+              <a:rPr sz="2400" spc="-5" dirty="0">
                 <a:solidFill>
                   <a:srgbClr val="FFFFFF"/>
                 </a:solidFill>
@@ -5848,7 +5905,7 @@
               <a:t>d</a:t>
             </a:r>
             <a:r>
-              <a:rPr dirty="0" sz="2400" spc="-15">
+              <a:rPr sz="2400" spc="-15" dirty="0">
                 <a:solidFill>
                   <a:srgbClr val="FFFFFF"/>
                 </a:solidFill>
@@ -5858,7 +5915,7 @@
               <a:t>a</a:t>
             </a:r>
             <a:r>
-              <a:rPr dirty="0" sz="2400" spc="-5">
+              <a:rPr sz="2400" spc="-5" dirty="0">
                 <a:solidFill>
                   <a:srgbClr val="FFFFFF"/>
                 </a:solidFill>
@@ -5868,7 +5925,7 @@
               <a:t>t</a:t>
             </a:r>
             <a:r>
-              <a:rPr dirty="0" sz="2400" spc="-20">
+              <a:rPr sz="2400" spc="-20" dirty="0">
                 <a:solidFill>
                   <a:srgbClr val="FFFFFF"/>
                 </a:solidFill>
@@ -5878,7 +5935,7 @@
               <a:t>a</a:t>
             </a:r>
             <a:r>
-              <a:rPr dirty="0" sz="2400">
+              <a:rPr sz="2400" dirty="0">
                 <a:solidFill>
                   <a:srgbClr val="FFFFFF"/>
                 </a:solidFill>
@@ -5888,7 +5945,7 @@
               <a:t>,  following are</a:t>
             </a:r>
             <a:r>
-              <a:rPr dirty="0" sz="2400" spc="-35">
+              <a:rPr sz="2400" spc="-35" dirty="0">
                 <a:solidFill>
                   <a:srgbClr val="FFFFFF"/>
                 </a:solidFill>
@@ -5898,7 +5955,7 @@
               <a:t> </a:t>
             </a:r>
             <a:r>
-              <a:rPr dirty="0" sz="2400" spc="-5">
+              <a:rPr sz="2400" spc="-5" dirty="0">
                 <a:solidFill>
                   <a:srgbClr val="FFFFFF"/>
                 </a:solidFill>
@@ -5913,7 +5970,7 @@
             </a:endParaRPr>
           </a:p>
           <a:p>
-            <a:pPr lvl="1" marL="698500" marR="7620" indent="-228600">
+            <a:pPr marL="698500" marR="7620" lvl="1" indent="-228600">
               <a:lnSpc>
                 <a:spcPct val="80000"/>
               </a:lnSpc>
@@ -5928,7 +5985,7 @@
               </a:tabLst>
             </a:pPr>
             <a:r>
-              <a:rPr dirty="0" sz="2400" spc="-5">
+              <a:rPr sz="2400" spc="-5" dirty="0">
                 <a:solidFill>
                   <a:srgbClr val="FFFFFF"/>
                 </a:solidFill>
@@ -5938,7 +5995,7 @@
               <a:t>the number of existing gyms  </a:t>
             </a:r>
             <a:r>
-              <a:rPr dirty="0" sz="2400">
+              <a:rPr sz="2400" dirty="0">
                 <a:solidFill>
                   <a:srgbClr val="FFFFFF"/>
                 </a:solidFill>
@@ -5948,7 +6005,7 @@
               <a:t>near each</a:t>
             </a:r>
             <a:r>
-              <a:rPr dirty="0" sz="2400" spc="-40">
+              <a:rPr sz="2400" spc="-40" dirty="0">
                 <a:solidFill>
                   <a:srgbClr val="FFFFFF"/>
                 </a:solidFill>
@@ -5958,7 +6015,7 @@
               <a:t> </a:t>
             </a:r>
             <a:r>
-              <a:rPr dirty="0" sz="2400" spc="-5">
+              <a:rPr sz="2400" spc="-5" dirty="0">
                 <a:solidFill>
                   <a:srgbClr val="FFFFFF"/>
                 </a:solidFill>
@@ -5973,7 +6030,7 @@
             </a:endParaRPr>
           </a:p>
           <a:p>
-            <a:pPr lvl="1" marL="698500" marR="5080" indent="-228600">
+            <a:pPr marL="698500" marR="5080" lvl="1" indent="-228600">
               <a:lnSpc>
                 <a:spcPct val="80000"/>
               </a:lnSpc>
@@ -5992,7 +6049,7 @@
               </a:tabLst>
             </a:pPr>
             <a:r>
-              <a:rPr dirty="0" sz="2400" spc="-5">
+              <a:rPr sz="2400" spc="-5" dirty="0">
                 <a:solidFill>
                   <a:srgbClr val="FFFFFF"/>
                 </a:solidFill>
@@ -6002,7 +6059,7 @@
               <a:t>t</a:t>
             </a:r>
             <a:r>
-              <a:rPr dirty="0" sz="2400" spc="-15">
+              <a:rPr sz="2400" spc="-15" dirty="0">
                 <a:solidFill>
                   <a:srgbClr val="FFFFFF"/>
                 </a:solidFill>
@@ -6012,7 +6069,7 @@
               <a:t>h</a:t>
             </a:r>
             <a:r>
-              <a:rPr dirty="0" sz="2400">
+              <a:rPr sz="2400" dirty="0">
                 <a:solidFill>
                   <a:srgbClr val="FFFFFF"/>
                 </a:solidFill>
@@ -6022,7 +6079,7 @@
               <a:t>e	minimum	</a:t>
             </a:r>
             <a:r>
-              <a:rPr dirty="0" sz="2400" spc="-5">
+              <a:rPr sz="2400" spc="-5" dirty="0">
                 <a:solidFill>
                   <a:srgbClr val="FFFFFF"/>
                 </a:solidFill>
@@ -6032,7 +6089,7 @@
               <a:t>di</a:t>
             </a:r>
             <a:r>
-              <a:rPr dirty="0" sz="2400" spc="-15">
+              <a:rPr sz="2400" spc="-15" dirty="0">
                 <a:solidFill>
                   <a:srgbClr val="FFFFFF"/>
                 </a:solidFill>
@@ -6042,7 +6099,7 @@
               <a:t>s</a:t>
             </a:r>
             <a:r>
-              <a:rPr dirty="0" sz="2400" spc="-5">
+              <a:rPr sz="2400" spc="-5" dirty="0">
                 <a:solidFill>
                   <a:srgbClr val="FFFFFF"/>
                 </a:solidFill>
@@ -6052,7 +6109,7 @@
               <a:t>t</a:t>
             </a:r>
             <a:r>
-              <a:rPr dirty="0" sz="2400" spc="-10">
+              <a:rPr sz="2400" spc="-10" dirty="0">
                 <a:solidFill>
                   <a:srgbClr val="FFFFFF"/>
                 </a:solidFill>
@@ -6062,7 +6119,7 @@
               <a:t>a</a:t>
             </a:r>
             <a:r>
-              <a:rPr dirty="0" sz="2400" spc="10">
+              <a:rPr sz="2400" spc="10" dirty="0">
                 <a:solidFill>
                   <a:srgbClr val="FFFFFF"/>
                 </a:solidFill>
@@ -6072,7 +6129,7 @@
               <a:t>n</a:t>
             </a:r>
             <a:r>
-              <a:rPr dirty="0" sz="2400">
+              <a:rPr sz="2400" dirty="0">
                 <a:solidFill>
                   <a:srgbClr val="FFFFFF"/>
                 </a:solidFill>
@@ -6082,7 +6139,7 @@
               <a:t>ce	</a:t>
             </a:r>
             <a:r>
-              <a:rPr dirty="0" sz="2400" spc="-5">
+              <a:rPr sz="2400" spc="-5" dirty="0">
                 <a:solidFill>
                   <a:srgbClr val="FFFFFF"/>
                 </a:solidFill>
@@ -6092,7 +6149,7 @@
               <a:t>o</a:t>
             </a:r>
             <a:r>
-              <a:rPr dirty="0" sz="2400">
+              <a:rPr sz="2400" dirty="0">
                 <a:solidFill>
                   <a:srgbClr val="FFFFFF"/>
                 </a:solidFill>
@@ -6102,7 +6159,7 @@
               <a:t>f	a  </a:t>
             </a:r>
             <a:r>
-              <a:rPr dirty="0" sz="2400" spc="-5">
+              <a:rPr sz="2400" spc="-5" dirty="0">
                 <a:solidFill>
                   <a:srgbClr val="FFFFFF"/>
                 </a:solidFill>
@@ -6112,7 +6169,7 @@
               <a:t>gym for </a:t>
             </a:r>
             <a:r>
-              <a:rPr dirty="0" sz="2400">
+              <a:rPr sz="2400" dirty="0">
                 <a:solidFill>
                   <a:srgbClr val="FFFFFF"/>
                 </a:solidFill>
@@ -6122,7 +6179,7 @@
               <a:t>every metro</a:t>
             </a:r>
             <a:r>
-              <a:rPr dirty="0" sz="2400" spc="-120">
+              <a:rPr sz="2400" spc="-120" dirty="0">
                 <a:solidFill>
                   <a:srgbClr val="FFFFFF"/>
                 </a:solidFill>
@@ -6132,7 +6189,7 @@
               <a:t> </a:t>
             </a:r>
             <a:r>
-              <a:rPr dirty="0" sz="2400" spc="-5">
+              <a:rPr sz="2400" spc="-5" dirty="0">
                 <a:solidFill>
                   <a:srgbClr val="FFFFFF"/>
                 </a:solidFill>
@@ -6166,7 +6223,7 @@
             </a:endParaRPr>
           </a:p>
           <a:p>
-            <a:pPr algn="r" marL="228600" marR="9525" indent="-228600">
+            <a:pPr marL="228600" marR="9525" indent="-228600" algn="r">
               <a:lnSpc>
                 <a:spcPts val="2590"/>
               </a:lnSpc>
@@ -6183,7 +6240,7 @@
               </a:tabLst>
             </a:pPr>
             <a:r>
-              <a:rPr dirty="0" sz="2400">
+              <a:rPr sz="2400" dirty="0">
                 <a:solidFill>
                   <a:srgbClr val="FFFFFF"/>
                 </a:solidFill>
@@ -6193,7 +6250,7 @@
               <a:t>T</a:t>
             </a:r>
             <a:r>
-              <a:rPr dirty="0" sz="2400" spc="5">
+              <a:rPr sz="2400" spc="5" dirty="0">
                 <a:solidFill>
                   <a:srgbClr val="FFFFFF"/>
                 </a:solidFill>
@@ -6203,7 +6260,7 @@
               <a:t>h</a:t>
             </a:r>
             <a:r>
-              <a:rPr dirty="0" sz="2400" spc="-5">
+              <a:rPr sz="2400" spc="-5" dirty="0">
                 <a:solidFill>
                   <a:srgbClr val="FFFFFF"/>
                 </a:solidFill>
@@ -6213,7 +6270,7 @@
               <a:t>i</a:t>
             </a:r>
             <a:r>
-              <a:rPr dirty="0" sz="2400">
+              <a:rPr sz="2400" dirty="0">
                 <a:solidFill>
                   <a:srgbClr val="FFFFFF"/>
                 </a:solidFill>
@@ -6223,7 +6280,7 @@
               <a:t>s	</a:t>
             </a:r>
             <a:r>
-              <a:rPr dirty="0" sz="2400" spc="-5">
+              <a:rPr sz="2400" spc="-5" dirty="0">
                 <a:solidFill>
                   <a:srgbClr val="FFFFFF"/>
                 </a:solidFill>
@@ -6233,7 +6290,7 @@
               <a:t>d</a:t>
             </a:r>
             <a:r>
-              <a:rPr dirty="0" sz="2400" spc="-15">
+              <a:rPr sz="2400" spc="-15" dirty="0">
                 <a:solidFill>
                   <a:srgbClr val="FFFFFF"/>
                 </a:solidFill>
@@ -6243,7 +6300,7 @@
               <a:t>a</a:t>
             </a:r>
             <a:r>
-              <a:rPr dirty="0" sz="2400" spc="-5">
+              <a:rPr sz="2400" spc="-5" dirty="0">
                 <a:solidFill>
                   <a:srgbClr val="FFFFFF"/>
                 </a:solidFill>
@@ -6253,7 +6310,7 @@
               <a:t>t</a:t>
             </a:r>
             <a:r>
-              <a:rPr dirty="0" sz="2400">
+              <a:rPr sz="2400" dirty="0">
                 <a:solidFill>
                   <a:srgbClr val="FFFFFF"/>
                 </a:solidFill>
@@ -6263,7 +6320,7 @@
               <a:t>a	</a:t>
             </a:r>
             <a:r>
-              <a:rPr dirty="0" sz="2400" spc="-5">
+              <a:rPr sz="2400" spc="-5" dirty="0">
                 <a:solidFill>
                   <a:srgbClr val="FFFFFF"/>
                 </a:solidFill>
@@ -6273,7 +6330,7 @@
               <a:t>wil</a:t>
             </a:r>
             <a:r>
-              <a:rPr dirty="0" sz="2400">
+              <a:rPr sz="2400" dirty="0">
                 <a:solidFill>
                   <a:srgbClr val="FFFFFF"/>
                 </a:solidFill>
@@ -6283,7 +6340,7 @@
               <a:t>l	be	</a:t>
             </a:r>
             <a:r>
-              <a:rPr dirty="0" sz="2400" spc="-15">
+              <a:rPr sz="2400" spc="-15" dirty="0">
                 <a:solidFill>
                   <a:srgbClr val="FFFFFF"/>
                 </a:solidFill>
@@ -6293,7 +6350,7 @@
               <a:t>t</a:t>
             </a:r>
             <a:r>
-              <a:rPr dirty="0" sz="2400" spc="-10">
+              <a:rPr sz="2400" spc="-10" dirty="0">
                 <a:solidFill>
                   <a:srgbClr val="FFFFFF"/>
                 </a:solidFill>
@@ -6303,7 +6360,7 @@
               <a:t>h</a:t>
             </a:r>
             <a:r>
-              <a:rPr dirty="0" sz="2400">
+              <a:rPr sz="2400" dirty="0">
                 <a:solidFill>
                   <a:srgbClr val="FFFFFF"/>
                 </a:solidFill>
@@ -6313,7 +6370,7 @@
               <a:t>en	u</a:t>
             </a:r>
             <a:r>
-              <a:rPr dirty="0" sz="2400" spc="-20">
+              <a:rPr sz="2400" spc="-20" dirty="0">
                 <a:solidFill>
                   <a:srgbClr val="FFFFFF"/>
                 </a:solidFill>
@@ -6323,7 +6380,7 @@
               <a:t>s</a:t>
             </a:r>
             <a:r>
-              <a:rPr dirty="0" sz="2400">
+              <a:rPr sz="2400" dirty="0">
                 <a:solidFill>
                   <a:srgbClr val="FFFFFF"/>
                 </a:solidFill>
@@ -6333,7 +6390,7 @@
               <a:t>ed	</a:t>
             </a:r>
             <a:r>
-              <a:rPr dirty="0" sz="2400" spc="-20">
+              <a:rPr sz="2400" spc="-20" dirty="0">
                 <a:solidFill>
                   <a:srgbClr val="FFFFFF"/>
                 </a:solidFill>
@@ -6348,7 +6405,7 @@
             </a:endParaRPr>
           </a:p>
           <a:p>
-            <a:pPr algn="r" marR="6350">
+            <a:pPr marR="6350" algn="r">
               <a:lnSpc>
                 <a:spcPts val="2305"/>
               </a:lnSpc>
@@ -6359,7 +6416,7 @@
               </a:tabLst>
             </a:pPr>
             <a:r>
-              <a:rPr dirty="0" sz="2400" spc="-5">
+              <a:rPr sz="2400" spc="-5" dirty="0">
                 <a:solidFill>
                   <a:srgbClr val="FFFFFF"/>
                 </a:solidFill>
@@ -6369,27 +6426,17 @@
               <a:t>i</a:t>
             </a:r>
             <a:r>
-              <a:rPr dirty="0" sz="2400">
-                <a:solidFill>
-                  <a:srgbClr val="FFFFFF"/>
-                </a:solidFill>
-                <a:latin typeface="Comic Sans MS"/>
-                <a:cs typeface="Comic Sans MS"/>
-              </a:rPr>
-              <a:t>nput</a:t>
-            </a:r>
-            <a:r>
-              <a:rPr dirty="0" sz="2400">
-                <a:solidFill>
-                  <a:srgbClr val="FFFFFF"/>
-                </a:solidFill>
-                <a:latin typeface="Comic Sans MS"/>
-                <a:cs typeface="Comic Sans MS"/>
-              </a:rPr>
-              <a:t>	</a:t>
-            </a:r>
-            <a:r>
-              <a:rPr dirty="0" sz="2400" spc="-5">
+              <a:rPr sz="2400" dirty="0">
+                <a:solidFill>
+                  <a:srgbClr val="FFFFFF"/>
+                </a:solidFill>
+                <a:latin typeface="Comic Sans MS"/>
+                <a:cs typeface="Comic Sans MS"/>
+              </a:rPr>
+              <a:t>nput	</a:t>
+            </a:r>
+            <a:r>
+              <a:rPr sz="2400" spc="-5" dirty="0">
                 <a:solidFill>
                   <a:srgbClr val="FFFFFF"/>
                 </a:solidFill>
@@ -6399,27 +6446,17 @@
               <a:t>t</a:t>
             </a:r>
             <a:r>
-              <a:rPr dirty="0" sz="2400">
-                <a:solidFill>
-                  <a:srgbClr val="FFFFFF"/>
-                </a:solidFill>
-                <a:latin typeface="Comic Sans MS"/>
-                <a:cs typeface="Comic Sans MS"/>
-              </a:rPr>
-              <a:t>o</a:t>
-            </a:r>
-            <a:r>
-              <a:rPr dirty="0" sz="2400">
-                <a:solidFill>
-                  <a:srgbClr val="FFFFFF"/>
-                </a:solidFill>
-                <a:latin typeface="Comic Sans MS"/>
-                <a:cs typeface="Comic Sans MS"/>
-              </a:rPr>
-              <a:t>	</a:t>
-            </a:r>
-            <a:r>
-              <a:rPr dirty="0" sz="2400" spc="-5">
+              <a:rPr sz="2400" dirty="0">
+                <a:solidFill>
+                  <a:srgbClr val="FFFFFF"/>
+                </a:solidFill>
+                <a:latin typeface="Comic Sans MS"/>
+                <a:cs typeface="Comic Sans MS"/>
+              </a:rPr>
+              <a:t>o	</a:t>
+            </a:r>
+            <a:r>
+              <a:rPr sz="2400" spc="-5" dirty="0">
                 <a:solidFill>
                   <a:srgbClr val="FFFFFF"/>
                 </a:solidFill>
@@ -6429,7 +6466,7 @@
               <a:t>K-</a:t>
             </a:r>
             <a:r>
-              <a:rPr dirty="0" sz="2400">
+              <a:rPr sz="2400" dirty="0">
                 <a:solidFill>
                   <a:srgbClr val="FFFFFF"/>
                 </a:solidFill>
@@ -6439,7 +6476,7 @@
               <a:t>me</a:t>
             </a:r>
             <a:r>
-              <a:rPr dirty="0" sz="2400" spc="-10">
+              <a:rPr sz="2400" spc="-10" dirty="0">
                 <a:solidFill>
                   <a:srgbClr val="FFFFFF"/>
                 </a:solidFill>
@@ -6449,7 +6486,7 @@
               <a:t>a</a:t>
             </a:r>
             <a:r>
-              <a:rPr dirty="0" sz="2400" spc="-5">
+              <a:rPr sz="2400" spc="-5" dirty="0">
                 <a:solidFill>
                   <a:srgbClr val="FFFFFF"/>
                 </a:solidFill>
@@ -6459,37 +6496,17 @@
               <a:t>n</a:t>
             </a:r>
             <a:r>
-              <a:rPr dirty="0" sz="2400">
-                <a:solidFill>
-                  <a:srgbClr val="FFFFFF"/>
-                </a:solidFill>
-                <a:latin typeface="Comic Sans MS"/>
-                <a:cs typeface="Comic Sans MS"/>
-              </a:rPr>
-              <a:t>s</a:t>
-            </a:r>
-            <a:r>
-              <a:rPr dirty="0" sz="2400">
-                <a:solidFill>
-                  <a:srgbClr val="FFFFFF"/>
-                </a:solidFill>
-                <a:latin typeface="Comic Sans MS"/>
-                <a:cs typeface="Comic Sans MS"/>
-              </a:rPr>
-              <a:t>	</a:t>
-            </a:r>
-            <a:r>
-              <a:rPr dirty="0" sz="2400">
-                <a:solidFill>
-                  <a:srgbClr val="FFFFFF"/>
-                </a:solidFill>
-                <a:latin typeface="Comic Sans MS"/>
-                <a:cs typeface="Comic Sans MS"/>
-              </a:rPr>
-              <a:t>clus</a:t>
-            </a:r>
-            <a:r>
-              <a:rPr dirty="0" sz="2400" spc="-10">
+              <a:rPr sz="2400" dirty="0">
+                <a:solidFill>
+                  <a:srgbClr val="FFFFFF"/>
+                </a:solidFill>
+                <a:latin typeface="Comic Sans MS"/>
+                <a:cs typeface="Comic Sans MS"/>
+              </a:rPr>
+              <a:t>s	clus</a:t>
+            </a:r>
+            <a:r>
+              <a:rPr sz="2400" spc="-10" dirty="0">
                 <a:solidFill>
                   <a:srgbClr val="FFFFFF"/>
                 </a:solidFill>
@@ -6499,7 +6516,7 @@
               <a:t>te</a:t>
             </a:r>
             <a:r>
-              <a:rPr dirty="0" sz="2400" spc="-5">
+              <a:rPr sz="2400" spc="-5" dirty="0">
                 <a:solidFill>
                   <a:srgbClr val="FFFFFF"/>
                 </a:solidFill>
@@ -6514,7 +6531,7 @@
             </a:endParaRPr>
           </a:p>
           <a:p>
-            <a:pPr algn="r" marR="6350">
+            <a:pPr marR="6350" algn="r">
               <a:lnSpc>
                 <a:spcPts val="2595"/>
               </a:lnSpc>
@@ -6525,7 +6542,7 @@
               </a:tabLst>
             </a:pPr>
             <a:r>
-              <a:rPr dirty="0" sz="2400">
+              <a:rPr sz="2400" dirty="0">
                 <a:solidFill>
                   <a:srgbClr val="FFFFFF"/>
                 </a:solidFill>
@@ -6535,7 +6552,7 @@
               <a:t>algor</a:t>
             </a:r>
             <a:r>
-              <a:rPr dirty="0" sz="2400" spc="5">
+              <a:rPr sz="2400" spc="5" dirty="0">
                 <a:solidFill>
                   <a:srgbClr val="FFFFFF"/>
                 </a:solidFill>
@@ -6545,7 +6562,7 @@
               <a:t>i</a:t>
             </a:r>
             <a:r>
-              <a:rPr dirty="0" sz="2400" spc="-5">
+              <a:rPr sz="2400" spc="-5" dirty="0">
                 <a:solidFill>
                   <a:srgbClr val="FFFFFF"/>
                 </a:solidFill>
@@ -6555,7 +6572,7 @@
               <a:t>t</a:t>
             </a:r>
             <a:r>
-              <a:rPr dirty="0" sz="2400">
+              <a:rPr sz="2400" dirty="0">
                 <a:solidFill>
                   <a:srgbClr val="FFFFFF"/>
                 </a:solidFill>
@@ -6565,7 +6582,7 @@
               <a:t>hm	</a:t>
             </a:r>
             <a:r>
-              <a:rPr dirty="0" sz="2400" spc="-5">
+              <a:rPr sz="2400" spc="-5" dirty="0">
                 <a:solidFill>
                   <a:srgbClr val="FFFFFF"/>
                 </a:solidFill>
@@ -6575,7 +6592,7 @@
               <a:t>t</a:t>
             </a:r>
             <a:r>
-              <a:rPr dirty="0" sz="2400">
+              <a:rPr sz="2400" dirty="0">
                 <a:solidFill>
                   <a:srgbClr val="FFFFFF"/>
                 </a:solidFill>
@@ -6585,7 +6602,7 @@
               <a:t>o	obtain	</a:t>
             </a:r>
             <a:r>
-              <a:rPr dirty="0" sz="2400" spc="-5">
+              <a:rPr sz="2400" spc="-5" dirty="0">
                 <a:solidFill>
                   <a:srgbClr val="FFFFFF"/>
                 </a:solidFill>
@@ -6595,7 +6612,7 @@
               <a:t>t</a:t>
             </a:r>
             <a:r>
-              <a:rPr dirty="0" sz="2400" spc="-15">
+              <a:rPr sz="2400" spc="-15" dirty="0">
                 <a:solidFill>
                   <a:srgbClr val="FFFFFF"/>
                 </a:solidFill>
@@ -6605,7 +6622,7 @@
               <a:t>h</a:t>
             </a:r>
             <a:r>
-              <a:rPr dirty="0" sz="2400">
+              <a:rPr sz="2400" dirty="0">
                 <a:solidFill>
                   <a:srgbClr val="FFFFFF"/>
                 </a:solidFill>
@@ -6637,7 +6654,7 @@
           </a:prstGeom>
         </p:spPr>
         <p:txBody>
-          <a:bodyPr wrap="square" lIns="0" tIns="12700" rIns="0" bIns="0" rtlCol="0" vert="horz">
+          <a:bodyPr vert="horz" wrap="square" lIns="0" tIns="12700" rIns="0" bIns="0" rtlCol="0">
             <a:spAutoFit/>
           </a:bodyPr>
           <a:lstStyle/>
@@ -6656,7 +6673,7 @@
               </a:tabLst>
             </a:pPr>
             <a:r>
-              <a:rPr dirty="0" sz="2400">
+              <a:rPr sz="2400" dirty="0">
                 <a:solidFill>
                   <a:srgbClr val="FFFFFF"/>
                 </a:solidFill>
@@ -6666,7 +6683,7 @@
               <a:t>c</a:t>
             </a:r>
             <a:r>
-              <a:rPr dirty="0" sz="2400" spc="5">
+              <a:rPr sz="2400" spc="5" dirty="0">
                 <a:solidFill>
                   <a:srgbClr val="FFFFFF"/>
                 </a:solidFill>
@@ -6676,7 +6693,7 @@
               <a:t>l</a:t>
             </a:r>
             <a:r>
-              <a:rPr dirty="0" sz="2400">
+              <a:rPr sz="2400" dirty="0">
                 <a:solidFill>
                   <a:srgbClr val="FFFFFF"/>
                 </a:solidFill>
@@ -6686,7 +6703,7 @@
               <a:t>uste</a:t>
             </a:r>
             <a:r>
-              <a:rPr dirty="0" sz="2400" spc="-5">
+              <a:rPr sz="2400" spc="-5" dirty="0">
                 <a:solidFill>
                   <a:srgbClr val="FFFFFF"/>
                 </a:solidFill>
@@ -6696,7 +6713,7 @@
               <a:t>r</a:t>
             </a:r>
             <a:r>
-              <a:rPr dirty="0" sz="2400">
+              <a:rPr sz="2400" dirty="0">
                 <a:solidFill>
                   <a:srgbClr val="FFFFFF"/>
                 </a:solidFill>
@@ -6706,7 +6723,7 @@
               <a:t>s	</a:t>
             </a:r>
             <a:r>
-              <a:rPr dirty="0" sz="2400" spc="-5">
+              <a:rPr sz="2400" spc="-5" dirty="0">
                 <a:solidFill>
                   <a:srgbClr val="FFFFFF"/>
                 </a:solidFill>
@@ -6716,7 +6733,7 @@
               <a:t>o</a:t>
             </a:r>
             <a:r>
-              <a:rPr dirty="0" sz="2400">
+              <a:rPr sz="2400" dirty="0">
                 <a:solidFill>
                   <a:srgbClr val="FFFFFF"/>
                 </a:solidFill>
@@ -6726,7 +6743,7 @@
               <a:t>f	a</a:t>
             </a:r>
             <a:r>
-              <a:rPr dirty="0" sz="2400" spc="-15">
+              <a:rPr sz="2400" spc="-15" dirty="0">
                 <a:solidFill>
                   <a:srgbClr val="FFFFFF"/>
                 </a:solidFill>
@@ -6736,7 +6753,7 @@
               <a:t>r</a:t>
             </a:r>
             <a:r>
-              <a:rPr dirty="0" sz="2400" spc="5">
+              <a:rPr sz="2400" spc="5" dirty="0">
                 <a:solidFill>
                   <a:srgbClr val="FFFFFF"/>
                 </a:solidFill>
@@ -6746,7 +6763,7 @@
               <a:t>e</a:t>
             </a:r>
             <a:r>
-              <a:rPr dirty="0" sz="2400">
+              <a:rPr sz="2400" dirty="0">
                 <a:solidFill>
                   <a:srgbClr val="FFFFFF"/>
                 </a:solidFill>
@@ -6756,7 +6773,7 @@
               <a:t>as	</a:t>
             </a:r>
             <a:r>
-              <a:rPr dirty="0" sz="2400" spc="-5">
+              <a:rPr sz="2400" spc="-5" dirty="0">
                 <a:solidFill>
                   <a:srgbClr val="FFFFFF"/>
                 </a:solidFill>
@@ -6766,7 +6783,7 @@
               <a:t>(</a:t>
             </a:r>
             <a:r>
-              <a:rPr dirty="0" sz="2400" spc="-20">
+              <a:rPr sz="2400" spc="-20" dirty="0">
                 <a:solidFill>
                   <a:srgbClr val="FFFFFF"/>
                 </a:solidFill>
@@ -6776,7 +6793,7 @@
               <a:t>m</a:t>
             </a:r>
             <a:r>
-              <a:rPr dirty="0" sz="2400">
+              <a:rPr sz="2400" dirty="0">
                 <a:solidFill>
                   <a:srgbClr val="FFFFFF"/>
                 </a:solidFill>
@@ -6786,7 +6803,7 @@
               <a:t>e</a:t>
             </a:r>
             <a:r>
-              <a:rPr dirty="0" sz="2400" spc="-10">
+              <a:rPr sz="2400" spc="-10" dirty="0">
                 <a:solidFill>
                   <a:srgbClr val="FFFFFF"/>
                 </a:solidFill>
@@ -6796,7 +6813,7 @@
               <a:t>t</a:t>
             </a:r>
             <a:r>
-              <a:rPr dirty="0" sz="2400" spc="-5">
+              <a:rPr sz="2400" spc="-5" dirty="0">
                 <a:solidFill>
                   <a:srgbClr val="FFFFFF"/>
                 </a:solidFill>
@@ -6828,7 +6845,7 @@
           </a:prstGeom>
         </p:spPr>
         <p:txBody>
-          <a:bodyPr wrap="square" lIns="0" tIns="12700" rIns="0" bIns="0" rtlCol="0" vert="horz">
+          <a:bodyPr vert="horz" wrap="square" lIns="0" tIns="12700" rIns="0" bIns="0" rtlCol="0">
             <a:spAutoFit/>
           </a:bodyPr>
           <a:lstStyle/>
@@ -6842,7 +6859,7 @@
               </a:spcBef>
             </a:pPr>
             <a:r>
-              <a:rPr dirty="0" sz="2400">
+              <a:rPr sz="2400" dirty="0">
                 <a:solidFill>
                   <a:srgbClr val="FFFFFF"/>
                 </a:solidFill>
@@ -6882,7 +6899,9 @@
         <p:txBody>
           <a:bodyPr wrap="square" lIns="0" tIns="0" rIns="0" bIns="0" rtlCol="0"/>
           <a:lstStyle/>
-          <a:p/>
+          <a:p>
+            <a:endParaRPr/>
+          </a:p>
         </p:txBody>
       </p:sp>
       <p:sp>
@@ -6901,7 +6920,7 @@
           </a:prstGeom>
         </p:spPr>
         <p:txBody>
-          <a:bodyPr wrap="square" lIns="0" tIns="12700" rIns="0" bIns="0" rtlCol="0" vert="horz">
+          <a:bodyPr vert="horz" wrap="square" lIns="0" tIns="12700" rIns="0" bIns="0" rtlCol="0">
             <a:spAutoFit/>
           </a:bodyPr>
           <a:lstStyle/>
@@ -6915,7 +6934,7 @@
               </a:spcBef>
             </a:pPr>
             <a:r>
-              <a:rPr dirty="0" sz="1800" b="1">
+              <a:rPr sz="1800" b="1" dirty="0">
                 <a:solidFill>
                   <a:srgbClr val="FFFFFF"/>
                 </a:solidFill>
@@ -6925,7 +6944,7 @@
               <a:t>Fig : </a:t>
             </a:r>
             <a:r>
-              <a:rPr dirty="0" sz="1800" spc="-5" b="1">
+              <a:rPr sz="1800" b="1" spc="-5" dirty="0">
                 <a:solidFill>
                   <a:srgbClr val="FFFFFF"/>
                 </a:solidFill>
@@ -6935,7 +6954,7 @@
               <a:t>Map </a:t>
             </a:r>
             <a:r>
-              <a:rPr dirty="0" sz="1800" b="1">
+              <a:rPr sz="1800" b="1" dirty="0">
                 <a:solidFill>
                   <a:srgbClr val="FFFFFF"/>
                 </a:solidFill>
@@ -6945,7 +6964,7 @@
               <a:t>of New </a:t>
             </a:r>
             <a:r>
-              <a:rPr dirty="0" sz="1800" spc="-5" b="1">
+              <a:rPr sz="1800" b="1" spc="-5" dirty="0">
                 <a:solidFill>
                   <a:srgbClr val="FFFFFF"/>
                 </a:solidFill>
@@ -6955,7 +6974,7 @@
               <a:t>York with</a:t>
             </a:r>
             <a:r>
-              <a:rPr dirty="0" sz="1800" spc="-135" b="1">
+              <a:rPr sz="1800" b="1" spc="-135" dirty="0">
                 <a:solidFill>
                   <a:srgbClr val="FFFFFF"/>
                 </a:solidFill>
@@ -6965,7 +6984,7 @@
               <a:t> </a:t>
             </a:r>
             <a:r>
-              <a:rPr dirty="0" sz="1800" spc="-5" b="1">
+              <a:rPr sz="1800" b="1" spc="-5" dirty="0">
                 <a:solidFill>
                   <a:srgbClr val="FFFFFF"/>
                 </a:solidFill>
@@ -7021,10 +7040,12 @@
             <a:off x="3519296" y="345694"/>
             <a:ext cx="4388485" cy="756920"/>
           </a:xfrm>
-          <a:prstGeom prst="rect"/>
+          <a:prstGeom prst="rect">
+            <a:avLst/>
+          </a:prstGeom>
         </p:spPr>
         <p:txBody>
-          <a:bodyPr wrap="square" lIns="0" tIns="12700" rIns="0" bIns="0" rtlCol="0" vert="horz">
+          <a:bodyPr vert="horz" wrap="square" lIns="0" tIns="12700" rIns="0" bIns="0" rtlCol="0">
             <a:spAutoFit/>
           </a:bodyPr>
           <a:lstStyle/>
@@ -7038,7 +7059,7 @@
               </a:spcBef>
             </a:pPr>
             <a:r>
-              <a:rPr dirty="0" b="1">
+              <a:rPr b="1" dirty="0">
                 <a:latin typeface="Comic Sans MS"/>
                 <a:cs typeface="Comic Sans MS"/>
               </a:rPr>
@@ -7063,12 +7084,12 @@
           </a:prstGeom>
         </p:spPr>
         <p:txBody>
-          <a:bodyPr wrap="square" lIns="0" tIns="48895" rIns="0" bIns="0" rtlCol="0" vert="horz">
+          <a:bodyPr vert="horz" wrap="square" lIns="0" tIns="48895" rIns="0" bIns="0" rtlCol="0">
             <a:spAutoFit/>
           </a:bodyPr>
           <a:lstStyle/>
           <a:p>
-            <a:pPr algn="just" marL="241300" marR="5080" indent="-228600">
+            <a:pPr marL="241300" marR="5080" indent="-228600" algn="just">
               <a:lnSpc>
                 <a:spcPct val="90000"/>
               </a:lnSpc>
@@ -7082,7 +7103,7 @@
               </a:tabLst>
             </a:pPr>
             <a:r>
-              <a:rPr dirty="0" sz="2400">
+              <a:rPr sz="2400" dirty="0">
                 <a:solidFill>
                   <a:srgbClr val="FFFFFF"/>
                 </a:solidFill>
@@ -7092,7 +7113,7 @@
               <a:t>Machine Learning </a:t>
             </a:r>
             <a:r>
-              <a:rPr dirty="0" sz="2400" spc="-5">
+              <a:rPr sz="2400" spc="-5" dirty="0">
                 <a:solidFill>
                   <a:srgbClr val="FFFFFF"/>
                 </a:solidFill>
@@ -7102,7 +7123,7 @@
               <a:t>clustering  </a:t>
             </a:r>
             <a:r>
-              <a:rPr dirty="0" sz="2400">
+              <a:rPr sz="2400" dirty="0">
                 <a:solidFill>
                   <a:srgbClr val="FFFFFF"/>
                 </a:solidFill>
@@ -7112,7 +7133,7 @@
               <a:t>algorithm </a:t>
             </a:r>
             <a:r>
-              <a:rPr dirty="0" sz="2400" spc="-5">
+              <a:rPr sz="2400" spc="-5" dirty="0">
                 <a:solidFill>
                   <a:srgbClr val="FFFFFF"/>
                 </a:solidFill>
@@ -7122,7 +7143,7 @@
               <a:t>was used to </a:t>
             </a:r>
             <a:r>
-              <a:rPr dirty="0" sz="2400" spc="-10">
+              <a:rPr sz="2400" spc="-10" dirty="0">
                 <a:solidFill>
                   <a:srgbClr val="FFFFFF"/>
                 </a:solidFill>
@@ -7132,7 +7153,7 @@
               <a:t>divide  </a:t>
             </a:r>
             <a:r>
-              <a:rPr dirty="0" sz="2400" spc="-5">
+              <a:rPr sz="2400" spc="-5" dirty="0">
                 <a:solidFill>
                   <a:srgbClr val="FFFFFF"/>
                 </a:solidFill>
@@ -7142,7 +7163,7 @@
               <a:t>the </a:t>
             </a:r>
             <a:r>
-              <a:rPr dirty="0" sz="2400" spc="-10">
+              <a:rPr sz="2400" spc="-10" dirty="0">
                 <a:solidFill>
                   <a:srgbClr val="FFFFFF"/>
                 </a:solidFill>
@@ -7152,7 +7173,7 @@
               <a:t>stations </a:t>
             </a:r>
             <a:r>
-              <a:rPr dirty="0" sz="2400">
+              <a:rPr sz="2400" dirty="0">
                 <a:solidFill>
                   <a:srgbClr val="FFFFFF"/>
                 </a:solidFill>
@@ -7162,7 +7183,7 @@
               <a:t>and gyms </a:t>
             </a:r>
             <a:r>
-              <a:rPr dirty="0" sz="2400" spc="-10">
+              <a:rPr sz="2400" spc="-10" dirty="0">
                 <a:solidFill>
                   <a:srgbClr val="FFFFFF"/>
                 </a:solidFill>
@@ -7172,7 +7193,7 @@
               <a:t>data </a:t>
             </a:r>
             <a:r>
-              <a:rPr dirty="0" sz="2400">
+              <a:rPr sz="2400" dirty="0">
                 <a:solidFill>
                   <a:srgbClr val="FFFFFF"/>
                 </a:solidFill>
@@ -7182,7 +7203,7 @@
               <a:t>set  </a:t>
             </a:r>
             <a:r>
-              <a:rPr dirty="0" sz="2400" spc="-5">
+              <a:rPr sz="2400" spc="-5" dirty="0">
                 <a:solidFill>
                   <a:srgbClr val="FFFFFF"/>
                 </a:solidFill>
@@ -7192,7 +7213,7 @@
               <a:t>into </a:t>
             </a:r>
             <a:r>
-              <a:rPr dirty="0" sz="2400">
+              <a:rPr sz="2400" dirty="0">
                 <a:solidFill>
                   <a:srgbClr val="FFFFFF"/>
                 </a:solidFill>
@@ -7202,7 +7223,7 @@
               <a:t>clusters </a:t>
             </a:r>
             <a:r>
-              <a:rPr dirty="0" sz="2400" spc="-5">
+              <a:rPr sz="2400" spc="-5" dirty="0">
                 <a:solidFill>
                   <a:srgbClr val="FFFFFF"/>
                 </a:solidFill>
@@ -7212,7 +7233,7 @@
               <a:t>of similar  </a:t>
             </a:r>
             <a:r>
-              <a:rPr dirty="0" sz="2400">
+              <a:rPr sz="2400" dirty="0">
                 <a:solidFill>
                   <a:srgbClr val="FFFFFF"/>
                 </a:solidFill>
@@ -7227,7 +7248,7 @@
             </a:endParaRPr>
           </a:p>
           <a:p>
-            <a:pPr algn="just" marL="241300" marR="6985" indent="-228600">
+            <a:pPr marL="241300" marR="6985" indent="-228600" algn="just">
               <a:lnSpc>
                 <a:spcPts val="2590"/>
               </a:lnSpc>
@@ -7241,7 +7262,7 @@
               </a:tabLst>
             </a:pPr>
             <a:r>
-              <a:rPr dirty="0" sz="2400">
+              <a:rPr sz="2400" dirty="0">
                 <a:solidFill>
                   <a:srgbClr val="FFFFFF"/>
                 </a:solidFill>
@@ -7251,7 +7272,7 @@
               <a:t>The </a:t>
             </a:r>
             <a:r>
-              <a:rPr dirty="0" sz="2400" spc="-5">
+              <a:rPr sz="2400" spc="-5" dirty="0">
                 <a:solidFill>
                   <a:srgbClr val="FFFFFF"/>
                 </a:solidFill>
@@ -7261,7 +7282,7 @@
               <a:t>elbow </a:t>
             </a:r>
             <a:r>
-              <a:rPr dirty="0" sz="2400">
+              <a:rPr sz="2400" dirty="0">
                 <a:solidFill>
                   <a:srgbClr val="FFFFFF"/>
                 </a:solidFill>
@@ -7271,7 +7292,7 @@
               <a:t>method </a:t>
             </a:r>
             <a:r>
-              <a:rPr dirty="0" sz="2400" spc="-5">
+              <a:rPr sz="2400" spc="-5" dirty="0">
                 <a:solidFill>
                   <a:srgbClr val="FFFFFF"/>
                 </a:solidFill>
@@ -7281,7 +7302,7 @@
               <a:t>was </a:t>
             </a:r>
             <a:r>
-              <a:rPr dirty="0" sz="2400">
+              <a:rPr sz="2400" dirty="0">
                 <a:solidFill>
                   <a:srgbClr val="FFFFFF"/>
                 </a:solidFill>
@@ -7291,7 +7312,7 @@
               <a:t>used </a:t>
             </a:r>
             <a:r>
-              <a:rPr dirty="0" sz="2400" spc="-5">
+              <a:rPr sz="2400" spc="-5" dirty="0">
                 <a:solidFill>
                   <a:srgbClr val="FFFFFF"/>
                 </a:solidFill>
@@ -7301,7 +7322,7 @@
               <a:t>to  </a:t>
             </a:r>
             <a:r>
-              <a:rPr dirty="0" sz="2400">
+              <a:rPr sz="2400" dirty="0">
                 <a:solidFill>
                   <a:srgbClr val="FFFFFF"/>
                 </a:solidFill>
@@ -7311,7 +7332,7 @@
               <a:t>find </a:t>
             </a:r>
             <a:r>
-              <a:rPr dirty="0" sz="2400" spc="-5">
+              <a:rPr sz="2400" spc="-5" dirty="0">
                 <a:solidFill>
                   <a:srgbClr val="FFFFFF"/>
                 </a:solidFill>
@@ -7321,7 +7342,7 @@
               <a:t>the most suitable number  </a:t>
             </a:r>
             <a:r>
-              <a:rPr dirty="0" sz="2400">
+              <a:rPr sz="2400" dirty="0">
                 <a:solidFill>
                   <a:srgbClr val="FFFFFF"/>
                 </a:solidFill>
@@ -7331,7 +7352,7 @@
               <a:t>of clusters </a:t>
             </a:r>
             <a:r>
-              <a:rPr dirty="0" sz="2400" spc="-5">
+              <a:rPr sz="2400" spc="-5" dirty="0">
                 <a:solidFill>
                   <a:srgbClr val="FFFFFF"/>
                 </a:solidFill>
@@ -7341,7 +7362,7 @@
               <a:t>(3</a:t>
             </a:r>
             <a:r>
-              <a:rPr dirty="0" sz="2400" spc="-55">
+              <a:rPr sz="2400" spc="-55" dirty="0">
                 <a:solidFill>
                   <a:srgbClr val="FFFFFF"/>
                 </a:solidFill>
@@ -7351,7 +7372,7 @@
               <a:t> </a:t>
             </a:r>
             <a:r>
-              <a:rPr dirty="0" sz="2400">
+              <a:rPr sz="2400" dirty="0">
                 <a:solidFill>
                   <a:srgbClr val="FFFFFF"/>
                 </a:solidFill>
@@ -7383,7 +7404,7 @@
           </a:prstGeom>
         </p:spPr>
         <p:txBody>
-          <a:bodyPr wrap="square" lIns="0" tIns="12700" rIns="0" bIns="0" rtlCol="0" vert="horz">
+          <a:bodyPr vert="horz" wrap="square" lIns="0" tIns="12700" rIns="0" bIns="0" rtlCol="0">
             <a:spAutoFit/>
           </a:bodyPr>
           <a:lstStyle/>
@@ -7397,7 +7418,7 @@
               </a:spcBef>
             </a:pPr>
             <a:r>
-              <a:rPr dirty="0" sz="1800" b="1">
+              <a:rPr sz="1800" b="1" dirty="0">
                 <a:solidFill>
                   <a:srgbClr val="FFFFFF"/>
                 </a:solidFill>
@@ -7407,7 +7428,7 @@
               <a:t>Fig : Elbow</a:t>
             </a:r>
             <a:r>
-              <a:rPr dirty="0" sz="1800" spc="-145" b="1">
+              <a:rPr sz="1800" b="1" spc="-145" dirty="0">
                 <a:solidFill>
                   <a:srgbClr val="FFFFFF"/>
                 </a:solidFill>
@@ -7417,7 +7438,7 @@
               <a:t> </a:t>
             </a:r>
             <a:r>
-              <a:rPr dirty="0" sz="1800" b="1">
+              <a:rPr sz="1800" b="1" dirty="0">
                 <a:solidFill>
                   <a:srgbClr val="FFFFFF"/>
                 </a:solidFill>
@@ -7457,7 +7478,9 @@
         <p:txBody>
           <a:bodyPr wrap="square" lIns="0" tIns="0" rIns="0" bIns="0" rtlCol="0"/>
           <a:lstStyle/>
-          <a:p/>
+          <a:p>
+            <a:endParaRPr/>
+          </a:p>
         </p:txBody>
       </p:sp>
     </p:spTree>
@@ -7500,10 +7523,12 @@
             <a:off x="4426711" y="345694"/>
             <a:ext cx="2427605" cy="756920"/>
           </a:xfrm>
-          <a:prstGeom prst="rect"/>
+          <a:prstGeom prst="rect">
+            <a:avLst/>
+          </a:prstGeom>
         </p:spPr>
         <p:txBody>
-          <a:bodyPr wrap="square" lIns="0" tIns="12700" rIns="0" bIns="0" rtlCol="0" vert="horz">
+          <a:bodyPr vert="horz" wrap="square" lIns="0" tIns="12700" rIns="0" bIns="0" rtlCol="0">
             <a:spAutoFit/>
           </a:bodyPr>
           <a:lstStyle/>
@@ -7517,7 +7542,7 @@
               </a:spcBef>
             </a:pPr>
             <a:r>
-              <a:rPr dirty="0" spc="-5" b="1">
+              <a:rPr b="1" spc="-5" dirty="0">
                 <a:latin typeface="Comic Sans MS"/>
                 <a:cs typeface="Comic Sans MS"/>
               </a:rPr>
@@ -7542,7 +7567,7 @@
           </a:prstGeom>
         </p:spPr>
         <p:txBody>
-          <a:bodyPr wrap="square" lIns="0" tIns="12700" rIns="0" bIns="0" rtlCol="0" vert="horz">
+          <a:bodyPr vert="horz" wrap="square" lIns="0" tIns="12700" rIns="0" bIns="0" rtlCol="0">
             <a:spAutoFit/>
           </a:bodyPr>
           <a:lstStyle/>
@@ -7556,7 +7581,7 @@
               </a:spcBef>
             </a:pPr>
             <a:r>
-              <a:rPr dirty="0" sz="1800" b="1">
+              <a:rPr sz="1800" b="1" dirty="0">
                 <a:solidFill>
                   <a:srgbClr val="FFFFFF"/>
                 </a:solidFill>
@@ -7566,7 +7591,7 @@
               <a:t>Fig : </a:t>
             </a:r>
             <a:r>
-              <a:rPr dirty="0" sz="1800" spc="-5" b="1">
+              <a:rPr sz="1800" b="1" spc="-5" dirty="0">
                 <a:solidFill>
                   <a:srgbClr val="FFFFFF"/>
                 </a:solidFill>
@@ -7576,7 +7601,7 @@
               <a:t>Clusters </a:t>
             </a:r>
             <a:r>
-              <a:rPr dirty="0" sz="1800" b="1">
+              <a:rPr sz="1800" b="1" dirty="0">
                 <a:solidFill>
                   <a:srgbClr val="FFFFFF"/>
                 </a:solidFill>
@@ -7586,7 +7611,7 @@
               <a:t>and</a:t>
             </a:r>
             <a:r>
-              <a:rPr dirty="0" sz="1800" spc="-100" b="1">
+              <a:rPr sz="1800" b="1" spc="-100" dirty="0">
                 <a:solidFill>
                   <a:srgbClr val="FFFFFF"/>
                 </a:solidFill>
@@ -7596,7 +7621,7 @@
               <a:t> </a:t>
             </a:r>
             <a:r>
-              <a:rPr dirty="0" sz="1800" spc="-5" b="1">
+              <a:rPr sz="1800" b="1" spc="-5" dirty="0">
                 <a:solidFill>
                   <a:srgbClr val="FFFFFF"/>
                 </a:solidFill>
@@ -7636,7 +7661,9 @@
         <p:txBody>
           <a:bodyPr wrap="square" lIns="0" tIns="0" rIns="0" bIns="0" rtlCol="0"/>
           <a:lstStyle/>
-          <a:p/>
+          <a:p>
+            <a:endParaRPr/>
+          </a:p>
         </p:txBody>
       </p:sp>
       <p:sp>
@@ -7655,7 +7682,7 @@
           </a:prstGeom>
         </p:spPr>
         <p:txBody>
-          <a:bodyPr wrap="square" lIns="0" tIns="12700" rIns="0" bIns="0" rtlCol="0" vert="horz">
+          <a:bodyPr vert="horz" wrap="square" lIns="0" tIns="12700" rIns="0" bIns="0" rtlCol="0">
             <a:spAutoFit/>
           </a:bodyPr>
           <a:lstStyle/>
@@ -7669,7 +7696,7 @@
               </a:spcBef>
             </a:pPr>
             <a:r>
-              <a:rPr dirty="0" sz="1800" b="1">
+              <a:rPr sz="1800" b="1" dirty="0">
                 <a:solidFill>
                   <a:srgbClr val="FFFFFF"/>
                 </a:solidFill>
@@ -7679,7 +7706,7 @@
               <a:t>Fig : </a:t>
             </a:r>
             <a:r>
-              <a:rPr dirty="0" sz="1800" spc="-5" b="1">
+              <a:rPr sz="1800" b="1" spc="-5" dirty="0">
                 <a:solidFill>
                   <a:srgbClr val="FFFFFF"/>
                 </a:solidFill>
@@ -7689,7 +7716,7 @@
               <a:t>Three </a:t>
             </a:r>
             <a:r>
-              <a:rPr dirty="0" sz="1800" b="1">
+              <a:rPr sz="1800" b="1" dirty="0">
                 <a:solidFill>
                   <a:srgbClr val="FFFFFF"/>
                 </a:solidFill>
@@ -7699,7 +7726,7 @@
               <a:t>Clusters of Metro</a:t>
             </a:r>
             <a:r>
-              <a:rPr dirty="0" sz="1800" spc="-95" b="1">
+              <a:rPr sz="1800" b="1" spc="-95" dirty="0">
                 <a:solidFill>
                   <a:srgbClr val="FFFFFF"/>
                 </a:solidFill>
@@ -7709,7 +7736,7 @@
               <a:t> </a:t>
             </a:r>
             <a:r>
-              <a:rPr dirty="0" sz="1800" b="1">
+              <a:rPr sz="1800" b="1" dirty="0">
                 <a:solidFill>
                   <a:srgbClr val="FFFFFF"/>
                 </a:solidFill>
@@ -7741,12 +7768,12 @@
           </a:prstGeom>
         </p:spPr>
         <p:txBody>
-          <a:bodyPr wrap="square" lIns="0" tIns="12700" rIns="0" bIns="0" rtlCol="0" vert="horz">
+          <a:bodyPr vert="horz" wrap="square" lIns="0" tIns="12700" rIns="0" bIns="0" rtlCol="0">
             <a:spAutoFit/>
           </a:bodyPr>
           <a:lstStyle/>
           <a:p>
-            <a:pPr algn="just" marL="12700" marR="5080">
+            <a:pPr marL="12700" marR="5080" algn="just">
               <a:lnSpc>
                 <a:spcPct val="100000"/>
               </a:lnSpc>
@@ -7755,7 +7782,7 @@
               </a:spcBef>
             </a:pPr>
             <a:r>
-              <a:rPr dirty="0" sz="2400" spc="-5">
+              <a:rPr sz="2400" spc="-5" dirty="0">
                 <a:solidFill>
                   <a:srgbClr val="FFFFFF"/>
                 </a:solidFill>
@@ -7765,7 +7792,7 @@
               <a:t>After executing </a:t>
             </a:r>
             <a:r>
-              <a:rPr dirty="0" sz="2400" spc="-10">
+              <a:rPr sz="2400" spc="-10" dirty="0">
                 <a:solidFill>
                   <a:srgbClr val="FFFFFF"/>
                 </a:solidFill>
@@ -7775,7 +7802,7 @@
               <a:t>the </a:t>
             </a:r>
             <a:r>
-              <a:rPr dirty="0" sz="2400" spc="-5">
+              <a:rPr sz="2400" spc="-5" dirty="0">
                 <a:solidFill>
                   <a:srgbClr val="FFFFFF"/>
                 </a:solidFill>
@@ -7785,7 +7812,7 @@
               <a:t>K-Means  </a:t>
             </a:r>
             <a:r>
-              <a:rPr dirty="0" sz="2400">
+              <a:rPr sz="2400" dirty="0">
                 <a:solidFill>
                   <a:srgbClr val="FFFFFF"/>
                 </a:solidFill>
@@ -7795,7 +7822,7 @@
               <a:t>clustering </a:t>
             </a:r>
             <a:r>
-              <a:rPr dirty="0" sz="2400" spc="-5">
+              <a:rPr sz="2400" spc="-5" dirty="0">
                 <a:solidFill>
                   <a:srgbClr val="FFFFFF"/>
                 </a:solidFill>
@@ -7805,7 +7832,7 @@
               <a:t>algorithm three clusters  of </a:t>
             </a:r>
             <a:r>
-              <a:rPr dirty="0" sz="2400">
+              <a:rPr sz="2400" dirty="0">
                 <a:solidFill>
                   <a:srgbClr val="FFFFFF"/>
                 </a:solidFill>
@@ -7815,7 +7842,7 @@
               <a:t>Metro </a:t>
             </a:r>
             <a:r>
-              <a:rPr dirty="0" sz="2400" spc="-5">
+              <a:rPr sz="2400" spc="-5" dirty="0">
                 <a:solidFill>
                   <a:srgbClr val="FFFFFF"/>
                 </a:solidFill>
@@ -7825,7 +7852,7 @@
               <a:t>stations were created,  identified </a:t>
             </a:r>
             <a:r>
-              <a:rPr dirty="0" sz="2400">
+              <a:rPr sz="2400" dirty="0">
                 <a:solidFill>
                   <a:srgbClr val="FFFFFF"/>
                 </a:solidFill>
@@ -7835,7 +7862,7 @@
               <a:t>by </a:t>
             </a:r>
             <a:r>
-              <a:rPr dirty="0" sz="2400" spc="-5">
+              <a:rPr sz="2400" spc="-5" dirty="0">
                 <a:solidFill>
                   <a:srgbClr val="FFFFFF"/>
                 </a:solidFill>
@@ -7845,7 +7872,7 @@
               <a:t>their respective </a:t>
             </a:r>
             <a:r>
-              <a:rPr dirty="0" sz="2400">
+              <a:rPr sz="2400" dirty="0">
                 <a:solidFill>
                   <a:srgbClr val="FFFFFF"/>
                 </a:solidFill>
@@ -7855,7 +7882,7 @@
               <a:t>colors  </a:t>
             </a:r>
             <a:r>
-              <a:rPr dirty="0" sz="2400" spc="-5">
+              <a:rPr sz="2400" spc="-5" dirty="0">
                 <a:solidFill>
                   <a:srgbClr val="FFFFFF"/>
                 </a:solidFill>
@@ -7865,7 +7892,7 @@
               <a:t>on the following </a:t>
             </a:r>
             <a:r>
-              <a:rPr dirty="0" sz="2400" spc="-10">
+              <a:rPr sz="2400" spc="-10" dirty="0">
                 <a:solidFill>
                   <a:srgbClr val="FFFFFF"/>
                 </a:solidFill>
@@ -7897,7 +7924,7 @@
           </a:prstGeom>
         </p:spPr>
         <p:txBody>
-          <a:bodyPr wrap="square" lIns="0" tIns="12700" rIns="0" bIns="0" rtlCol="0" vert="horz">
+          <a:bodyPr vert="horz" wrap="square" lIns="0" tIns="12700" rIns="0" bIns="0" rtlCol="0">
             <a:spAutoFit/>
           </a:bodyPr>
           <a:lstStyle/>
@@ -7915,7 +7942,7 @@
               </a:tabLst>
             </a:pPr>
             <a:r>
-              <a:rPr dirty="0" sz="2400">
+              <a:rPr sz="2400" dirty="0">
                 <a:solidFill>
                   <a:srgbClr val="FFFFFF"/>
                 </a:solidFill>
@@ -7925,7 +7952,7 @@
               <a:t>A	gr</a:t>
             </a:r>
             <a:r>
-              <a:rPr dirty="0" sz="2400" spc="-10">
+              <a:rPr sz="2400" spc="-10" dirty="0">
                 <a:solidFill>
                   <a:srgbClr val="FFFFFF"/>
                 </a:solidFill>
@@ -7935,7 +7962,7 @@
               <a:t>a</a:t>
             </a:r>
             <a:r>
-              <a:rPr dirty="0" sz="2400">
+              <a:rPr sz="2400" dirty="0">
                 <a:solidFill>
                   <a:srgbClr val="FFFFFF"/>
                 </a:solidFill>
@@ -7945,7 +7972,7 @@
               <a:t>ph	</a:t>
             </a:r>
             <a:r>
-              <a:rPr dirty="0" sz="2400" spc="-5">
+              <a:rPr sz="2400" spc="-5" dirty="0">
                 <a:solidFill>
                   <a:srgbClr val="FFFFFF"/>
                 </a:solidFill>
@@ -7977,7 +8004,7 @@
           </a:prstGeom>
         </p:spPr>
         <p:txBody>
-          <a:bodyPr wrap="square" lIns="0" tIns="12700" rIns="0" bIns="0" rtlCol="0" vert="horz">
+          <a:bodyPr vert="horz" wrap="square" lIns="0" tIns="12700" rIns="0" bIns="0" rtlCol="0">
             <a:spAutoFit/>
           </a:bodyPr>
           <a:lstStyle/>
@@ -7995,7 +8022,7 @@
               </a:tabLst>
             </a:pPr>
             <a:r>
-              <a:rPr dirty="0" sz="2400" spc="-5">
+              <a:rPr sz="2400" spc="-5" dirty="0">
                 <a:solidFill>
                   <a:srgbClr val="FFFFFF"/>
                 </a:solidFill>
@@ -8005,7 +8032,7 @@
               <a:t>t</a:t>
             </a:r>
             <a:r>
-              <a:rPr dirty="0" sz="2400" spc="-15">
+              <a:rPr sz="2400" spc="-15" dirty="0">
                 <a:solidFill>
                   <a:srgbClr val="FFFFFF"/>
                 </a:solidFill>
@@ -8015,7 +8042,7 @@
               <a:t>h</a:t>
             </a:r>
             <a:r>
-              <a:rPr dirty="0" sz="2400">
+              <a:rPr sz="2400" dirty="0">
                 <a:solidFill>
                   <a:srgbClr val="FFFFFF"/>
                 </a:solidFill>
@@ -8025,7 +8052,7 @@
               <a:t>e	</a:t>
             </a:r>
             <a:r>
-              <a:rPr dirty="0" sz="2400" spc="-5">
+              <a:rPr sz="2400" spc="-5" dirty="0">
                 <a:solidFill>
                   <a:srgbClr val="FFFFFF"/>
                 </a:solidFill>
@@ -8035,7 +8062,7 @@
               <a:t>di</a:t>
             </a:r>
             <a:r>
-              <a:rPr dirty="0" sz="2400" spc="-15">
+              <a:rPr sz="2400" spc="-15" dirty="0">
                 <a:solidFill>
                   <a:srgbClr val="FFFFFF"/>
                 </a:solidFill>
@@ -8045,7 +8072,7 @@
               <a:t>s</a:t>
             </a:r>
             <a:r>
-              <a:rPr dirty="0" sz="2400" spc="-5">
+              <a:rPr sz="2400" spc="-5" dirty="0">
                 <a:solidFill>
                   <a:srgbClr val="FFFFFF"/>
                 </a:solidFill>
@@ -8055,7 +8082,7 @@
               <a:t>tributio</a:t>
             </a:r>
             <a:r>
-              <a:rPr dirty="0" sz="2400">
+              <a:rPr sz="2400" dirty="0">
                 <a:solidFill>
                   <a:srgbClr val="FFFFFF"/>
                 </a:solidFill>
@@ -8065,7 +8092,7 @@
               <a:t>n	</a:t>
             </a:r>
             <a:r>
-              <a:rPr dirty="0" sz="2400" spc="-5">
+              <a:rPr sz="2400" spc="-5" dirty="0">
                 <a:solidFill>
                   <a:srgbClr val="FFFFFF"/>
                 </a:solidFill>
@@ -8097,7 +8124,7 @@
           </a:prstGeom>
         </p:spPr>
         <p:txBody>
-          <a:bodyPr wrap="square" lIns="0" tIns="12700" rIns="0" bIns="0" rtlCol="0" vert="horz">
+          <a:bodyPr vert="horz" wrap="square" lIns="0" tIns="12700" rIns="0" bIns="0" rtlCol="0">
             <a:spAutoFit/>
           </a:bodyPr>
           <a:lstStyle/>
@@ -8117,7 +8144,7 @@
               </a:tabLst>
             </a:pPr>
             <a:r>
-              <a:rPr dirty="0" sz="2400">
+              <a:rPr sz="2400" dirty="0">
                 <a:solidFill>
                   <a:srgbClr val="FFFFFF"/>
                 </a:solidFill>
@@ -8127,7 +8154,7 @@
               <a:t>clusters	and	</a:t>
             </a:r>
             <a:r>
-              <a:rPr dirty="0" sz="2400" spc="-5">
+              <a:rPr sz="2400" spc="-5" dirty="0">
                 <a:solidFill>
                   <a:srgbClr val="FFFFFF"/>
                 </a:solidFill>
@@ -8137,7 +8164,7 @@
               <a:t>thei</a:t>
             </a:r>
             <a:r>
-              <a:rPr dirty="0" sz="2400">
+              <a:rPr sz="2400" dirty="0">
                 <a:solidFill>
                   <a:srgbClr val="FFFFFF"/>
                 </a:solidFill>
@@ -8147,7 +8174,7 @@
               <a:t>r	</a:t>
             </a:r>
             <a:r>
-              <a:rPr dirty="0" sz="2400" spc="-5">
+              <a:rPr sz="2400" spc="-5" dirty="0">
                 <a:solidFill>
                   <a:srgbClr val="FFFFFF"/>
                 </a:solidFill>
@@ -8157,7 +8184,7 @@
               <a:t>fi</a:t>
             </a:r>
             <a:r>
-              <a:rPr dirty="0" sz="2400" spc="5">
+              <a:rPr sz="2400" spc="5" dirty="0">
                 <a:solidFill>
                   <a:srgbClr val="FFFFFF"/>
                 </a:solidFill>
@@ -8167,7 +8194,7 @@
               <a:t>n</a:t>
             </a:r>
             <a:r>
-              <a:rPr dirty="0" sz="2400">
+              <a:rPr sz="2400" dirty="0">
                 <a:solidFill>
                   <a:srgbClr val="FFFFFF"/>
                 </a:solidFill>
@@ -8177,7 +8204,7 @@
               <a:t>al	c</a:t>
             </a:r>
             <a:r>
-              <a:rPr dirty="0" sz="2400" spc="5">
+              <a:rPr sz="2400" spc="5" dirty="0">
                 <a:solidFill>
                   <a:srgbClr val="FFFFFF"/>
                 </a:solidFill>
@@ -8187,7 +8214,7 @@
               <a:t>e</a:t>
             </a:r>
             <a:r>
-              <a:rPr dirty="0" sz="2400" spc="-5">
+              <a:rPr sz="2400" spc="-5" dirty="0">
                 <a:solidFill>
                   <a:srgbClr val="FFFFFF"/>
                 </a:solidFill>
@@ -8197,7 +8224,7 @@
               <a:t>ntroids  (center </a:t>
             </a:r>
             <a:r>
-              <a:rPr dirty="0" sz="2400">
+              <a:rPr sz="2400" dirty="0">
                 <a:solidFill>
                   <a:srgbClr val="FFFFFF"/>
                 </a:solidFill>
@@ -8207,7 +8234,7 @@
               <a:t>points) </a:t>
             </a:r>
             <a:r>
-              <a:rPr dirty="0" sz="2400" spc="-5">
+              <a:rPr sz="2400" spc="-5" dirty="0">
                 <a:solidFill>
                   <a:srgbClr val="FFFFFF"/>
                 </a:solidFill>
@@ -8217,7 +8244,7 @@
               <a:t>in black is </a:t>
             </a:r>
             <a:r>
-              <a:rPr dirty="0" sz="2400">
+              <a:rPr sz="2400" dirty="0">
                 <a:solidFill>
                   <a:srgbClr val="FFFFFF"/>
                 </a:solidFill>
@@ -8227,7 +8254,7 @@
               <a:t>shown</a:t>
             </a:r>
             <a:r>
-              <a:rPr dirty="0" sz="2400" spc="-75">
+              <a:rPr sz="2400" spc="-75" dirty="0">
                 <a:solidFill>
                   <a:srgbClr val="FFFFFF"/>
                 </a:solidFill>
@@ -8237,7 +8264,7 @@
               <a:t> </a:t>
             </a:r>
             <a:r>
-              <a:rPr dirty="0" sz="2400">
+              <a:rPr sz="2400" dirty="0">
                 <a:solidFill>
                   <a:srgbClr val="FFFFFF"/>
                 </a:solidFill>
@@ -8277,7 +8304,9 @@
         <p:txBody>
           <a:bodyPr wrap="square" lIns="0" tIns="0" rIns="0" bIns="0" rtlCol="0"/>
           <a:lstStyle/>
-          <a:p/>
+          <a:p>
+            <a:endParaRPr/>
+          </a:p>
         </p:txBody>
       </p:sp>
     </p:spTree>
@@ -8320,10 +8349,12 @@
             <a:off x="2678683" y="291210"/>
             <a:ext cx="6160135" cy="756920"/>
           </a:xfrm>
-          <a:prstGeom prst="rect"/>
+          <a:prstGeom prst="rect">
+            <a:avLst/>
+          </a:prstGeom>
         </p:spPr>
         <p:txBody>
-          <a:bodyPr wrap="square" lIns="0" tIns="12700" rIns="0" bIns="0" rtlCol="0" vert="horz">
+          <a:bodyPr vert="horz" wrap="square" lIns="0" tIns="12700" rIns="0" bIns="0" rtlCol="0">
             <a:spAutoFit/>
           </a:bodyPr>
           <a:lstStyle/>
@@ -8337,21 +8368,21 @@
               </a:spcBef>
             </a:pPr>
             <a:r>
-              <a:rPr dirty="0" spc="-5" b="1">
+              <a:rPr b="1" spc="-5" dirty="0">
                 <a:latin typeface="Comic Sans MS"/>
                 <a:cs typeface="Comic Sans MS"/>
               </a:rPr>
               <a:t>RESULT (CONTD..</a:t>
             </a:r>
             <a:r>
-              <a:rPr dirty="0" spc="-35" b="1">
+              <a:rPr b="1" spc="-35" dirty="0">
                 <a:latin typeface="Comic Sans MS"/>
                 <a:cs typeface="Comic Sans MS"/>
               </a:rPr>
               <a:t> </a:t>
             </a:r>
             <a:r>
-              <a:rPr dirty="0" b="1">
+              <a:rPr b="1" dirty="0">
                 <a:latin typeface="Comic Sans MS"/>
                 <a:cs typeface="Comic Sans MS"/>
               </a:rPr>
@@ -8376,12 +8407,12 @@
           </a:prstGeom>
         </p:spPr>
         <p:txBody>
-          <a:bodyPr wrap="square" lIns="0" tIns="13335" rIns="0" bIns="0" rtlCol="0" vert="horz">
+          <a:bodyPr vert="horz" wrap="square" lIns="0" tIns="13335" rIns="0" bIns="0" rtlCol="0">
             <a:spAutoFit/>
           </a:bodyPr>
           <a:lstStyle/>
           <a:p>
-            <a:pPr algn="just" marL="299085" marR="4545330" indent="-287020">
+            <a:pPr marL="299085" marR="4545330" indent="-287020" algn="just">
               <a:lnSpc>
                 <a:spcPct val="100000"/>
               </a:lnSpc>
@@ -8395,7 +8426,7 @@
               </a:tabLst>
             </a:pPr>
             <a:r>
-              <a:rPr dirty="0" sz="1700" spc="-5" b="1">
+              <a:rPr sz="1700" b="1" spc="-5" dirty="0">
                 <a:solidFill>
                   <a:srgbClr val="FFFFFF"/>
                 </a:solidFill>
@@ -8405,7 +8436,7 @@
               <a:t>Cluster </a:t>
             </a:r>
             <a:r>
-              <a:rPr dirty="0" sz="1700" b="1">
+              <a:rPr sz="1700" b="1" dirty="0">
                 <a:solidFill>
                   <a:srgbClr val="FFFFFF"/>
                 </a:solidFill>
@@ -8415,7 +8446,7 @@
               <a:t>1 </a:t>
             </a:r>
             <a:r>
-              <a:rPr dirty="0" sz="1700" spc="-5" b="1">
+              <a:rPr sz="1700" b="1" spc="-5" dirty="0">
                 <a:solidFill>
                   <a:srgbClr val="FFFFFF"/>
                 </a:solidFill>
@@ -8425,7 +8456,7 @@
               <a:t>[Cluster </a:t>
             </a:r>
             <a:r>
-              <a:rPr dirty="0" sz="1700" b="1">
+              <a:rPr sz="1700" b="1" dirty="0">
                 <a:solidFill>
                   <a:srgbClr val="FFFFFF"/>
                 </a:solidFill>
@@ -8435,7 +8466,7 @@
               <a:t>Label 0] </a:t>
             </a:r>
             <a:r>
-              <a:rPr dirty="0" sz="1700" spc="-5" b="1">
+              <a:rPr sz="1700" b="1" spc="-5" dirty="0">
                 <a:solidFill>
                   <a:srgbClr val="FFFFFF"/>
                 </a:solidFill>
@@ -8445,7 +8476,7 @@
               <a:t>(Green </a:t>
             </a:r>
             <a:r>
-              <a:rPr dirty="0" sz="1700" b="1">
+              <a:rPr sz="1700" b="1" dirty="0">
                 <a:solidFill>
                   <a:srgbClr val="FFFFFF"/>
                 </a:solidFill>
@@ -8455,7 +8486,7 @@
               <a:t>color on </a:t>
             </a:r>
             <a:r>
-              <a:rPr dirty="0" sz="1700" spc="-5" b="1">
+              <a:rPr sz="1700" b="1" spc="-5" dirty="0">
                 <a:solidFill>
                   <a:srgbClr val="FFFFFF"/>
                 </a:solidFill>
@@ -8465,7 +8496,7 @@
               <a:t>the  </a:t>
             </a:r>
             <a:r>
-              <a:rPr dirty="0" sz="1700" b="1">
+              <a:rPr sz="1700" b="1" dirty="0">
                 <a:solidFill>
                   <a:srgbClr val="FFFFFF"/>
                 </a:solidFill>
@@ -8480,13 +8511,13 @@
             </a:endParaRPr>
           </a:p>
           <a:p>
-            <a:pPr algn="just" marL="12700" marR="4547870" indent="457200">
+            <a:pPr marL="12700" marR="4547870" indent="457200" algn="just">
               <a:lnSpc>
                 <a:spcPct val="100000"/>
               </a:lnSpc>
             </a:pPr>
             <a:r>
-              <a:rPr dirty="0" sz="1700">
+              <a:rPr sz="1700" dirty="0">
                 <a:solidFill>
                   <a:srgbClr val="FFFFFF"/>
                 </a:solidFill>
@@ -8496,7 +8527,7 @@
               <a:t>There are already many existing </a:t>
             </a:r>
             <a:r>
-              <a:rPr dirty="0" sz="1700" spc="-5">
+              <a:rPr sz="1700" spc="-5" dirty="0">
                 <a:solidFill>
                   <a:srgbClr val="FFFFFF"/>
                 </a:solidFill>
@@ -8506,7 +8537,7 @@
               <a:t>gyms </a:t>
             </a:r>
             <a:r>
-              <a:rPr dirty="0" sz="1700">
+              <a:rPr sz="1700" dirty="0">
                 <a:solidFill>
                   <a:srgbClr val="FFFFFF"/>
                 </a:solidFill>
@@ -8516,7 +8547,7 @@
               <a:t>in the area  and </a:t>
             </a:r>
             <a:r>
-              <a:rPr dirty="0" sz="1700" spc="-5">
+              <a:rPr sz="1700" spc="-5" dirty="0">
                 <a:solidFill>
                   <a:srgbClr val="FFFFFF"/>
                 </a:solidFill>
@@ -8526,7 +8557,7 @@
               <a:t>the </a:t>
             </a:r>
             <a:r>
-              <a:rPr dirty="0" sz="1700">
+              <a:rPr sz="1700" dirty="0">
                 <a:solidFill>
                   <a:srgbClr val="FFFFFF"/>
                 </a:solidFill>
@@ -8536,7 +8567,7 @@
               <a:t>nearest gym is in most cases in a </a:t>
             </a:r>
             <a:r>
-              <a:rPr dirty="0" sz="1700" spc="-5">
+              <a:rPr sz="1700" spc="-5" dirty="0">
                 <a:solidFill>
                   <a:srgbClr val="FFFFFF"/>
                 </a:solidFill>
@@ -8546,7 +8577,7 @@
               <a:t>relatively  </a:t>
             </a:r>
             <a:r>
-              <a:rPr dirty="0" sz="1700">
+              <a:rPr sz="1700" dirty="0">
                 <a:solidFill>
                   <a:srgbClr val="FFFFFF"/>
                 </a:solidFill>
@@ -8556,7 +8587,7 @@
               <a:t>short </a:t>
             </a:r>
             <a:r>
-              <a:rPr dirty="0" sz="1700" spc="-5">
+              <a:rPr sz="1700" spc="-5" dirty="0">
                 <a:solidFill>
                   <a:srgbClr val="FFFFFF"/>
                 </a:solidFill>
@@ -8566,7 +8597,7 @@
               <a:t>distance from the</a:t>
             </a:r>
             <a:r>
-              <a:rPr dirty="0" sz="1700" spc="10">
+              <a:rPr sz="1700" spc="10" dirty="0">
                 <a:solidFill>
                   <a:srgbClr val="FFFFFF"/>
                 </a:solidFill>
@@ -8576,7 +8607,7 @@
               <a:t> </a:t>
             </a:r>
             <a:r>
-              <a:rPr dirty="0" sz="1700">
+              <a:rPr sz="1700" dirty="0">
                 <a:solidFill>
                   <a:srgbClr val="FFFFFF"/>
                 </a:solidFill>
@@ -8591,7 +8622,7 @@
             </a:endParaRPr>
           </a:p>
           <a:p>
-            <a:pPr algn="just" marL="299085" marR="4546600" indent="-287020">
+            <a:pPr marL="299085" marR="4546600" indent="-287020" algn="just">
               <a:lnSpc>
                 <a:spcPct val="100000"/>
               </a:lnSpc>
@@ -8605,7 +8636,7 @@
               </a:tabLst>
             </a:pPr>
             <a:r>
-              <a:rPr dirty="0" sz="1700" spc="-5" b="1">
+              <a:rPr sz="1700" b="1" spc="-5" dirty="0">
                 <a:solidFill>
                   <a:srgbClr val="FFFFFF"/>
                 </a:solidFill>
@@ -8615,7 +8646,7 @@
               <a:t>Cluster </a:t>
             </a:r>
             <a:r>
-              <a:rPr dirty="0" sz="1700" b="1">
+              <a:rPr sz="1700" b="1" dirty="0">
                 <a:solidFill>
                   <a:srgbClr val="FFFFFF"/>
                 </a:solidFill>
@@ -8625,7 +8656,7 @@
               <a:t>2 </a:t>
             </a:r>
             <a:r>
-              <a:rPr dirty="0" sz="1700" spc="-5" b="1">
+              <a:rPr sz="1700" b="1" spc="-5" dirty="0">
                 <a:solidFill>
                   <a:srgbClr val="FFFFFF"/>
                 </a:solidFill>
@@ -8635,7 +8666,7 @@
               <a:t>[Cluster </a:t>
             </a:r>
             <a:r>
-              <a:rPr dirty="0" sz="1700" b="1">
+              <a:rPr sz="1700" b="1" dirty="0">
                 <a:solidFill>
                   <a:srgbClr val="FFFFFF"/>
                 </a:solidFill>
@@ -8645,7 +8676,7 @@
               <a:t>Label 1] </a:t>
             </a:r>
             <a:r>
-              <a:rPr dirty="0" sz="1700" spc="-5" b="1">
+              <a:rPr sz="1700" b="1" spc="-5" dirty="0">
                 <a:solidFill>
                   <a:srgbClr val="FFFFFF"/>
                 </a:solidFill>
@@ -8655,7 +8686,7 @@
               <a:t>(Red </a:t>
             </a:r>
             <a:r>
-              <a:rPr dirty="0" sz="1700" b="1">
+              <a:rPr sz="1700" b="1" dirty="0">
                 <a:solidFill>
                   <a:srgbClr val="FFFFFF"/>
                 </a:solidFill>
@@ -8665,7 +8696,7 @@
               <a:t>color on </a:t>
             </a:r>
             <a:r>
-              <a:rPr dirty="0" sz="1700" spc="-5" b="1">
+              <a:rPr sz="1700" b="1" spc="-5" dirty="0">
                 <a:solidFill>
                   <a:srgbClr val="FFFFFF"/>
                 </a:solidFill>
@@ -8675,7 +8706,7 @@
               <a:t>the  </a:t>
             </a:r>
             <a:r>
-              <a:rPr dirty="0" sz="1700" b="1">
+              <a:rPr sz="1700" b="1" dirty="0">
                 <a:solidFill>
                   <a:srgbClr val="FFFFFF"/>
                 </a:solidFill>
@@ -8690,13 +8721,13 @@
             </a:endParaRPr>
           </a:p>
           <a:p>
-            <a:pPr algn="just" marL="12700" marR="4545965" indent="457200">
+            <a:pPr marL="12700" marR="4545965" indent="457200" algn="just">
               <a:lnSpc>
                 <a:spcPct val="100000"/>
               </a:lnSpc>
             </a:pPr>
             <a:r>
-              <a:rPr dirty="0" sz="1700">
+              <a:rPr sz="1700" dirty="0">
                 <a:solidFill>
                   <a:srgbClr val="FFFFFF"/>
                 </a:solidFill>
@@ -8706,7 +8737,7 @@
               <a:t>There are </a:t>
             </a:r>
             <a:r>
-              <a:rPr dirty="0" sz="1700" spc="-5">
+              <a:rPr sz="1700" spc="-5" dirty="0">
                 <a:solidFill>
                   <a:srgbClr val="FFFFFF"/>
                 </a:solidFill>
@@ -8716,7 +8747,7 @@
               <a:t>not </a:t>
             </a:r>
             <a:r>
-              <a:rPr dirty="0" sz="1700">
+              <a:rPr sz="1700" dirty="0">
                 <a:solidFill>
                   <a:srgbClr val="FFFFFF"/>
                 </a:solidFill>
@@ -8726,7 +8757,7 @@
               <a:t>many already </a:t>
             </a:r>
             <a:r>
-              <a:rPr dirty="0" sz="1700" spc="-5">
+              <a:rPr sz="1700" spc="-5" dirty="0">
                 <a:solidFill>
                   <a:srgbClr val="FFFFFF"/>
                 </a:solidFill>
@@ -8736,7 +8767,7 @@
               <a:t>existing gyms </a:t>
             </a:r>
             <a:r>
-              <a:rPr dirty="0" sz="1700">
+              <a:rPr sz="1700" dirty="0">
                 <a:solidFill>
                   <a:srgbClr val="FFFFFF"/>
                 </a:solidFill>
@@ -8746,7 +8777,7 @@
               <a:t>in </a:t>
             </a:r>
             <a:r>
-              <a:rPr dirty="0" sz="1700" spc="-5">
+              <a:rPr sz="1700" spc="-5" dirty="0">
                 <a:solidFill>
                   <a:srgbClr val="FFFFFF"/>
                 </a:solidFill>
@@ -8756,7 +8787,7 @@
               <a:t>the  </a:t>
             </a:r>
             <a:r>
-              <a:rPr dirty="0" sz="1700">
+              <a:rPr sz="1700" dirty="0">
                 <a:solidFill>
                   <a:srgbClr val="FFFFFF"/>
                 </a:solidFill>
@@ -8766,7 +8797,7 @@
               <a:t>area and the nearest gym is </a:t>
             </a:r>
             <a:r>
-              <a:rPr dirty="0" sz="1700" spc="-5">
+              <a:rPr sz="1700" spc="-5" dirty="0">
                 <a:solidFill>
                   <a:srgbClr val="FFFFFF"/>
                 </a:solidFill>
@@ -8776,7 +8807,7 @@
               <a:t>in </a:t>
             </a:r>
             <a:r>
-              <a:rPr dirty="0" sz="1700">
+              <a:rPr sz="1700" dirty="0">
                 <a:solidFill>
                   <a:srgbClr val="FFFFFF"/>
                 </a:solidFill>
@@ -8786,7 +8817,7 @@
               <a:t>most cases </a:t>
             </a:r>
             <a:r>
-              <a:rPr dirty="0" sz="1700" spc="-5">
+              <a:rPr sz="1700" spc="-5" dirty="0">
                 <a:solidFill>
                   <a:srgbClr val="FFFFFF"/>
                 </a:solidFill>
@@ -8796,7 +8827,7 @@
               <a:t>relatively not  </a:t>
             </a:r>
             <a:r>
-              <a:rPr dirty="0" sz="1700">
+              <a:rPr sz="1700" dirty="0">
                 <a:solidFill>
                   <a:srgbClr val="FFFFFF"/>
                 </a:solidFill>
@@ -8806,7 +8837,7 @@
               <a:t>in a short </a:t>
             </a:r>
             <a:r>
-              <a:rPr dirty="0" sz="1700" spc="-5">
+              <a:rPr sz="1700" spc="-5" dirty="0">
                 <a:solidFill>
                   <a:srgbClr val="FFFFFF"/>
                 </a:solidFill>
@@ -8816,7 +8847,7 @@
               <a:t>distance </a:t>
             </a:r>
             <a:r>
-              <a:rPr dirty="0" sz="1700">
+              <a:rPr sz="1700" dirty="0">
                 <a:solidFill>
                   <a:srgbClr val="FFFFFF"/>
                 </a:solidFill>
@@ -8826,7 +8857,7 @@
               <a:t>to </a:t>
             </a:r>
             <a:r>
-              <a:rPr dirty="0" sz="1700" spc="-5">
+              <a:rPr sz="1700" spc="-5" dirty="0">
                 <a:solidFill>
                   <a:srgbClr val="FFFFFF"/>
                 </a:solidFill>
@@ -8836,7 +8867,7 @@
               <a:t>the </a:t>
             </a:r>
             <a:r>
-              <a:rPr dirty="0" sz="1700">
+              <a:rPr sz="1700" dirty="0">
                 <a:solidFill>
                   <a:srgbClr val="FFFFFF"/>
                 </a:solidFill>
@@ -8846,7 +8877,7 @@
               <a:t>metro</a:t>
             </a:r>
             <a:r>
-              <a:rPr dirty="0" sz="1700" spc="10">
+              <a:rPr sz="1700" spc="10" dirty="0">
                 <a:solidFill>
                   <a:srgbClr val="FFFFFF"/>
                 </a:solidFill>
@@ -8856,7 +8887,7 @@
               <a:t> </a:t>
             </a:r>
             <a:r>
-              <a:rPr dirty="0" sz="1700">
+              <a:rPr sz="1700" dirty="0">
                 <a:solidFill>
                   <a:srgbClr val="FFFFFF"/>
                 </a:solidFill>
@@ -8871,7 +8902,7 @@
             </a:endParaRPr>
           </a:p>
           <a:p>
-            <a:pPr algn="just" marL="12700">
+            <a:pPr marL="12700" algn="just">
               <a:lnSpc>
                 <a:spcPct val="100000"/>
               </a:lnSpc>
@@ -8880,7 +8911,7 @@
               </a:spcBef>
             </a:pPr>
             <a:r>
-              <a:rPr dirty="0" sz="1700" b="1">
+              <a:rPr sz="1700" b="1" dirty="0">
                 <a:solidFill>
                   <a:srgbClr val="FFFFFF"/>
                 </a:solidFill>
@@ -8890,7 +8921,7 @@
               <a:t>Cluster 3 </a:t>
             </a:r>
             <a:r>
-              <a:rPr dirty="0" sz="1700" spc="-5" b="1">
+              <a:rPr sz="1700" b="1" spc="-5" dirty="0">
                 <a:solidFill>
                   <a:srgbClr val="FFFFFF"/>
                 </a:solidFill>
@@ -8900,7 +8931,7 @@
               <a:t>[Cluster </a:t>
             </a:r>
             <a:r>
-              <a:rPr dirty="0" sz="1700" b="1">
+              <a:rPr sz="1700" b="1" dirty="0">
                 <a:solidFill>
                   <a:srgbClr val="FFFFFF"/>
                 </a:solidFill>
@@ -8910,7 +8941,7 @@
               <a:t>Label 2] (Blue color on </a:t>
             </a:r>
             <a:r>
-              <a:rPr dirty="0" sz="1700" spc="-5" b="1">
+              <a:rPr sz="1700" b="1" spc="-5" dirty="0">
                 <a:solidFill>
                   <a:srgbClr val="FFFFFF"/>
                 </a:solidFill>
@@ -8920,7 +8951,7 @@
               <a:t>the</a:t>
             </a:r>
             <a:r>
-              <a:rPr dirty="0" sz="1700" spc="-90" b="1">
+              <a:rPr sz="1700" b="1" spc="-90" dirty="0">
                 <a:solidFill>
                   <a:srgbClr val="FFFFFF"/>
                 </a:solidFill>
@@ -8930,7 +8961,7 @@
               <a:t> </a:t>
             </a:r>
             <a:r>
-              <a:rPr dirty="0" sz="1700" b="1">
+              <a:rPr sz="1700" b="1" dirty="0">
                 <a:solidFill>
                   <a:srgbClr val="FFFFFF"/>
                 </a:solidFill>
@@ -8945,13 +8976,13 @@
             </a:endParaRPr>
           </a:p>
           <a:p>
-            <a:pPr algn="just" marL="12700" marR="4547870" indent="457200">
+            <a:pPr marL="12700" marR="4547870" indent="457200" algn="just">
               <a:lnSpc>
                 <a:spcPct val="100000"/>
               </a:lnSpc>
             </a:pPr>
             <a:r>
-              <a:rPr dirty="0" sz="1700" spc="-5">
+              <a:rPr sz="1700" spc="-5" dirty="0">
                 <a:solidFill>
                   <a:srgbClr val="FFFFFF"/>
                 </a:solidFill>
@@ -8961,7 +8992,7 @@
               <a:t>Although not </a:t>
             </a:r>
             <a:r>
-              <a:rPr dirty="0" sz="1700">
+              <a:rPr sz="1700" dirty="0">
                 <a:solidFill>
                   <a:srgbClr val="FFFFFF"/>
                 </a:solidFill>
@@ -8971,7 +9002,7 @@
               <a:t>a prohibitive metro station to open a  gym in </a:t>
             </a:r>
             <a:r>
-              <a:rPr dirty="0" sz="1700" spc="-5">
+              <a:rPr sz="1700" spc="-5" dirty="0">
                 <a:solidFill>
                   <a:srgbClr val="FFFFFF"/>
                 </a:solidFill>
@@ -8981,7 +9012,7 @@
               <a:t>its vicinity, there </a:t>
             </a:r>
             <a:r>
-              <a:rPr dirty="0" sz="1700">
+              <a:rPr sz="1700" dirty="0">
                 <a:solidFill>
                   <a:srgbClr val="FFFFFF"/>
                 </a:solidFill>
@@ -8991,7 +9022,7 @@
               <a:t>is already a </a:t>
             </a:r>
             <a:r>
-              <a:rPr dirty="0" sz="1700" spc="-5">
+              <a:rPr sz="1700" spc="-5" dirty="0">
                 <a:solidFill>
                   <a:srgbClr val="FFFFFF"/>
                 </a:solidFill>
@@ -9001,7 +9032,7 @@
               <a:t>fair number </a:t>
             </a:r>
             <a:r>
-              <a:rPr dirty="0" sz="1700">
+              <a:rPr sz="1700" dirty="0">
                 <a:solidFill>
                   <a:srgbClr val="FFFFFF"/>
                 </a:solidFill>
@@ -9011,7 +9042,7 @@
               <a:t>of  </a:t>
             </a:r>
             <a:r>
-              <a:rPr dirty="0" sz="1700" spc="-5">
+              <a:rPr sz="1700" spc="-5" dirty="0">
                 <a:solidFill>
                   <a:srgbClr val="FFFFFF"/>
                 </a:solidFill>
@@ -9021,7 +9052,7 @@
               <a:t>gyms </a:t>
             </a:r>
             <a:r>
-              <a:rPr dirty="0" sz="1700">
+              <a:rPr sz="1700" dirty="0">
                 <a:solidFill>
                   <a:srgbClr val="FFFFFF"/>
                 </a:solidFill>
@@ -9031,7 +9062,7 @@
               <a:t>in the area and </a:t>
             </a:r>
             <a:r>
-              <a:rPr dirty="0" sz="1700" spc="-5">
+              <a:rPr sz="1700" spc="-5" dirty="0">
                 <a:solidFill>
                   <a:srgbClr val="FFFFFF"/>
                 </a:solidFill>
@@ -9041,7 +9072,7 @@
               <a:t>the </a:t>
             </a:r>
             <a:r>
-              <a:rPr dirty="0" sz="1700">
+              <a:rPr sz="1700" dirty="0">
                 <a:solidFill>
                   <a:srgbClr val="FFFFFF"/>
                 </a:solidFill>
@@ -9051,7 +9082,7 @@
               <a:t>nearest one is </a:t>
             </a:r>
             <a:r>
-              <a:rPr dirty="0" sz="1700" spc="-5">
+              <a:rPr sz="1700" spc="-5" dirty="0">
                 <a:solidFill>
                   <a:srgbClr val="FFFFFF"/>
                 </a:solidFill>
@@ -9061,7 +9092,7 @@
               <a:t>not far from  the </a:t>
             </a:r>
             <a:r>
-              <a:rPr dirty="0" sz="1700">
+              <a:rPr sz="1700" dirty="0">
                 <a:solidFill>
                   <a:srgbClr val="FFFFFF"/>
                 </a:solidFill>
@@ -9071,7 +9102,7 @@
               <a:t>metro</a:t>
             </a:r>
             <a:r>
-              <a:rPr dirty="0" sz="1700" spc="5">
+              <a:rPr sz="1700" spc="5" dirty="0">
                 <a:solidFill>
                   <a:srgbClr val="FFFFFF"/>
                 </a:solidFill>
@@ -9081,7 +9112,7 @@
               <a:t> </a:t>
             </a:r>
             <a:r>
-              <a:rPr dirty="0" sz="1700">
+              <a:rPr sz="1700" dirty="0">
                 <a:solidFill>
                   <a:srgbClr val="FFFFFF"/>
                 </a:solidFill>
@@ -9096,7 +9127,7 @@
             </a:endParaRPr>
           </a:p>
           <a:p>
-            <a:pPr algn="r" marR="5080">
+            <a:pPr marR="5080" algn="r">
               <a:lnSpc>
                 <a:spcPct val="100000"/>
               </a:lnSpc>
@@ -9105,7 +9136,7 @@
               </a:spcBef>
             </a:pPr>
             <a:r>
-              <a:rPr dirty="0" sz="1800" b="1">
+              <a:rPr sz="1800" b="1" dirty="0">
                 <a:solidFill>
                   <a:srgbClr val="FFFFFF"/>
                 </a:solidFill>
@@ -9115,7 +9146,7 @@
               <a:t>Fig : </a:t>
             </a:r>
             <a:r>
-              <a:rPr dirty="0" sz="1800" spc="-5" b="1">
+              <a:rPr sz="1800" b="1" spc="-5" dirty="0">
                 <a:solidFill>
                   <a:srgbClr val="FFFFFF"/>
                 </a:solidFill>
@@ -9125,7 +9156,7 @@
               <a:t>Clusters </a:t>
             </a:r>
             <a:r>
-              <a:rPr dirty="0" sz="1800" b="1">
+              <a:rPr sz="1800" b="1" dirty="0">
                 <a:solidFill>
                   <a:srgbClr val="FFFFFF"/>
                 </a:solidFill>
@@ -9135,7 +9166,7 @@
               <a:t>and</a:t>
             </a:r>
             <a:r>
-              <a:rPr dirty="0" sz="1800" spc="-100" b="1">
+              <a:rPr sz="1800" b="1" spc="-100" dirty="0">
                 <a:solidFill>
                   <a:srgbClr val="FFFFFF"/>
                 </a:solidFill>
@@ -9145,7 +9176,7 @@
               <a:t> </a:t>
             </a:r>
             <a:r>
-              <a:rPr dirty="0" sz="1800" spc="-5" b="1">
+              <a:rPr sz="1800" b="1" spc="-5" dirty="0">
                 <a:solidFill>
                   <a:srgbClr val="FFFFFF"/>
                 </a:solidFill>
@@ -9185,7 +9216,9 @@
         <p:txBody>
           <a:bodyPr wrap="square" lIns="0" tIns="0" rIns="0" bIns="0" rtlCol="0"/>
           <a:lstStyle/>
-          <a:p/>
+          <a:p>
+            <a:endParaRPr/>
+          </a:p>
         </p:txBody>
       </p:sp>
     </p:spTree>
@@ -9228,10 +9261,12 @@
             <a:off x="3917060" y="201929"/>
             <a:ext cx="4191000" cy="756920"/>
           </a:xfrm>
-          <a:prstGeom prst="rect"/>
+          <a:prstGeom prst="rect">
+            <a:avLst/>
+          </a:prstGeom>
         </p:spPr>
         <p:txBody>
-          <a:bodyPr wrap="square" lIns="0" tIns="12700" rIns="0" bIns="0" rtlCol="0" vert="horz">
+          <a:bodyPr vert="horz" wrap="square" lIns="0" tIns="12700" rIns="0" bIns="0" rtlCol="0">
             <a:spAutoFit/>
           </a:bodyPr>
           <a:lstStyle/>
@@ -9262,10 +9297,12 @@
           </p:nvPr>
         </p:nvSpPr>
         <p:spPr>
-          <a:prstGeom prst="rect"/>
+          <a:prstGeom prst="rect">
+            <a:avLst/>
+          </a:prstGeom>
         </p:spPr>
         <p:txBody>
-          <a:bodyPr wrap="square" lIns="0" tIns="53975" rIns="0" bIns="0" rtlCol="0" vert="horz">
+          <a:bodyPr vert="horz" wrap="square" lIns="0" tIns="53975" rIns="0" bIns="0" rtlCol="0">
             <a:spAutoFit/>
           </a:bodyPr>
           <a:lstStyle/>
@@ -9289,7 +9326,7 @@
               <a:t>Clusters </a:t>
             </a:r>
             <a:r>
-              <a:rPr dirty="0" spc="-10"/>
+              <a:rPr spc="-10" dirty="0"/>
               <a:t>of </a:t>
             </a:r>
             <a:r>
@@ -9297,7 +9334,7 @@
               <a:t>areas </a:t>
             </a:r>
             <a:r>
-              <a:rPr dirty="0" spc="-5"/>
+              <a:rPr spc="-5" dirty="0"/>
               <a:t>(in </a:t>
             </a:r>
             <a:r>
@@ -9305,15 +9342,15 @@
               <a:t>our </a:t>
             </a:r>
             <a:r>
-              <a:rPr dirty="0" spc="-5"/>
+              <a:rPr spc="-5" dirty="0"/>
               <a:t>case Metro </a:t>
             </a:r>
             <a:r>
-              <a:rPr dirty="0" spc="-10"/>
+              <a:rPr spc="-10" dirty="0"/>
               <a:t>stations) </a:t>
             </a:r>
             <a:r>
-              <a:rPr dirty="0" spc="-5"/>
+              <a:rPr spc="-5" dirty="0"/>
               <a:t>were identified as </a:t>
             </a:r>
             <a:r>
@@ -9321,7 +9358,7 @@
               <a:t>groups  of </a:t>
             </a:r>
             <a:r>
-              <a:rPr dirty="0" spc="-5"/>
+              <a:rPr spc="-5" dirty="0"/>
               <a:t>similar in their </a:t>
             </a:r>
             <a:r>
@@ -9329,7 +9366,7 @@
               <a:t>potential </a:t>
             </a:r>
             <a:r>
-              <a:rPr dirty="0" spc="-5"/>
+              <a:rPr spc="-5" dirty="0"/>
               <a:t>locations for </a:t>
             </a:r>
             <a:r>
@@ -9337,7 +9374,7 @@
               <a:t>opening a</a:t>
             </a:r>
             <a:r>
-              <a:rPr dirty="0" spc="-5"/>
+              <a:rPr spc="-5" dirty="0"/>
               <a:t> gym</a:t>
             </a:r>
           </a:p>
@@ -9356,7 +9393,7 @@
               </a:tabLst>
             </a:pPr>
             <a:r>
-              <a:rPr dirty="0" spc="-5"/>
+              <a:rPr spc="-5" dirty="0"/>
               <a:t>Some </a:t>
             </a:r>
             <a:r>
@@ -9364,7 +9401,7 @@
               <a:t>examples </a:t>
             </a:r>
             <a:r>
-              <a:rPr dirty="0" spc="-5"/>
+              <a:rPr spc="-5" dirty="0"/>
               <a:t>of </a:t>
             </a:r>
             <a:r>
@@ -9372,7 +9409,7 @@
               <a:t>extra </a:t>
             </a:r>
             <a:r>
-              <a:rPr dirty="0" spc="-5"/>
+              <a:rPr spc="-5" dirty="0"/>
               <a:t>factors </a:t>
             </a:r>
             <a:r>
@@ -9380,7 +9417,7 @@
               <a:t>can be</a:t>
             </a:r>
             <a:r>
-              <a:rPr dirty="0" spc="-90"/>
+              <a:rPr spc="-90" dirty="0"/>
               <a:t> </a:t>
             </a:r>
             <a:r>
@@ -9389,7 +9426,7 @@
             </a:r>
           </a:p>
           <a:p>
-            <a:pPr lvl="1" marL="805180" indent="-332740">
+            <a:pPr marL="805180" lvl="1" indent="-332740">
               <a:lnSpc>
                 <a:spcPct val="100000"/>
               </a:lnSpc>
@@ -9403,7 +9440,7 @@
               </a:tabLst>
             </a:pPr>
             <a:r>
-              <a:rPr dirty="0" sz="2400" spc="-5">
+              <a:rPr sz="2400" spc="-5" dirty="0">
                 <a:solidFill>
                   <a:srgbClr val="FFFFFF"/>
                 </a:solidFill>
@@ -9413,7 +9450,7 @@
               <a:t>Population density in that</a:t>
             </a:r>
             <a:r>
-              <a:rPr dirty="0" sz="2400" spc="5">
+              <a:rPr sz="2400" spc="5" dirty="0">
                 <a:solidFill>
                   <a:srgbClr val="FFFFFF"/>
                 </a:solidFill>
@@ -9423,7 +9460,7 @@
               <a:t> </a:t>
             </a:r>
             <a:r>
-              <a:rPr dirty="0" sz="2400" spc="-5">
+              <a:rPr sz="2400" spc="-5" dirty="0">
                 <a:solidFill>
                   <a:srgbClr val="FFFFFF"/>
                 </a:solidFill>
@@ -9438,7 +9475,7 @@
             </a:endParaRPr>
           </a:p>
           <a:p>
-            <a:pPr lvl="1" marL="701675" marR="7620" indent="-228600">
+            <a:pPr marL="701675" marR="7620" lvl="1" indent="-228600">
               <a:lnSpc>
                 <a:spcPts val="2590"/>
               </a:lnSpc>
@@ -9461,7 +9498,7 @@
               </a:tabLst>
             </a:pPr>
             <a:r>
-              <a:rPr dirty="0" sz="2400">
+              <a:rPr sz="2400" dirty="0">
                 <a:solidFill>
                   <a:srgbClr val="FFFFFF"/>
                 </a:solidFill>
@@ -9471,7 +9508,7 @@
               <a:t>Nu</a:t>
             </a:r>
             <a:r>
-              <a:rPr dirty="0" sz="2400" spc="-10">
+              <a:rPr sz="2400" spc="-10" dirty="0">
                 <a:solidFill>
                   <a:srgbClr val="FFFFFF"/>
                 </a:solidFill>
@@ -9481,7 +9518,7 @@
               <a:t>m</a:t>
             </a:r>
             <a:r>
-              <a:rPr dirty="0" sz="2400" spc="-5">
+              <a:rPr sz="2400" spc="-5" dirty="0">
                 <a:solidFill>
                   <a:srgbClr val="FFFFFF"/>
                 </a:solidFill>
@@ -9491,7 +9528,7 @@
               <a:t>b</a:t>
             </a:r>
             <a:r>
-              <a:rPr dirty="0" sz="2400" spc="5">
+              <a:rPr sz="2400" spc="5" dirty="0">
                 <a:solidFill>
                   <a:srgbClr val="FFFFFF"/>
                 </a:solidFill>
@@ -9501,7 +9538,7 @@
               <a:t>e</a:t>
             </a:r>
             <a:r>
-              <a:rPr dirty="0" sz="2400">
+              <a:rPr sz="2400" dirty="0">
                 <a:solidFill>
                   <a:srgbClr val="FFFFFF"/>
                 </a:solidFill>
@@ -9511,7 +9548,7 @@
               <a:t>r	</a:t>
             </a:r>
             <a:r>
-              <a:rPr dirty="0" sz="2400" spc="-15">
+              <a:rPr sz="2400" spc="-15" dirty="0">
                 <a:solidFill>
                   <a:srgbClr val="FFFFFF"/>
                 </a:solidFill>
@@ -9521,7 +9558,7 @@
               <a:t>o</a:t>
             </a:r>
             <a:r>
-              <a:rPr dirty="0" sz="2400">
+              <a:rPr sz="2400" dirty="0">
                 <a:solidFill>
                   <a:srgbClr val="FFFFFF"/>
                 </a:solidFill>
@@ -9531,7 +9568,7 @@
               <a:t>f	</a:t>
             </a:r>
             <a:r>
-              <a:rPr dirty="0" sz="2400" spc="-5">
+              <a:rPr sz="2400" spc="-5" dirty="0">
                 <a:solidFill>
                   <a:srgbClr val="FFFFFF"/>
                 </a:solidFill>
@@ -9541,7 +9578,7 @@
               <a:t>busin</a:t>
             </a:r>
             <a:r>
-              <a:rPr dirty="0" sz="2400" spc="5">
+              <a:rPr sz="2400" spc="5" dirty="0">
                 <a:solidFill>
                   <a:srgbClr val="FFFFFF"/>
                 </a:solidFill>
@@ -9551,7 +9588,7 @@
               <a:t>e</a:t>
             </a:r>
             <a:r>
-              <a:rPr dirty="0" sz="2400">
+              <a:rPr sz="2400" dirty="0">
                 <a:solidFill>
                   <a:srgbClr val="FFFFFF"/>
                 </a:solidFill>
@@ -9561,7 +9598,7 @@
               <a:t>ss	operating	</a:t>
             </a:r>
             <a:r>
-              <a:rPr dirty="0" sz="2400" spc="-5">
+              <a:rPr sz="2400" spc="-5" dirty="0">
                 <a:solidFill>
                   <a:srgbClr val="FFFFFF"/>
                 </a:solidFill>
@@ -9571,7 +9608,7 @@
               <a:t>i</a:t>
             </a:r>
             <a:r>
-              <a:rPr dirty="0" sz="2400">
+              <a:rPr sz="2400" dirty="0">
                 <a:solidFill>
                   <a:srgbClr val="FFFFFF"/>
                 </a:solidFill>
@@ -9581,7 +9618,7 @@
               <a:t>n	</a:t>
             </a:r>
             <a:r>
-              <a:rPr dirty="0" sz="2400" spc="-5">
+              <a:rPr sz="2400" spc="-5" dirty="0">
                 <a:solidFill>
                   <a:srgbClr val="FFFFFF"/>
                 </a:solidFill>
@@ -9591,7 +9628,7 @@
               <a:t>tha</a:t>
             </a:r>
             <a:r>
-              <a:rPr dirty="0" sz="2400">
+              <a:rPr sz="2400" dirty="0">
                 <a:solidFill>
                   <a:srgbClr val="FFFFFF"/>
                 </a:solidFill>
@@ -9601,7 +9638,7 @@
               <a:t>t	</a:t>
             </a:r>
             <a:r>
-              <a:rPr dirty="0" sz="2400" spc="-10">
+              <a:rPr sz="2400" spc="-10" dirty="0">
                 <a:solidFill>
                   <a:srgbClr val="FFFFFF"/>
                 </a:solidFill>
@@ -9611,7 +9648,7 @@
               <a:t>n</a:t>
             </a:r>
             <a:r>
-              <a:rPr dirty="0" sz="2400">
+              <a:rPr sz="2400" dirty="0">
                 <a:solidFill>
                   <a:srgbClr val="FFFFFF"/>
                 </a:solidFill>
@@ -9621,7 +9658,7 @@
               <a:t>eig</a:t>
             </a:r>
             <a:r>
-              <a:rPr dirty="0" sz="2400" spc="5">
+              <a:rPr sz="2400" spc="5" dirty="0">
                 <a:solidFill>
                   <a:srgbClr val="FFFFFF"/>
                 </a:solidFill>
@@ -9631,7 +9668,7 @@
               <a:t>h</a:t>
             </a:r>
             <a:r>
-              <a:rPr dirty="0" sz="2400" spc="-5">
+              <a:rPr sz="2400" spc="-5" dirty="0">
                 <a:solidFill>
                   <a:srgbClr val="FFFFFF"/>
                 </a:solidFill>
@@ -9641,7 +9678,7 @@
               <a:t>bor</a:t>
             </a:r>
             <a:r>
-              <a:rPr dirty="0" sz="2400">
+              <a:rPr sz="2400" dirty="0">
                 <a:solidFill>
                   <a:srgbClr val="FFFFFF"/>
                 </a:solidFill>
@@ -9651,7 +9688,7 @@
               <a:t>h</a:t>
             </a:r>
             <a:r>
-              <a:rPr dirty="0" sz="2400" spc="-15">
+              <a:rPr sz="2400" spc="-15" dirty="0">
                 <a:solidFill>
                   <a:srgbClr val="FFFFFF"/>
                 </a:solidFill>
@@ -9661,7 +9698,7 @@
               <a:t>o</a:t>
             </a:r>
             <a:r>
-              <a:rPr dirty="0" sz="2400">
+              <a:rPr sz="2400" dirty="0">
                 <a:solidFill>
                   <a:srgbClr val="FFFFFF"/>
                 </a:solidFill>
@@ -9671,7 +9708,7 @@
               <a:t>od	(	people	mi</a:t>
             </a:r>
             <a:r>
-              <a:rPr dirty="0" sz="2400" spc="-10">
+              <a:rPr sz="2400" spc="-10" dirty="0">
                 <a:solidFill>
                   <a:srgbClr val="FFFFFF"/>
                 </a:solidFill>
@@ -9681,7 +9718,7 @@
               <a:t>g</a:t>
             </a:r>
             <a:r>
-              <a:rPr dirty="0" sz="2400">
+              <a:rPr sz="2400" dirty="0">
                 <a:solidFill>
                   <a:srgbClr val="FFFFFF"/>
                 </a:solidFill>
@@ -9691,7 +9728,7 @@
               <a:t>ht  </a:t>
             </a:r>
             <a:r>
-              <a:rPr dirty="0" sz="2400" spc="-5">
+              <a:rPr sz="2400" spc="-5" dirty="0">
                 <a:solidFill>
                   <a:srgbClr val="FFFFFF"/>
                 </a:solidFill>
@@ -9701,7 +9738,7 @@
               <a:t>want their workplace </a:t>
             </a:r>
             <a:r>
-              <a:rPr dirty="0" sz="2400">
+              <a:rPr sz="2400" dirty="0">
                 <a:solidFill>
                   <a:srgbClr val="FFFFFF"/>
                 </a:solidFill>
@@ -9711,7 +9748,7 @@
               <a:t>close </a:t>
             </a:r>
             <a:r>
-              <a:rPr dirty="0" sz="2400" spc="-5">
+              <a:rPr sz="2400" spc="-5" dirty="0">
                 <a:solidFill>
                   <a:srgbClr val="FFFFFF"/>
                 </a:solidFill>
@@ -9721,7 +9758,7 @@
               <a:t>to the gym</a:t>
             </a:r>
             <a:r>
-              <a:rPr dirty="0" sz="2400" spc="-50">
+              <a:rPr sz="2400" spc="-50" dirty="0">
                 <a:solidFill>
                   <a:srgbClr val="FFFFFF"/>
                 </a:solidFill>
@@ -9731,7 +9768,7 @@
               <a:t> </a:t>
             </a:r>
             <a:r>
-              <a:rPr dirty="0" sz="2400">
+              <a:rPr sz="2400" dirty="0">
                 <a:solidFill>
                   <a:srgbClr val="FFFFFF"/>
                 </a:solidFill>
@@ -9746,7 +9783,7 @@
             </a:endParaRPr>
           </a:p>
           <a:p>
-            <a:pPr lvl="1" marL="805180" indent="-332740">
+            <a:pPr marL="805180" lvl="1" indent="-332740">
               <a:lnSpc>
                 <a:spcPct val="100000"/>
               </a:lnSpc>
@@ -9760,7 +9797,7 @@
               </a:tabLst>
             </a:pPr>
             <a:r>
-              <a:rPr dirty="0" sz="2400" spc="-10">
+              <a:rPr sz="2400" spc="-10" dirty="0">
                 <a:solidFill>
                   <a:srgbClr val="FFFFFF"/>
                 </a:solidFill>
@@ -9775,7 +9812,7 @@
             </a:endParaRPr>
           </a:p>
           <a:p>
-            <a:pPr lvl="1" marL="805180" indent="-332740">
+            <a:pPr marL="805180" lvl="1" indent="-332740">
               <a:lnSpc>
                 <a:spcPct val="100000"/>
               </a:lnSpc>
@@ -9789,7 +9826,7 @@
               </a:tabLst>
             </a:pPr>
             <a:r>
-              <a:rPr dirty="0" sz="2400" spc="-5">
+              <a:rPr sz="2400" spc="-5" dirty="0">
                 <a:solidFill>
                   <a:srgbClr val="FFFFFF"/>
                 </a:solidFill>
@@ -9799,7 +9836,7 @@
               <a:t>Average income of the </a:t>
             </a:r>
             <a:r>
-              <a:rPr dirty="0" sz="2400">
+              <a:rPr sz="2400" dirty="0">
                 <a:solidFill>
                   <a:srgbClr val="FFFFFF"/>
                 </a:solidFill>
@@ -9809,7 +9846,7 @@
               <a:t>people </a:t>
             </a:r>
             <a:r>
-              <a:rPr dirty="0" sz="2400" spc="-5">
+              <a:rPr sz="2400" spc="-5" dirty="0">
                 <a:solidFill>
                   <a:srgbClr val="FFFFFF"/>
                 </a:solidFill>
@@ -9819,7 +9856,7 @@
               <a:t>in that</a:t>
             </a:r>
             <a:r>
-              <a:rPr dirty="0" sz="2400" spc="-15">
+              <a:rPr sz="2400" spc="-15" dirty="0">
                 <a:solidFill>
                   <a:srgbClr val="FFFFFF"/>
                 </a:solidFill>
@@ -9829,7 +9866,7 @@
               <a:t> </a:t>
             </a:r>
             <a:r>
-              <a:rPr dirty="0" sz="2400" spc="-5">
+              <a:rPr sz="2400" spc="-5" dirty="0">
                 <a:solidFill>
                   <a:srgbClr val="FFFFFF"/>
                 </a:solidFill>
@@ -9844,7 +9881,7 @@
             </a:endParaRPr>
           </a:p>
           <a:p>
-            <a:pPr lvl="1" marL="805180" indent="-332740">
+            <a:pPr marL="805180" lvl="1" indent="-332740">
               <a:lnSpc>
                 <a:spcPct val="100000"/>
               </a:lnSpc>
@@ -9858,7 +9895,7 @@
               </a:tabLst>
             </a:pPr>
             <a:r>
-              <a:rPr dirty="0" sz="2400">
+              <a:rPr sz="2400" dirty="0">
                 <a:solidFill>
                   <a:srgbClr val="FFFFFF"/>
                 </a:solidFill>
@@ -9868,7 +9905,7 @@
               <a:t>Property prices </a:t>
             </a:r>
             <a:r>
-              <a:rPr dirty="0" sz="2400" spc="-5">
+              <a:rPr sz="2400" spc="-5" dirty="0">
                 <a:solidFill>
                   <a:srgbClr val="FFFFFF"/>
                 </a:solidFill>
@@ -9878,7 +9915,7 @@
               <a:t>in that</a:t>
             </a:r>
             <a:r>
-              <a:rPr dirty="0" sz="2400" spc="-50">
+              <a:rPr sz="2400" spc="-50" dirty="0">
                 <a:solidFill>
                   <a:srgbClr val="FFFFFF"/>
                 </a:solidFill>
@@ -9888,7 +9925,7 @@
               <a:t> </a:t>
             </a:r>
             <a:r>
-              <a:rPr dirty="0" sz="2400" spc="-5">
+              <a:rPr sz="2400" spc="-5" dirty="0">
                 <a:solidFill>
                   <a:srgbClr val="FFFFFF"/>
                 </a:solidFill>
